--- a/Presentation-caoqi.pptx
+++ b/Presentation-caoqi.pptx
@@ -8,10 +8,10 @@
     <p:sldMasterId id="2147483685" r:id="rId4"/>
   </p:sldMasterIdLst>
   <p:notesMasterIdLst>
-    <p:notesMasterId r:id="rId37"/>
+    <p:notesMasterId r:id="rId38"/>
   </p:notesMasterIdLst>
   <p:handoutMasterIdLst>
-    <p:handoutMasterId r:id="rId38"/>
+    <p:handoutMasterId r:id="rId39"/>
   </p:handoutMasterIdLst>
   <p:sldIdLst>
     <p:sldId id="256" r:id="rId5"/>
@@ -32,20 +32,21 @@
     <p:sldId id="343" r:id="rId20"/>
     <p:sldId id="345" r:id="rId21"/>
     <p:sldId id="346" r:id="rId22"/>
-    <p:sldId id="347" r:id="rId23"/>
-    <p:sldId id="348" r:id="rId24"/>
-    <p:sldId id="349" r:id="rId25"/>
-    <p:sldId id="350" r:id="rId26"/>
-    <p:sldId id="351" r:id="rId27"/>
-    <p:sldId id="352" r:id="rId28"/>
-    <p:sldId id="316" r:id="rId29"/>
-    <p:sldId id="317" r:id="rId30"/>
-    <p:sldId id="318" r:id="rId31"/>
-    <p:sldId id="319" r:id="rId32"/>
-    <p:sldId id="320" r:id="rId33"/>
-    <p:sldId id="321" r:id="rId34"/>
-    <p:sldId id="322" r:id="rId35"/>
-    <p:sldId id="304" r:id="rId36"/>
+    <p:sldId id="353" r:id="rId23"/>
+    <p:sldId id="354" r:id="rId24"/>
+    <p:sldId id="355" r:id="rId25"/>
+    <p:sldId id="356" r:id="rId26"/>
+    <p:sldId id="357" r:id="rId27"/>
+    <p:sldId id="358" r:id="rId28"/>
+    <p:sldId id="352" r:id="rId29"/>
+    <p:sldId id="316" r:id="rId30"/>
+    <p:sldId id="317" r:id="rId31"/>
+    <p:sldId id="318" r:id="rId32"/>
+    <p:sldId id="319" r:id="rId33"/>
+    <p:sldId id="320" r:id="rId34"/>
+    <p:sldId id="321" r:id="rId35"/>
+    <p:sldId id="322" r:id="rId36"/>
+    <p:sldId id="304" r:id="rId37"/>
   </p:sldIdLst>
   <p:sldSz cx="9144000" cy="6858000" type="screen4x3"/>
   <p:notesSz cx="6742113" cy="9872663"/>
@@ -1012,7 +1013,7 @@
           <a:p>
             <a:fld id="{021F674D-CFCE-456A-BD0A-319AF6E4E1A2}" type="slidenum">
               <a:rPr lang="en-US" altLang="en-US" smtClean="0"/>
-              <a:t>26</a:t>
+              <a:t>27</a:t>
             </a:fld>
             <a:endParaRPr lang="en-US" altLang="en-US"/>
           </a:p>
@@ -1113,7 +1114,7 @@
           <a:p>
             <a:fld id="{021F674D-CFCE-456A-BD0A-319AF6E4E1A2}" type="slidenum">
               <a:rPr lang="en-US" altLang="en-US" smtClean="0"/>
-              <a:t>27</a:t>
+              <a:t>28</a:t>
             </a:fld>
             <a:endParaRPr lang="en-US" altLang="en-US"/>
           </a:p>
@@ -1214,7 +1215,7 @@
           <a:p>
             <a:fld id="{021F674D-CFCE-456A-BD0A-319AF6E4E1A2}" type="slidenum">
               <a:rPr lang="en-US" altLang="en-US" smtClean="0"/>
-              <a:t>28</a:t>
+              <a:t>29</a:t>
             </a:fld>
             <a:endParaRPr lang="en-US" altLang="en-US"/>
           </a:p>
@@ -1315,7 +1316,7 @@
           <a:p>
             <a:fld id="{021F674D-CFCE-456A-BD0A-319AF6E4E1A2}" type="slidenum">
               <a:rPr lang="en-US" altLang="en-US" smtClean="0"/>
-              <a:t>29</a:t>
+              <a:t>30</a:t>
             </a:fld>
             <a:endParaRPr lang="en-US" altLang="en-US"/>
           </a:p>
@@ -1399,7 +1400,7 @@
           <a:p>
             <a:fld id="{021F674D-CFCE-456A-BD0A-319AF6E4E1A2}" type="slidenum">
               <a:rPr lang="en-US" altLang="en-US" smtClean="0"/>
-              <a:t>30</a:t>
+              <a:t>31</a:t>
             </a:fld>
             <a:endParaRPr lang="en-US" altLang="en-US"/>
           </a:p>
@@ -1500,7 +1501,7 @@
           <a:p>
             <a:fld id="{021F674D-CFCE-456A-BD0A-319AF6E4E1A2}" type="slidenum">
               <a:rPr lang="en-US" altLang="en-US" smtClean="0"/>
-              <a:t>31</a:t>
+              <a:t>32</a:t>
             </a:fld>
             <a:endParaRPr lang="en-US" altLang="en-US"/>
           </a:p>
@@ -1605,7 +1606,7 @@
           <a:p>
             <a:fld id="{021F674D-CFCE-456A-BD0A-319AF6E4E1A2}" type="slidenum">
               <a:rPr lang="en-US" altLang="en-US" smtClean="0"/>
-              <a:t>32</a:t>
+              <a:t>33</a:t>
             </a:fld>
             <a:endParaRPr lang="en-US" altLang="en-US"/>
           </a:p>
@@ -3079,7 +3080,7 @@
           <a:p>
             <a:fld id="{021F674D-CFCE-456A-BD0A-319AF6E4E1A2}" type="slidenum">
               <a:rPr lang="en-US" altLang="en-US" smtClean="0"/>
-              <a:t>25</a:t>
+              <a:t>26</a:t>
             </a:fld>
             <a:endParaRPr lang="en-US" altLang="en-US"/>
           </a:p>
@@ -19965,8 +19966,8 @@
           </a:p>
         </p:txBody>
       </p:sp>
-      <mc:AlternateContent xmlns:mc="http://schemas.openxmlformats.org/markup-compatibility/2006">
-        <mc:Choice xmlns:a14="http://schemas.microsoft.com/office/drawing/2010/main" Requires="a14">
+      <mc:AlternateContent xmlns:mc="http://schemas.openxmlformats.org/markup-compatibility/2006" xmlns:a14="http://schemas.microsoft.com/office/drawing/2010/main">
+        <mc:Choice Requires="a14">
           <p:sp>
             <p:nvSpPr>
               <p:cNvPr id="3" name="Content Placeholder 2"/>
@@ -19984,13 +19985,8 @@
               <a:p>
                 <a:r>
                   <a:rPr lang="en-US" dirty="0" smtClean="0"/>
-                  <a:t>K iteration</a:t>
+                  <a:t>K iteration:</a:t>
                 </a:r>
-                <a:r>
-                  <a:rPr lang="en-US" dirty="0" smtClean="0"/>
-                  <a:t>:</a:t>
-                </a:r>
-                <a:endParaRPr lang="en-US" dirty="0" smtClean="0"/>
               </a:p>
               <a:p>
                 <a:pPr marL="514350" indent="-514350">
@@ -19999,11 +19995,7 @@
                 </a:pPr>
                 <a:r>
                   <a:rPr lang="en-US" dirty="0"/>
-                  <a:t>Select </a:t>
-                </a:r>
-                <a:r>
-                  <a:rPr lang="en-US" dirty="0"/>
-                  <a:t>s</a:t>
+                  <a:t>Select s</a:t>
                 </a:r>
                 <a:r>
                   <a:rPr lang="en-US" dirty="0" smtClean="0"/>
@@ -20250,7 +20242,7 @@
             </p:txBody>
           </p:sp>
         </mc:Choice>
-        <mc:Fallback>
+        <mc:Fallback xmlns="">
           <p:sp>
             <p:nvSpPr>
               <p:cNvPr id="3" name="Content Placeholder 2"/>
@@ -21307,8 +21299,8 @@
           </a:p>
         </p:txBody>
       </p:sp>
-      <mc:AlternateContent xmlns:mc="http://schemas.openxmlformats.org/markup-compatibility/2006">
-        <mc:Choice xmlns:a14="http://schemas.microsoft.com/office/drawing/2010/main" Requires="a14">
+      <mc:AlternateContent xmlns:mc="http://schemas.openxmlformats.org/markup-compatibility/2006" xmlns:a14="http://schemas.microsoft.com/office/drawing/2010/main">
+        <mc:Choice Requires="a14">
           <p:sp>
             <p:nvSpPr>
               <p:cNvPr id="3" name="Content Placeholder 2"/>
@@ -21481,7 +21473,7 @@
             </p:txBody>
           </p:sp>
         </mc:Choice>
-        <mc:Fallback>
+        <mc:Fallback xmlns="">
           <p:sp>
             <p:nvSpPr>
               <p:cNvPr id="3" name="Content Placeholder 2"/>
@@ -21603,15 +21595,100 @@
                 <p:ph idx="1"/>
               </p:nvPr>
             </p:nvSpPr>
-            <p:spPr/>
+            <p:spPr>
+              <a:xfrm>
+                <a:off x="491159" y="1066800"/>
+                <a:ext cx="8417313" cy="4957510"/>
+              </a:xfrm>
+            </p:spPr>
             <p:txBody>
               <a:bodyPr/>
               <a:lstStyle/>
               <a:p>
                 <a:r>
                   <a:rPr lang="en-US" dirty="0" smtClean="0"/>
-                  <a:t>N – the number of iterations required</a:t>
+                  <a:t>N – the number of iterations required (samples)</a:t>
                 </a:r>
+              </a:p>
+              <a:p>
+                <a:pPr lvl="1">
+                  <a:buFont typeface="Wingdings" panose="05000000000000000000" pitchFamily="2" charset="2"/>
+                  <a:buChar char="§"/>
+                </a:pPr>
+                <a14:m>
+                  <m:oMath xmlns:m="http://schemas.openxmlformats.org/officeDocument/2006/math">
+                    <m:sSub>
+                      <m:sSubPr>
+                        <m:ctrlPr>
+                          <a:rPr lang="en-US" i="1" smtClean="0">
+                            <a:latin typeface="Cambria Math" panose="02040503050406030204" pitchFamily="18" charset="0"/>
+                          </a:rPr>
+                        </m:ctrlPr>
+                      </m:sSubPr>
+                      <m:e>
+                        <m:r>
+                          <a:rPr lang="en-US" b="0" i="1" smtClean="0">
+                            <a:latin typeface="Cambria Math" panose="02040503050406030204" pitchFamily="18" charset="0"/>
+                          </a:rPr>
+                          <m:t>𝑝</m:t>
+                        </m:r>
+                      </m:e>
+                      <m:sub>
+                        <m:r>
+                          <a:rPr lang="en-US" b="0" i="1" smtClean="0">
+                            <a:latin typeface="Cambria Math" panose="02040503050406030204" pitchFamily="18" charset="0"/>
+                          </a:rPr>
+                          <m:t>𝑜</m:t>
+                        </m:r>
+                      </m:sub>
+                    </m:sSub>
+                  </m:oMath>
+                </a14:m>
+                <a:r>
+                  <a:rPr lang="en-US" dirty="0" smtClean="0"/>
+                  <a:t> = probability that a point is an outlier</a:t>
+                </a:r>
+              </a:p>
+              <a:p>
+                <a:pPr lvl="1">
+                  <a:buFont typeface="Wingdings" panose="05000000000000000000" pitchFamily="2" charset="2"/>
+                  <a:buChar char="§"/>
+                </a:pPr>
+                <a:r>
+                  <a:rPr lang="en-US" dirty="0" smtClean="0"/>
+                  <a:t>s   = number of pairs in a sample</a:t>
+                </a:r>
+              </a:p>
+              <a:p>
+                <a:pPr lvl="1">
+                  <a:buFont typeface="Wingdings" panose="05000000000000000000" pitchFamily="2" charset="2"/>
+                  <a:buChar char="§"/>
+                </a:pPr>
+                <a:r>
+                  <a:rPr lang="en-US" dirty="0" smtClean="0"/>
+                  <a:t>N  = number of samples</a:t>
+                </a:r>
+              </a:p>
+              <a:p>
+                <a:pPr lvl="1">
+                  <a:buFont typeface="Wingdings" panose="05000000000000000000" pitchFamily="2" charset="2"/>
+                  <a:buChar char="§"/>
+                </a:pPr>
+                <a14:m>
+                  <m:oMath xmlns:m="http://schemas.openxmlformats.org/officeDocument/2006/math">
+                    <m:r>
+                      <a:rPr lang="en-US" i="1">
+                        <a:latin typeface="Cambria Math" panose="02040503050406030204" pitchFamily="18" charset="0"/>
+                      </a:rPr>
+                      <m:t>𝑝</m:t>
+                    </m:r>
+                  </m:oMath>
+                </a14:m>
+                <a:r>
+                  <a:rPr lang="en-US" dirty="0" smtClean="0"/>
+                  <a:t>   = desired probability that get a good sample</a:t>
+                </a:r>
+                <a:endParaRPr lang="en-US" dirty="0"/>
               </a:p>
               <a:p>
                 <a:endParaRPr lang="en-US" dirty="0"/>
@@ -21629,16 +21706,44 @@
                       <m:sSup>
                         <m:sSupPr>
                           <m:ctrlPr>
-                            <a:rPr lang="en-US" b="0" i="1" smtClean="0">
+                            <a:rPr lang="pt-BR" i="1" smtClean="0">
+                              <a:solidFill>
+                                <a:schemeClr val="tx1"/>
+                              </a:solidFill>
                               <a:latin typeface="Cambria Math" panose="02040503050406030204" pitchFamily="18" charset="0"/>
                             </a:rPr>
                           </m:ctrlPr>
                         </m:sSupPr>
                         <m:e>
+                          <m:r>
+                            <m:rPr>
+                              <m:nor/>
+                            </m:rPr>
+                            <a:rPr lang="pt-BR" dirty="0">
+                              <a:solidFill>
+                                <a:schemeClr val="tx1"/>
+                              </a:solidFill>
+                            </a:rPr>
+                            <m:t>1−(</m:t>
+                          </m:r>
+                          <m:r>
+                            <m:rPr>
+                              <m:nor/>
+                            </m:rPr>
+                            <a:rPr lang="pt-BR" dirty="0">
+                              <a:solidFill>
+                                <a:schemeClr val="tx1"/>
+                              </a:solidFill>
+                            </a:rPr>
+                            <m:t>1−</m:t>
+                          </m:r>
                           <m:sSup>
                             <m:sSupPr>
                               <m:ctrlPr>
                                 <a:rPr lang="pt-BR" i="1">
+                                  <a:solidFill>
+                                    <a:schemeClr val="tx1"/>
+                                  </a:solidFill>
                                   <a:latin typeface="Cambria Math" panose="02040503050406030204" pitchFamily="18" charset="0"/>
                                 </a:rPr>
                               </m:ctrlPr>
@@ -21646,37 +21751,54 @@
                             <m:e>
                               <m:r>
                                 <a:rPr lang="en-US" i="1">
+                                  <a:solidFill>
+                                    <a:schemeClr val="tx1"/>
+                                  </a:solidFill>
                                   <a:latin typeface="Cambria Math" panose="02040503050406030204" pitchFamily="18" charset="0"/>
                                 </a:rPr>
-                                <m:t>1−</m:t>
+                                <m:t>(1−</m:t>
                               </m:r>
-                              <m:d>
-                                <m:dPr>
+                              <m:sSub>
+                                <m:sSubPr>
                                   <m:ctrlPr>
-                                    <a:rPr lang="pt-BR" i="1">
+                                    <a:rPr lang="en-US" i="1">
                                       <a:latin typeface="Cambria Math" panose="02040503050406030204" pitchFamily="18" charset="0"/>
                                     </a:rPr>
                                   </m:ctrlPr>
-                                </m:dPr>
+                                </m:sSubPr>
                                 <m:e>
                                   <m:r>
                                     <a:rPr lang="en-US" i="1">
                                       <a:latin typeface="Cambria Math" panose="02040503050406030204" pitchFamily="18" charset="0"/>
                                     </a:rPr>
-                                    <m:t>1−(1−</m:t>
+                                    <m:t>𝑝</m:t>
                                   </m:r>
+                                </m:e>
+                                <m:sub>
                                   <m:r>
                                     <a:rPr lang="en-US" i="1">
                                       <a:latin typeface="Cambria Math" panose="02040503050406030204" pitchFamily="18" charset="0"/>
                                     </a:rPr>
-                                    <m:t>𝑒</m:t>
+                                    <m:t>𝑜</m:t>
                                   </m:r>
-                                </m:e>
-                              </m:d>
+                                </m:sub>
+                              </m:sSub>
+                              <m:r>
+                                <a:rPr lang="en-US" i="1">
+                                  <a:solidFill>
+                                    <a:schemeClr val="tx1"/>
+                                  </a:solidFill>
+                                  <a:latin typeface="Cambria Math" panose="02040503050406030204" pitchFamily="18" charset="0"/>
+                                </a:rPr>
+                                <m:t>)</m:t>
+                              </m:r>
                             </m:e>
                             <m:sup>
                               <m:r>
                                 <a:rPr lang="en-US" i="1">
+                                  <a:solidFill>
+                                    <a:schemeClr val="tx1"/>
+                                  </a:solidFill>
                                   <a:latin typeface="Cambria Math" panose="02040503050406030204" pitchFamily="18" charset="0"/>
                                 </a:rPr>
                                 <m:t>𝑠</m:t>
@@ -21685,6 +21807,9 @@
                           </m:sSup>
                           <m:r>
                             <a:rPr lang="en-US" i="1">
+                              <a:solidFill>
+                                <a:schemeClr val="tx1"/>
+                              </a:solidFill>
                               <a:latin typeface="Cambria Math" panose="02040503050406030204" pitchFamily="18" charset="0"/>
                             </a:rPr>
                             <m:t>)</m:t>
@@ -21692,7 +21817,10 @@
                         </m:e>
                         <m:sup>
                           <m:r>
-                            <a:rPr lang="en-US" b="0" i="1" smtClean="0">
+                            <a:rPr lang="en-US" i="1">
+                              <a:solidFill>
+                                <a:schemeClr val="tx1"/>
+                              </a:solidFill>
                               <a:latin typeface="Cambria Math" panose="02040503050406030204" pitchFamily="18" charset="0"/>
                             </a:rPr>
                             <m:t>𝑁</m:t>
@@ -21700,13 +21828,19 @@
                         </m:sup>
                       </m:sSup>
                       <m:r>
-                        <a:rPr lang="pt-BR" i="1" smtClean="0">
+                        <a:rPr lang="pt-BR" i="1">
+                          <a:solidFill>
+                            <a:schemeClr val="tx1"/>
+                          </a:solidFill>
                           <a:latin typeface="Cambria Math" panose="02040503050406030204" pitchFamily="18" charset="0"/>
                         </a:rPr>
                         <m:t>=</m:t>
                       </m:r>
                       <m:r>
-                        <a:rPr lang="en-US" b="0" i="1" smtClean="0">
+                        <a:rPr lang="en-US" i="1">
+                          <a:solidFill>
+                            <a:schemeClr val="tx1"/>
+                          </a:solidFill>
                           <a:latin typeface="Cambria Math" panose="02040503050406030204" pitchFamily="18" charset="0"/>
                         </a:rPr>
                         <m:t>𝑝</m:t>
@@ -21714,7 +21848,11 @@
                     </m:oMath>
                   </m:oMathPara>
                 </a14:m>
-                <a:endParaRPr lang="en-US" dirty="0" smtClean="0"/>
+                <a:endParaRPr lang="en-US" dirty="0">
+                  <a:solidFill>
+                    <a:schemeClr val="tx1"/>
+                  </a:solidFill>
+                </a:endParaRPr>
               </a:p>
               <a:p>
                 <a:pPr marL="0" indent="0">
@@ -21729,6 +21867,2926 @@
                 <a:endParaRPr lang="en-US" dirty="0"/>
               </a:p>
               <a:p>
+                <a:endParaRPr lang="en-SG" dirty="0"/>
+              </a:p>
+            </p:txBody>
+          </p:sp>
+        </mc:Choice>
+        <mc:Fallback>
+          <p:sp>
+            <p:nvSpPr>
+              <p:cNvPr id="3" name="Content Placeholder 2"/>
+              <p:cNvSpPr>
+                <a:spLocks noGrp="1" noRot="1" noChangeAspect="1" noMove="1" noResize="1" noEditPoints="1" noAdjustHandles="1" noChangeArrowheads="1" noChangeShapeType="1" noTextEdit="1"/>
+              </p:cNvSpPr>
+              <p:nvPr>
+                <p:ph idx="1"/>
+              </p:nvPr>
+            </p:nvSpPr>
+            <p:spPr>
+              <a:xfrm>
+                <a:off x="491159" y="1066800"/>
+                <a:ext cx="8417313" cy="4957510"/>
+              </a:xfrm>
+              <a:blipFill>
+                <a:blip r:embed="rId2"/>
+                <a:stretch>
+                  <a:fillRect l="-1304" t="-1230" r="-580"/>
+                </a:stretch>
+              </a:blipFill>
+            </p:spPr>
+            <p:txBody>
+              <a:bodyPr/>
+              <a:lstStyle/>
+              <a:p>
+                <a:r>
+                  <a:rPr lang="en-SG">
+                    <a:noFill/>
+                  </a:rPr>
+                  <a:t> </a:t>
+                </a:r>
+              </a:p>
+            </p:txBody>
+          </p:sp>
+        </mc:Fallback>
+      </mc:AlternateContent>
+      <p:sp>
+        <p:nvSpPr>
+          <p:cNvPr id="4" name="Text Placeholder 3"/>
+          <p:cNvSpPr>
+            <a:spLocks noGrp="1"/>
+          </p:cNvSpPr>
+          <p:nvPr>
+            <p:ph type="body" idx="10"/>
+          </p:nvPr>
+        </p:nvSpPr>
+        <p:spPr/>
+        <p:txBody>
+          <a:bodyPr/>
+          <a:lstStyle/>
+          <a:p>
+            <a:endParaRPr lang="en-SG"/>
+          </a:p>
+        </p:txBody>
+      </p:sp>
+    </p:spTree>
+    <p:extLst>
+      <p:ext uri="{BB962C8B-B14F-4D97-AF65-F5344CB8AC3E}">
+        <p14:creationId xmlns:p14="http://schemas.microsoft.com/office/powerpoint/2010/main" val="3208785430"/>
+      </p:ext>
+    </p:extLst>
+  </p:cSld>
+  <p:clrMapOvr>
+    <a:masterClrMapping/>
+  </p:clrMapOvr>
+</p:sld>
+</file>
+
+<file path=ppt/slides/slide19.xml><?xml version="1.0" encoding="utf-8"?>
+<p:sld xmlns:a="http://schemas.openxmlformats.org/drawingml/2006/main" xmlns:r="http://schemas.openxmlformats.org/officeDocument/2006/relationships" xmlns:p="http://schemas.openxmlformats.org/presentationml/2006/main">
+  <p:cSld>
+    <p:spTree>
+      <p:nvGrpSpPr>
+        <p:cNvPr id="1" name=""/>
+        <p:cNvGrpSpPr/>
+        <p:nvPr/>
+      </p:nvGrpSpPr>
+      <p:grpSpPr>
+        <a:xfrm>
+          <a:off x="0" y="0"/>
+          <a:ext cx="0" cy="0"/>
+          <a:chOff x="0" y="0"/>
+          <a:chExt cx="0" cy="0"/>
+        </a:xfrm>
+      </p:grpSpPr>
+      <p:sp>
+        <p:nvSpPr>
+          <p:cNvPr id="2" name="Title 1"/>
+          <p:cNvSpPr>
+            <a:spLocks noGrp="1"/>
+          </p:cNvSpPr>
+          <p:nvPr>
+            <p:ph type="title"/>
+          </p:nvPr>
+        </p:nvSpPr>
+        <p:spPr/>
+        <p:txBody>
+          <a:bodyPr/>
+          <a:lstStyle/>
+          <a:p>
+            <a:r>
+              <a:rPr lang="en-US" dirty="0" smtClean="0"/>
+              <a:t>Parameters</a:t>
+            </a:r>
+            <a:endParaRPr lang="en-SG" dirty="0"/>
+          </a:p>
+        </p:txBody>
+      </p:sp>
+      <mc:AlternateContent xmlns:mc="http://schemas.openxmlformats.org/markup-compatibility/2006">
+        <mc:Choice xmlns:a14="http://schemas.microsoft.com/office/drawing/2010/main" Requires="a14">
+          <p:sp>
+            <p:nvSpPr>
+              <p:cNvPr id="3" name="Content Placeholder 2"/>
+              <p:cNvSpPr>
+                <a:spLocks noGrp="1"/>
+              </p:cNvSpPr>
+              <p:nvPr>
+                <p:ph idx="1"/>
+              </p:nvPr>
+            </p:nvSpPr>
+            <p:spPr>
+              <a:xfrm>
+                <a:off x="491159" y="1066800"/>
+                <a:ext cx="8417313" cy="4957510"/>
+              </a:xfrm>
+            </p:spPr>
+            <p:txBody>
+              <a:bodyPr/>
+              <a:lstStyle/>
+              <a:p>
+                <a:r>
+                  <a:rPr lang="en-US" dirty="0" smtClean="0"/>
+                  <a:t>N – the number of iterations required (samples)</a:t>
+                </a:r>
+              </a:p>
+              <a:p>
+                <a:pPr lvl="1">
+                  <a:buFont typeface="Wingdings" panose="05000000000000000000" pitchFamily="2" charset="2"/>
+                  <a:buChar char="§"/>
+                </a:pPr>
+                <a14:m>
+                  <m:oMath xmlns:m="http://schemas.openxmlformats.org/officeDocument/2006/math">
+                    <m:sSub>
+                      <m:sSubPr>
+                        <m:ctrlPr>
+                          <a:rPr lang="en-US" i="1" smtClean="0">
+                            <a:latin typeface="Cambria Math" panose="02040503050406030204" pitchFamily="18" charset="0"/>
+                          </a:rPr>
+                        </m:ctrlPr>
+                      </m:sSubPr>
+                      <m:e>
+                        <m:r>
+                          <a:rPr lang="en-US" b="0" i="1" smtClean="0">
+                            <a:latin typeface="Cambria Math" panose="02040503050406030204" pitchFamily="18" charset="0"/>
+                          </a:rPr>
+                          <m:t>𝑝</m:t>
+                        </m:r>
+                      </m:e>
+                      <m:sub>
+                        <m:r>
+                          <a:rPr lang="en-US" b="0" i="1" smtClean="0">
+                            <a:latin typeface="Cambria Math" panose="02040503050406030204" pitchFamily="18" charset="0"/>
+                          </a:rPr>
+                          <m:t>𝑜</m:t>
+                        </m:r>
+                      </m:sub>
+                    </m:sSub>
+                  </m:oMath>
+                </a14:m>
+                <a:r>
+                  <a:rPr lang="en-US" dirty="0" smtClean="0"/>
+                  <a:t> = probability that a point is an outlier</a:t>
+                </a:r>
+              </a:p>
+              <a:p>
+                <a:pPr lvl="1">
+                  <a:buFont typeface="Wingdings" panose="05000000000000000000" pitchFamily="2" charset="2"/>
+                  <a:buChar char="§"/>
+                </a:pPr>
+                <a:r>
+                  <a:rPr lang="en-US" dirty="0" smtClean="0"/>
+                  <a:t>s   = number of pairs in a sample</a:t>
+                </a:r>
+              </a:p>
+              <a:p>
+                <a:pPr lvl="1">
+                  <a:buFont typeface="Wingdings" panose="05000000000000000000" pitchFamily="2" charset="2"/>
+                  <a:buChar char="§"/>
+                </a:pPr>
+                <a:r>
+                  <a:rPr lang="en-US" dirty="0" smtClean="0"/>
+                  <a:t>N  = number of samples</a:t>
+                </a:r>
+              </a:p>
+              <a:p>
+                <a:pPr lvl="1">
+                  <a:buFont typeface="Wingdings" panose="05000000000000000000" pitchFamily="2" charset="2"/>
+                  <a:buChar char="§"/>
+                </a:pPr>
+                <a14:m>
+                  <m:oMath xmlns:m="http://schemas.openxmlformats.org/officeDocument/2006/math">
+                    <m:r>
+                      <a:rPr lang="en-US" i="1">
+                        <a:latin typeface="Cambria Math" panose="02040503050406030204" pitchFamily="18" charset="0"/>
+                      </a:rPr>
+                      <m:t>𝑝</m:t>
+                    </m:r>
+                  </m:oMath>
+                </a14:m>
+                <a:r>
+                  <a:rPr lang="en-US" dirty="0" smtClean="0"/>
+                  <a:t>   = desired probability that get a good sample</a:t>
+                </a:r>
+                <a:endParaRPr lang="en-US" dirty="0"/>
+              </a:p>
+              <a:p>
+                <a:endParaRPr lang="en-US" dirty="0"/>
+              </a:p>
+              <a:p>
+                <a:pPr marL="0" indent="0">
+                  <a:buNone/>
+                </a:pPr>
+                <a14:m>
+                  <m:oMathPara xmlns:m="http://schemas.openxmlformats.org/officeDocument/2006/math">
+                    <m:oMathParaPr>
+                      <m:jc m:val="centerGroup"/>
+                    </m:oMathParaPr>
+                    <m:oMath xmlns:m="http://schemas.openxmlformats.org/officeDocument/2006/math">
+                      <m:sSup>
+                        <m:sSupPr>
+                          <m:ctrlPr>
+                            <a:rPr lang="pt-BR" i="1" smtClean="0">
+                              <a:solidFill>
+                                <a:schemeClr val="bg2"/>
+                              </a:solidFill>
+                              <a:latin typeface="Cambria Math" panose="02040503050406030204" pitchFamily="18" charset="0"/>
+                            </a:rPr>
+                          </m:ctrlPr>
+                        </m:sSupPr>
+                        <m:e>
+                          <m:r>
+                            <m:rPr>
+                              <m:nor/>
+                            </m:rPr>
+                            <a:rPr lang="pt-BR" dirty="0">
+                              <a:solidFill>
+                                <a:schemeClr val="bg2"/>
+                              </a:solidFill>
+                            </a:rPr>
+                            <m:t>1−(</m:t>
+                          </m:r>
+                          <m:r>
+                            <m:rPr>
+                              <m:nor/>
+                            </m:rPr>
+                            <a:rPr lang="pt-BR" dirty="0">
+                              <a:solidFill>
+                                <a:schemeClr val="bg2"/>
+                              </a:solidFill>
+                            </a:rPr>
+                            <m:t>1−</m:t>
+                          </m:r>
+                          <m:sSup>
+                            <m:sSupPr>
+                              <m:ctrlPr>
+                                <a:rPr lang="pt-BR" i="1">
+                                  <a:solidFill>
+                                    <a:schemeClr val="bg2"/>
+                                  </a:solidFill>
+                                  <a:latin typeface="Cambria Math" panose="02040503050406030204" pitchFamily="18" charset="0"/>
+                                </a:rPr>
+                              </m:ctrlPr>
+                            </m:sSupPr>
+                            <m:e>
+                              <m:r>
+                                <a:rPr lang="en-US" i="1">
+                                  <a:solidFill>
+                                    <a:schemeClr val="bg2"/>
+                                  </a:solidFill>
+                                  <a:latin typeface="Cambria Math" panose="02040503050406030204" pitchFamily="18" charset="0"/>
+                                </a:rPr>
+                                <m:t>(</m:t>
+                              </m:r>
+                              <m:r>
+                                <a:rPr lang="en-US" i="1" smtClean="0">
+                                  <a:solidFill>
+                                    <a:schemeClr val="tx1"/>
+                                  </a:solidFill>
+                                  <a:latin typeface="Cambria Math" panose="02040503050406030204" pitchFamily="18" charset="0"/>
+                                </a:rPr>
+                                <m:t>1−</m:t>
+                              </m:r>
+                              <m:sSub>
+                                <m:sSubPr>
+                                  <m:ctrlPr>
+                                    <a:rPr lang="en-US" i="1">
+                                      <a:latin typeface="Cambria Math" panose="02040503050406030204" pitchFamily="18" charset="0"/>
+                                    </a:rPr>
+                                  </m:ctrlPr>
+                                </m:sSubPr>
+                                <m:e>
+                                  <m:r>
+                                    <a:rPr lang="en-US" i="1">
+                                      <a:latin typeface="Cambria Math" panose="02040503050406030204" pitchFamily="18" charset="0"/>
+                                    </a:rPr>
+                                    <m:t>𝑝</m:t>
+                                  </m:r>
+                                </m:e>
+                                <m:sub>
+                                  <m:r>
+                                    <a:rPr lang="en-US" i="1">
+                                      <a:latin typeface="Cambria Math" panose="02040503050406030204" pitchFamily="18" charset="0"/>
+                                    </a:rPr>
+                                    <m:t>𝑜</m:t>
+                                  </m:r>
+                                </m:sub>
+                              </m:sSub>
+                              <m:r>
+                                <a:rPr lang="en-US" i="1">
+                                  <a:solidFill>
+                                    <a:schemeClr val="bg2"/>
+                                  </a:solidFill>
+                                  <a:latin typeface="Cambria Math" panose="02040503050406030204" pitchFamily="18" charset="0"/>
+                                </a:rPr>
+                                <m:t>)</m:t>
+                              </m:r>
+                            </m:e>
+                            <m:sup>
+                              <m:r>
+                                <a:rPr lang="en-US" i="1">
+                                  <a:solidFill>
+                                    <a:schemeClr val="bg2"/>
+                                  </a:solidFill>
+                                  <a:latin typeface="Cambria Math" panose="02040503050406030204" pitchFamily="18" charset="0"/>
+                                </a:rPr>
+                                <m:t>𝑠</m:t>
+                              </m:r>
+                            </m:sup>
+                          </m:sSup>
+                          <m:r>
+                            <a:rPr lang="en-US" i="1">
+                              <a:solidFill>
+                                <a:schemeClr val="bg2"/>
+                              </a:solidFill>
+                              <a:latin typeface="Cambria Math" panose="02040503050406030204" pitchFamily="18" charset="0"/>
+                            </a:rPr>
+                            <m:t>)</m:t>
+                          </m:r>
+                        </m:e>
+                        <m:sup>
+                          <m:r>
+                            <a:rPr lang="en-US" i="1">
+                              <a:solidFill>
+                                <a:schemeClr val="bg2"/>
+                              </a:solidFill>
+                              <a:latin typeface="Cambria Math" panose="02040503050406030204" pitchFamily="18" charset="0"/>
+                            </a:rPr>
+                            <m:t>𝑁</m:t>
+                          </m:r>
+                        </m:sup>
+                      </m:sSup>
+                      <m:r>
+                        <a:rPr lang="pt-BR" i="1">
+                          <a:solidFill>
+                            <a:schemeClr val="bg2"/>
+                          </a:solidFill>
+                          <a:latin typeface="Cambria Math" panose="02040503050406030204" pitchFamily="18" charset="0"/>
+                        </a:rPr>
+                        <m:t>=</m:t>
+                      </m:r>
+                      <m:r>
+                        <a:rPr lang="en-US" i="1">
+                          <a:solidFill>
+                            <a:schemeClr val="bg2"/>
+                          </a:solidFill>
+                          <a:latin typeface="Cambria Math" panose="02040503050406030204" pitchFamily="18" charset="0"/>
+                        </a:rPr>
+                        <m:t>𝑝</m:t>
+                      </m:r>
+                    </m:oMath>
+                  </m:oMathPara>
+                </a14:m>
+                <a:endParaRPr lang="en-US" dirty="0">
+                  <a:solidFill>
+                    <a:schemeClr val="bg2"/>
+                  </a:solidFill>
+                </a:endParaRPr>
+              </a:p>
+              <a:p>
+                <a:pPr marL="0" indent="0">
+                  <a:buNone/>
+                </a:pPr>
+                <a:endParaRPr lang="en-US" dirty="0"/>
+              </a:p>
+              <a:p>
+                <a:pPr marL="0" indent="0">
+                  <a:buNone/>
+                </a:pPr>
+                <a:endParaRPr lang="en-US" dirty="0"/>
+              </a:p>
+              <a:p>
+                <a:endParaRPr lang="en-SG" dirty="0"/>
+              </a:p>
+            </p:txBody>
+          </p:sp>
+        </mc:Choice>
+        <mc:Fallback>
+          <p:sp>
+            <p:nvSpPr>
+              <p:cNvPr id="3" name="Content Placeholder 2"/>
+              <p:cNvSpPr>
+                <a:spLocks noGrp="1" noRot="1" noChangeAspect="1" noMove="1" noResize="1" noEditPoints="1" noAdjustHandles="1" noChangeArrowheads="1" noChangeShapeType="1" noTextEdit="1"/>
+              </p:cNvSpPr>
+              <p:nvPr>
+                <p:ph idx="1"/>
+              </p:nvPr>
+            </p:nvSpPr>
+            <p:spPr>
+              <a:xfrm>
+                <a:off x="491159" y="1066800"/>
+                <a:ext cx="8417313" cy="4957510"/>
+              </a:xfrm>
+              <a:blipFill>
+                <a:blip r:embed="rId2"/>
+                <a:stretch>
+                  <a:fillRect l="-1304" t="-1230" r="-580"/>
+                </a:stretch>
+              </a:blipFill>
+            </p:spPr>
+            <p:txBody>
+              <a:bodyPr/>
+              <a:lstStyle/>
+              <a:p>
+                <a:r>
+                  <a:rPr lang="en-SG">
+                    <a:noFill/>
+                  </a:rPr>
+                  <a:t> </a:t>
+                </a:r>
+              </a:p>
+            </p:txBody>
+          </p:sp>
+        </mc:Fallback>
+      </mc:AlternateContent>
+      <p:sp>
+        <p:nvSpPr>
+          <p:cNvPr id="4" name="Text Placeholder 3"/>
+          <p:cNvSpPr>
+            <a:spLocks noGrp="1"/>
+          </p:cNvSpPr>
+          <p:nvPr>
+            <p:ph type="body" idx="10"/>
+          </p:nvPr>
+        </p:nvSpPr>
+        <p:spPr/>
+        <p:txBody>
+          <a:bodyPr/>
+          <a:lstStyle/>
+          <a:p>
+            <a:endParaRPr lang="en-SG"/>
+          </a:p>
+        </p:txBody>
+      </p:sp>
+    </p:spTree>
+    <p:extLst>
+      <p:ext uri="{BB962C8B-B14F-4D97-AF65-F5344CB8AC3E}">
+        <p14:creationId xmlns:p14="http://schemas.microsoft.com/office/powerpoint/2010/main" val="2222018501"/>
+      </p:ext>
+    </p:extLst>
+  </p:cSld>
+  <p:clrMapOvr>
+    <a:masterClrMapping/>
+  </p:clrMapOvr>
+</p:sld>
+</file>
+
+<file path=ppt/slides/slide2.xml><?xml version="1.0" encoding="utf-8"?>
+<p:sld xmlns:a="http://schemas.openxmlformats.org/drawingml/2006/main" xmlns:r="http://schemas.openxmlformats.org/officeDocument/2006/relationships" xmlns:p="http://schemas.openxmlformats.org/presentationml/2006/main">
+  <p:cSld>
+    <p:spTree>
+      <p:nvGrpSpPr>
+        <p:cNvPr id="1" name=""/>
+        <p:cNvGrpSpPr/>
+        <p:nvPr/>
+      </p:nvGrpSpPr>
+      <p:grpSpPr>
+        <a:xfrm>
+          <a:off x="0" y="0"/>
+          <a:ext cx="0" cy="0"/>
+          <a:chOff x="0" y="0"/>
+          <a:chExt cx="0" cy="0"/>
+        </a:xfrm>
+      </p:grpSpPr>
+      <p:sp>
+        <p:nvSpPr>
+          <p:cNvPr id="2" name="Title 1"/>
+          <p:cNvSpPr>
+            <a:spLocks noGrp="1"/>
+          </p:cNvSpPr>
+          <p:nvPr>
+            <p:ph type="title"/>
+          </p:nvPr>
+        </p:nvSpPr>
+        <p:spPr>
+          <a:xfrm>
+            <a:off x="498475" y="346167"/>
+            <a:ext cx="6624637" cy="674225"/>
+          </a:xfrm>
+        </p:spPr>
+        <p:txBody>
+          <a:bodyPr/>
+          <a:lstStyle/>
+          <a:p>
+            <a:pPr>
+              <a:defRPr/>
+            </a:pPr>
+            <a:r>
+              <a:rPr lang="en-US" sz="2800" b="1" dirty="0">
+                <a:solidFill>
+                  <a:schemeClr val="tx1"/>
+                </a:solidFill>
+                <a:latin typeface="+mn-lt"/>
+                <a:ea typeface="MS PGothic" charset="0"/>
+              </a:rPr>
+              <a:t>OUTLINE</a:t>
+            </a:r>
+          </a:p>
+        </p:txBody>
+      </p:sp>
+      <p:sp>
+        <p:nvSpPr>
+          <p:cNvPr id="61443" name="Content Placeholder 2"/>
+          <p:cNvSpPr>
+            <a:spLocks noGrp="1"/>
+          </p:cNvSpPr>
+          <p:nvPr>
+            <p:ph idx="1"/>
+          </p:nvPr>
+        </p:nvSpPr>
+        <p:spPr bwMode="auto">
+          <a:xfrm>
+            <a:off x="498475" y="1020391"/>
+            <a:ext cx="8289031" cy="4977637"/>
+          </a:xfrm>
+          <a:noFill/>
+          <a:extLst>
+            <a:ext uri="{909E8E84-426E-40DD-AFC4-6F175D3DCCD1}">
+              <a14:hiddenFill xmlns:a14="http://schemas.microsoft.com/office/drawing/2010/main">
+                <a:solidFill>
+                  <a:srgbClr val="FFFFFF"/>
+                </a:solidFill>
+              </a14:hiddenFill>
+            </a:ext>
+            <a:ext uri="{91240B29-F687-4F45-9708-019B960494DF}">
+              <a14:hiddenLine xmlns:a14="http://schemas.microsoft.com/office/drawing/2010/main" w="9525">
+                <a:solidFill>
+                  <a:srgbClr val="000000"/>
+                </a:solidFill>
+                <a:miter lim="800000"/>
+                <a:headEnd/>
+                <a:tailEnd/>
+              </a14:hiddenLine>
+            </a:ext>
+          </a:extLst>
+        </p:spPr>
+        <p:txBody>
+          <a:bodyPr vert="horz" wrap="square" lIns="91440" tIns="45720" rIns="91440" bIns="45720" numCol="1" anchor="t" anchorCtr="0" compatLnSpc="1"/>
+          <a:lstStyle/>
+          <a:p>
+            <a:pPr marL="0" indent="0">
+              <a:spcBef>
+                <a:spcPts val="0"/>
+              </a:spcBef>
+              <a:spcAft>
+                <a:spcPts val="600"/>
+              </a:spcAft>
+              <a:buNone/>
+            </a:pPr>
+            <a:endParaRPr lang="en-US" altLang="en-US" sz="2400" dirty="0">
+              <a:solidFill>
+                <a:schemeClr val="tx1"/>
+              </a:solidFill>
+              <a:latin typeface="Arial" panose="020B0604020202020204" pitchFamily="34" charset="0"/>
+              <a:cs typeface="Arial" panose="020B0604020202020204" pitchFamily="34" charset="0"/>
+            </a:endParaRPr>
+          </a:p>
+          <a:p>
+            <a:pPr>
+              <a:spcBef>
+                <a:spcPts val="0"/>
+              </a:spcBef>
+              <a:spcAft>
+                <a:spcPts val="600"/>
+              </a:spcAft>
+            </a:pPr>
+            <a:r>
+              <a:rPr lang="en-US" altLang="en-US" sz="2400" dirty="0">
+                <a:solidFill>
+                  <a:schemeClr val="tx1"/>
+                </a:solidFill>
+                <a:latin typeface="Arial" panose="020B0604020202020204" pitchFamily="34" charset="0"/>
+                <a:cs typeface="Arial" panose="020B0604020202020204" pitchFamily="34" charset="0"/>
+              </a:rPr>
+              <a:t>Project Objective</a:t>
+            </a:r>
+          </a:p>
+          <a:p>
+            <a:pPr>
+              <a:spcBef>
+                <a:spcPts val="0"/>
+              </a:spcBef>
+              <a:spcAft>
+                <a:spcPts val="600"/>
+              </a:spcAft>
+            </a:pPr>
+            <a:endParaRPr lang="en-US" altLang="en-US" sz="2400" dirty="0">
+              <a:solidFill>
+                <a:schemeClr val="tx1"/>
+              </a:solidFill>
+              <a:latin typeface="Arial" panose="020B0604020202020204" pitchFamily="34" charset="0"/>
+              <a:cs typeface="Arial" panose="020B0604020202020204" pitchFamily="34" charset="0"/>
+            </a:endParaRPr>
+          </a:p>
+          <a:p>
+            <a:pPr>
+              <a:spcBef>
+                <a:spcPts val="0"/>
+              </a:spcBef>
+              <a:spcAft>
+                <a:spcPts val="600"/>
+              </a:spcAft>
+            </a:pPr>
+            <a:r>
+              <a:rPr lang="en-US" altLang="en-US" sz="2400" dirty="0">
+                <a:solidFill>
+                  <a:schemeClr val="tx1"/>
+                </a:solidFill>
+                <a:latin typeface="Arial" panose="020B0604020202020204" pitchFamily="34" charset="0"/>
+                <a:cs typeface="Arial" panose="020B0604020202020204" pitchFamily="34" charset="0"/>
+              </a:rPr>
+              <a:t>Problem Formulation</a:t>
+            </a:r>
+          </a:p>
+          <a:p>
+            <a:pPr>
+              <a:spcBef>
+                <a:spcPts val="0"/>
+              </a:spcBef>
+              <a:spcAft>
+                <a:spcPts val="600"/>
+              </a:spcAft>
+            </a:pPr>
+            <a:endParaRPr lang="en-US" altLang="en-US" sz="2400" dirty="0">
+              <a:solidFill>
+                <a:schemeClr val="tx1"/>
+              </a:solidFill>
+              <a:latin typeface="Arial" panose="020B0604020202020204" pitchFamily="34" charset="0"/>
+              <a:cs typeface="Arial" panose="020B0604020202020204" pitchFamily="34" charset="0"/>
+            </a:endParaRPr>
+          </a:p>
+          <a:p>
+            <a:pPr>
+              <a:spcBef>
+                <a:spcPts val="0"/>
+              </a:spcBef>
+              <a:spcAft>
+                <a:spcPts val="600"/>
+              </a:spcAft>
+            </a:pPr>
+            <a:r>
+              <a:rPr lang="en-US" altLang="en-US" sz="2400" dirty="0">
+                <a:solidFill>
+                  <a:schemeClr val="tx1"/>
+                </a:solidFill>
+                <a:latin typeface="Arial" panose="020B0604020202020204" pitchFamily="34" charset="0"/>
+                <a:cs typeface="Arial" panose="020B0604020202020204" pitchFamily="34" charset="0"/>
+              </a:rPr>
+              <a:t>Problem Definition</a:t>
+            </a:r>
+          </a:p>
+          <a:p>
+            <a:pPr>
+              <a:spcBef>
+                <a:spcPts val="0"/>
+              </a:spcBef>
+              <a:spcAft>
+                <a:spcPts val="600"/>
+              </a:spcAft>
+            </a:pPr>
+            <a:endParaRPr lang="en-US" altLang="en-US" sz="2400" dirty="0">
+              <a:solidFill>
+                <a:schemeClr val="tx1"/>
+              </a:solidFill>
+              <a:latin typeface="Arial" panose="020B0604020202020204" pitchFamily="34" charset="0"/>
+              <a:cs typeface="Arial" panose="020B0604020202020204" pitchFamily="34" charset="0"/>
+            </a:endParaRPr>
+          </a:p>
+          <a:p>
+            <a:pPr>
+              <a:spcBef>
+                <a:spcPts val="0"/>
+              </a:spcBef>
+              <a:spcAft>
+                <a:spcPts val="600"/>
+              </a:spcAft>
+            </a:pPr>
+            <a:r>
+              <a:rPr lang="en-US" altLang="en-US" sz="2400" dirty="0">
+                <a:solidFill>
+                  <a:schemeClr val="tx1"/>
+                </a:solidFill>
+                <a:latin typeface="Arial" panose="020B0604020202020204" pitchFamily="34" charset="0"/>
+                <a:cs typeface="Arial" panose="020B0604020202020204" pitchFamily="34" charset="0"/>
+              </a:rPr>
+              <a:t>Algorithm</a:t>
+            </a:r>
+          </a:p>
+          <a:p>
+            <a:pPr>
+              <a:spcBef>
+                <a:spcPts val="0"/>
+              </a:spcBef>
+              <a:spcAft>
+                <a:spcPts val="600"/>
+              </a:spcAft>
+            </a:pPr>
+            <a:endParaRPr lang="en-US" altLang="en-US" sz="2400" dirty="0">
+              <a:solidFill>
+                <a:schemeClr val="tx1"/>
+              </a:solidFill>
+              <a:latin typeface="Arial" panose="020B0604020202020204" pitchFamily="34" charset="0"/>
+              <a:cs typeface="Arial" panose="020B0604020202020204" pitchFamily="34" charset="0"/>
+            </a:endParaRPr>
+          </a:p>
+          <a:p>
+            <a:pPr>
+              <a:spcBef>
+                <a:spcPts val="0"/>
+              </a:spcBef>
+              <a:spcAft>
+                <a:spcPts val="600"/>
+              </a:spcAft>
+            </a:pPr>
+            <a:r>
+              <a:rPr lang="en-US" altLang="en-US" sz="2400" dirty="0">
+                <a:solidFill>
+                  <a:schemeClr val="tx1"/>
+                </a:solidFill>
+                <a:latin typeface="Arial" panose="020B0604020202020204" pitchFamily="34" charset="0"/>
+                <a:cs typeface="Arial" panose="020B0604020202020204" pitchFamily="34" charset="0"/>
+              </a:rPr>
+              <a:t>Summary</a:t>
+            </a:r>
+          </a:p>
+        </p:txBody>
+      </p:sp>
+    </p:spTree>
+  </p:cSld>
+  <p:clrMapOvr>
+    <a:masterClrMapping/>
+  </p:clrMapOvr>
+</p:sld>
+</file>
+
+<file path=ppt/slides/slide20.xml><?xml version="1.0" encoding="utf-8"?>
+<p:sld xmlns:a="http://schemas.openxmlformats.org/drawingml/2006/main" xmlns:r="http://schemas.openxmlformats.org/officeDocument/2006/relationships" xmlns:p="http://schemas.openxmlformats.org/presentationml/2006/main">
+  <p:cSld>
+    <p:spTree>
+      <p:nvGrpSpPr>
+        <p:cNvPr id="1" name=""/>
+        <p:cNvGrpSpPr/>
+        <p:nvPr/>
+      </p:nvGrpSpPr>
+      <p:grpSpPr>
+        <a:xfrm>
+          <a:off x="0" y="0"/>
+          <a:ext cx="0" cy="0"/>
+          <a:chOff x="0" y="0"/>
+          <a:chExt cx="0" cy="0"/>
+        </a:xfrm>
+      </p:grpSpPr>
+      <p:sp>
+        <p:nvSpPr>
+          <p:cNvPr id="2" name="Title 1"/>
+          <p:cNvSpPr>
+            <a:spLocks noGrp="1"/>
+          </p:cNvSpPr>
+          <p:nvPr>
+            <p:ph type="title"/>
+          </p:nvPr>
+        </p:nvSpPr>
+        <p:spPr/>
+        <p:txBody>
+          <a:bodyPr/>
+          <a:lstStyle/>
+          <a:p>
+            <a:r>
+              <a:rPr lang="en-US" dirty="0" smtClean="0"/>
+              <a:t>Parameters</a:t>
+            </a:r>
+            <a:endParaRPr lang="en-SG" dirty="0"/>
+          </a:p>
+        </p:txBody>
+      </p:sp>
+      <mc:AlternateContent xmlns:mc="http://schemas.openxmlformats.org/markup-compatibility/2006">
+        <mc:Choice xmlns:a14="http://schemas.microsoft.com/office/drawing/2010/main" Requires="a14">
+          <p:sp>
+            <p:nvSpPr>
+              <p:cNvPr id="3" name="Content Placeholder 2"/>
+              <p:cNvSpPr>
+                <a:spLocks noGrp="1"/>
+              </p:cNvSpPr>
+              <p:nvPr>
+                <p:ph idx="1"/>
+              </p:nvPr>
+            </p:nvSpPr>
+            <p:spPr>
+              <a:xfrm>
+                <a:off x="491159" y="1066800"/>
+                <a:ext cx="8417313" cy="4957510"/>
+              </a:xfrm>
+            </p:spPr>
+            <p:txBody>
+              <a:bodyPr/>
+              <a:lstStyle/>
+              <a:p>
+                <a:r>
+                  <a:rPr lang="en-US" dirty="0" smtClean="0"/>
+                  <a:t>N – the number of iterations required (samples)</a:t>
+                </a:r>
+              </a:p>
+              <a:p>
+                <a:pPr lvl="1">
+                  <a:buFont typeface="Wingdings" panose="05000000000000000000" pitchFamily="2" charset="2"/>
+                  <a:buChar char="§"/>
+                </a:pPr>
+                <a14:m>
+                  <m:oMath xmlns:m="http://schemas.openxmlformats.org/officeDocument/2006/math">
+                    <m:sSub>
+                      <m:sSubPr>
+                        <m:ctrlPr>
+                          <a:rPr lang="en-US" i="1" smtClean="0">
+                            <a:latin typeface="Cambria Math" panose="02040503050406030204" pitchFamily="18" charset="0"/>
+                          </a:rPr>
+                        </m:ctrlPr>
+                      </m:sSubPr>
+                      <m:e>
+                        <m:r>
+                          <a:rPr lang="en-US" b="0" i="1" smtClean="0">
+                            <a:latin typeface="Cambria Math" panose="02040503050406030204" pitchFamily="18" charset="0"/>
+                          </a:rPr>
+                          <m:t>𝑝</m:t>
+                        </m:r>
+                      </m:e>
+                      <m:sub>
+                        <m:r>
+                          <a:rPr lang="en-US" b="0" i="1" smtClean="0">
+                            <a:latin typeface="Cambria Math" panose="02040503050406030204" pitchFamily="18" charset="0"/>
+                          </a:rPr>
+                          <m:t>𝑜</m:t>
+                        </m:r>
+                      </m:sub>
+                    </m:sSub>
+                  </m:oMath>
+                </a14:m>
+                <a:r>
+                  <a:rPr lang="en-US" dirty="0" smtClean="0"/>
+                  <a:t> = probability that a point is an outlier</a:t>
+                </a:r>
+              </a:p>
+              <a:p>
+                <a:pPr lvl="1">
+                  <a:buFont typeface="Wingdings" panose="05000000000000000000" pitchFamily="2" charset="2"/>
+                  <a:buChar char="§"/>
+                </a:pPr>
+                <a:r>
+                  <a:rPr lang="en-US" dirty="0" smtClean="0"/>
+                  <a:t>s   = number of pairs in a sample</a:t>
+                </a:r>
+              </a:p>
+              <a:p>
+                <a:pPr lvl="1">
+                  <a:buFont typeface="Wingdings" panose="05000000000000000000" pitchFamily="2" charset="2"/>
+                  <a:buChar char="§"/>
+                </a:pPr>
+                <a:r>
+                  <a:rPr lang="en-US" dirty="0" smtClean="0"/>
+                  <a:t>N  = number of samples</a:t>
+                </a:r>
+              </a:p>
+              <a:p>
+                <a:pPr lvl="1">
+                  <a:buFont typeface="Wingdings" panose="05000000000000000000" pitchFamily="2" charset="2"/>
+                  <a:buChar char="§"/>
+                </a:pPr>
+                <a14:m>
+                  <m:oMath xmlns:m="http://schemas.openxmlformats.org/officeDocument/2006/math">
+                    <m:r>
+                      <a:rPr lang="en-US" i="1">
+                        <a:latin typeface="Cambria Math" panose="02040503050406030204" pitchFamily="18" charset="0"/>
+                      </a:rPr>
+                      <m:t>𝑝</m:t>
+                    </m:r>
+                  </m:oMath>
+                </a14:m>
+                <a:r>
+                  <a:rPr lang="en-US" dirty="0" smtClean="0"/>
+                  <a:t>   = desired probability that get a good sample</a:t>
+                </a:r>
+                <a:endParaRPr lang="en-US" dirty="0"/>
+              </a:p>
+              <a:p>
+                <a:endParaRPr lang="en-US" dirty="0"/>
+              </a:p>
+              <a:p>
+                <a:pPr marL="0" indent="0">
+                  <a:buNone/>
+                </a:pPr>
+                <a14:m>
+                  <m:oMathPara xmlns:m="http://schemas.openxmlformats.org/officeDocument/2006/math">
+                    <m:oMathParaPr>
+                      <m:jc m:val="centerGroup"/>
+                    </m:oMathParaPr>
+                    <m:oMath xmlns:m="http://schemas.openxmlformats.org/officeDocument/2006/math">
+                      <m:sSup>
+                        <m:sSupPr>
+                          <m:ctrlPr>
+                            <a:rPr lang="pt-BR" i="1" smtClean="0">
+                              <a:solidFill>
+                                <a:schemeClr val="bg2"/>
+                              </a:solidFill>
+                              <a:latin typeface="Cambria Math" panose="02040503050406030204" pitchFamily="18" charset="0"/>
+                            </a:rPr>
+                          </m:ctrlPr>
+                        </m:sSupPr>
+                        <m:e>
+                          <m:r>
+                            <m:rPr>
+                              <m:nor/>
+                            </m:rPr>
+                            <a:rPr lang="pt-BR" dirty="0">
+                              <a:solidFill>
+                                <a:schemeClr val="bg2"/>
+                              </a:solidFill>
+                            </a:rPr>
+                            <m:t>1−(</m:t>
+                          </m:r>
+                          <m:r>
+                            <m:rPr>
+                              <m:nor/>
+                            </m:rPr>
+                            <a:rPr lang="pt-BR" dirty="0">
+                              <a:solidFill>
+                                <a:schemeClr val="bg2"/>
+                              </a:solidFill>
+                            </a:rPr>
+                            <m:t>1−</m:t>
+                          </m:r>
+                          <m:sSup>
+                            <m:sSupPr>
+                              <m:ctrlPr>
+                                <a:rPr lang="pt-BR" i="1" smtClean="0">
+                                  <a:solidFill>
+                                    <a:schemeClr val="tx1"/>
+                                  </a:solidFill>
+                                  <a:latin typeface="Cambria Math" panose="02040503050406030204" pitchFamily="18" charset="0"/>
+                                </a:rPr>
+                              </m:ctrlPr>
+                            </m:sSupPr>
+                            <m:e>
+                              <m:r>
+                                <a:rPr lang="en-US" i="1">
+                                  <a:solidFill>
+                                    <a:schemeClr val="tx1"/>
+                                  </a:solidFill>
+                                  <a:latin typeface="Cambria Math" panose="02040503050406030204" pitchFamily="18" charset="0"/>
+                                </a:rPr>
+                                <m:t>(</m:t>
+                              </m:r>
+                              <m:r>
+                                <a:rPr lang="en-US" i="1" smtClean="0">
+                                  <a:solidFill>
+                                    <a:schemeClr val="tx1"/>
+                                  </a:solidFill>
+                                  <a:latin typeface="Cambria Math" panose="02040503050406030204" pitchFamily="18" charset="0"/>
+                                </a:rPr>
+                                <m:t>1−</m:t>
+                              </m:r>
+                              <m:sSub>
+                                <m:sSubPr>
+                                  <m:ctrlPr>
+                                    <a:rPr lang="en-US" i="1">
+                                      <a:latin typeface="Cambria Math" panose="02040503050406030204" pitchFamily="18" charset="0"/>
+                                    </a:rPr>
+                                  </m:ctrlPr>
+                                </m:sSubPr>
+                                <m:e>
+                                  <m:r>
+                                    <a:rPr lang="en-US" i="1">
+                                      <a:latin typeface="Cambria Math" panose="02040503050406030204" pitchFamily="18" charset="0"/>
+                                    </a:rPr>
+                                    <m:t>𝑝</m:t>
+                                  </m:r>
+                                </m:e>
+                                <m:sub>
+                                  <m:r>
+                                    <a:rPr lang="en-US" i="1">
+                                      <a:latin typeface="Cambria Math" panose="02040503050406030204" pitchFamily="18" charset="0"/>
+                                    </a:rPr>
+                                    <m:t>𝑜</m:t>
+                                  </m:r>
+                                </m:sub>
+                              </m:sSub>
+                              <m:r>
+                                <a:rPr lang="en-US" i="1">
+                                  <a:solidFill>
+                                    <a:schemeClr val="tx1"/>
+                                  </a:solidFill>
+                                  <a:latin typeface="Cambria Math" panose="02040503050406030204" pitchFamily="18" charset="0"/>
+                                </a:rPr>
+                                <m:t>)</m:t>
+                              </m:r>
+                            </m:e>
+                            <m:sup>
+                              <m:r>
+                                <a:rPr lang="en-US" i="1">
+                                  <a:solidFill>
+                                    <a:schemeClr val="tx1"/>
+                                  </a:solidFill>
+                                  <a:latin typeface="Cambria Math" panose="02040503050406030204" pitchFamily="18" charset="0"/>
+                                </a:rPr>
+                                <m:t>𝑠</m:t>
+                              </m:r>
+                            </m:sup>
+                          </m:sSup>
+                          <m:r>
+                            <a:rPr lang="en-US" i="1">
+                              <a:solidFill>
+                                <a:schemeClr val="bg2"/>
+                              </a:solidFill>
+                              <a:latin typeface="Cambria Math" panose="02040503050406030204" pitchFamily="18" charset="0"/>
+                            </a:rPr>
+                            <m:t>)</m:t>
+                          </m:r>
+                        </m:e>
+                        <m:sup>
+                          <m:r>
+                            <a:rPr lang="en-US" i="1">
+                              <a:solidFill>
+                                <a:schemeClr val="bg2"/>
+                              </a:solidFill>
+                              <a:latin typeface="Cambria Math" panose="02040503050406030204" pitchFamily="18" charset="0"/>
+                            </a:rPr>
+                            <m:t>𝑁</m:t>
+                          </m:r>
+                        </m:sup>
+                      </m:sSup>
+                      <m:r>
+                        <a:rPr lang="pt-BR" i="1">
+                          <a:solidFill>
+                            <a:schemeClr val="bg2"/>
+                          </a:solidFill>
+                          <a:latin typeface="Cambria Math" panose="02040503050406030204" pitchFamily="18" charset="0"/>
+                        </a:rPr>
+                        <m:t>=</m:t>
+                      </m:r>
+                      <m:r>
+                        <a:rPr lang="en-US" i="1">
+                          <a:solidFill>
+                            <a:schemeClr val="bg2"/>
+                          </a:solidFill>
+                          <a:latin typeface="Cambria Math" panose="02040503050406030204" pitchFamily="18" charset="0"/>
+                        </a:rPr>
+                        <m:t>𝑝</m:t>
+                      </m:r>
+                    </m:oMath>
+                  </m:oMathPara>
+                </a14:m>
+                <a:endParaRPr lang="en-US" dirty="0">
+                  <a:solidFill>
+                    <a:schemeClr val="bg2"/>
+                  </a:solidFill>
+                </a:endParaRPr>
+              </a:p>
+              <a:p>
+                <a:pPr marL="0" indent="0">
+                  <a:buNone/>
+                </a:pPr>
+                <a:endParaRPr lang="en-US" dirty="0"/>
+              </a:p>
+              <a:p>
+                <a:pPr marL="0" indent="0">
+                  <a:buNone/>
+                </a:pPr>
+                <a:endParaRPr lang="en-US" dirty="0"/>
+              </a:p>
+              <a:p>
+                <a:endParaRPr lang="en-SG" dirty="0"/>
+              </a:p>
+            </p:txBody>
+          </p:sp>
+        </mc:Choice>
+        <mc:Fallback>
+          <p:sp>
+            <p:nvSpPr>
+              <p:cNvPr id="3" name="Content Placeholder 2"/>
+              <p:cNvSpPr>
+                <a:spLocks noGrp="1" noRot="1" noChangeAspect="1" noMove="1" noResize="1" noEditPoints="1" noAdjustHandles="1" noChangeArrowheads="1" noChangeShapeType="1" noTextEdit="1"/>
+              </p:cNvSpPr>
+              <p:nvPr>
+                <p:ph idx="1"/>
+              </p:nvPr>
+            </p:nvSpPr>
+            <p:spPr>
+              <a:xfrm>
+                <a:off x="491159" y="1066800"/>
+                <a:ext cx="8417313" cy="4957510"/>
+              </a:xfrm>
+              <a:blipFill>
+                <a:blip r:embed="rId2"/>
+                <a:stretch>
+                  <a:fillRect l="-1304" t="-1230" r="-580"/>
+                </a:stretch>
+              </a:blipFill>
+            </p:spPr>
+            <p:txBody>
+              <a:bodyPr/>
+              <a:lstStyle/>
+              <a:p>
+                <a:r>
+                  <a:rPr lang="en-SG">
+                    <a:noFill/>
+                  </a:rPr>
+                  <a:t> </a:t>
+                </a:r>
+              </a:p>
+            </p:txBody>
+          </p:sp>
+        </mc:Fallback>
+      </mc:AlternateContent>
+      <p:sp>
+        <p:nvSpPr>
+          <p:cNvPr id="4" name="Text Placeholder 3"/>
+          <p:cNvSpPr>
+            <a:spLocks noGrp="1"/>
+          </p:cNvSpPr>
+          <p:nvPr>
+            <p:ph type="body" idx="10"/>
+          </p:nvPr>
+        </p:nvSpPr>
+        <p:spPr/>
+        <p:txBody>
+          <a:bodyPr/>
+          <a:lstStyle/>
+          <a:p>
+            <a:endParaRPr lang="en-SG"/>
+          </a:p>
+        </p:txBody>
+      </p:sp>
+    </p:spTree>
+    <p:extLst>
+      <p:ext uri="{BB962C8B-B14F-4D97-AF65-F5344CB8AC3E}">
+        <p14:creationId xmlns:p14="http://schemas.microsoft.com/office/powerpoint/2010/main" val="3402800596"/>
+      </p:ext>
+    </p:extLst>
+  </p:cSld>
+  <p:clrMapOvr>
+    <a:masterClrMapping/>
+  </p:clrMapOvr>
+</p:sld>
+</file>
+
+<file path=ppt/slides/slide21.xml><?xml version="1.0" encoding="utf-8"?>
+<p:sld xmlns:a="http://schemas.openxmlformats.org/drawingml/2006/main" xmlns:r="http://schemas.openxmlformats.org/officeDocument/2006/relationships" xmlns:p="http://schemas.openxmlformats.org/presentationml/2006/main">
+  <p:cSld>
+    <p:spTree>
+      <p:nvGrpSpPr>
+        <p:cNvPr id="1" name=""/>
+        <p:cNvGrpSpPr/>
+        <p:nvPr/>
+      </p:nvGrpSpPr>
+      <p:grpSpPr>
+        <a:xfrm>
+          <a:off x="0" y="0"/>
+          <a:ext cx="0" cy="0"/>
+          <a:chOff x="0" y="0"/>
+          <a:chExt cx="0" cy="0"/>
+        </a:xfrm>
+      </p:grpSpPr>
+      <p:sp>
+        <p:nvSpPr>
+          <p:cNvPr id="2" name="Title 1"/>
+          <p:cNvSpPr>
+            <a:spLocks noGrp="1"/>
+          </p:cNvSpPr>
+          <p:nvPr>
+            <p:ph type="title"/>
+          </p:nvPr>
+        </p:nvSpPr>
+        <p:spPr/>
+        <p:txBody>
+          <a:bodyPr/>
+          <a:lstStyle/>
+          <a:p>
+            <a:r>
+              <a:rPr lang="en-US" dirty="0" smtClean="0"/>
+              <a:t>Parameters</a:t>
+            </a:r>
+            <a:endParaRPr lang="en-SG" dirty="0"/>
+          </a:p>
+        </p:txBody>
+      </p:sp>
+      <mc:AlternateContent xmlns:mc="http://schemas.openxmlformats.org/markup-compatibility/2006">
+        <mc:Choice xmlns:a14="http://schemas.microsoft.com/office/drawing/2010/main" Requires="a14">
+          <p:sp>
+            <p:nvSpPr>
+              <p:cNvPr id="3" name="Content Placeholder 2"/>
+              <p:cNvSpPr>
+                <a:spLocks noGrp="1"/>
+              </p:cNvSpPr>
+              <p:nvPr>
+                <p:ph idx="1"/>
+              </p:nvPr>
+            </p:nvSpPr>
+            <p:spPr>
+              <a:xfrm>
+                <a:off x="491159" y="1066800"/>
+                <a:ext cx="8417313" cy="4957510"/>
+              </a:xfrm>
+            </p:spPr>
+            <p:txBody>
+              <a:bodyPr/>
+              <a:lstStyle/>
+              <a:p>
+                <a:r>
+                  <a:rPr lang="en-US" dirty="0" smtClean="0"/>
+                  <a:t>N – the number of iterations required (samples)</a:t>
+                </a:r>
+              </a:p>
+              <a:p>
+                <a:pPr lvl="1">
+                  <a:buFont typeface="Wingdings" panose="05000000000000000000" pitchFamily="2" charset="2"/>
+                  <a:buChar char="§"/>
+                </a:pPr>
+                <a14:m>
+                  <m:oMath xmlns:m="http://schemas.openxmlformats.org/officeDocument/2006/math">
+                    <m:sSub>
+                      <m:sSubPr>
+                        <m:ctrlPr>
+                          <a:rPr lang="en-US" i="1" smtClean="0">
+                            <a:latin typeface="Cambria Math" panose="02040503050406030204" pitchFamily="18" charset="0"/>
+                          </a:rPr>
+                        </m:ctrlPr>
+                      </m:sSubPr>
+                      <m:e>
+                        <m:r>
+                          <a:rPr lang="en-US" b="0" i="1" smtClean="0">
+                            <a:latin typeface="Cambria Math" panose="02040503050406030204" pitchFamily="18" charset="0"/>
+                          </a:rPr>
+                          <m:t>𝑝</m:t>
+                        </m:r>
+                      </m:e>
+                      <m:sub>
+                        <m:r>
+                          <a:rPr lang="en-US" b="0" i="1" smtClean="0">
+                            <a:latin typeface="Cambria Math" panose="02040503050406030204" pitchFamily="18" charset="0"/>
+                          </a:rPr>
+                          <m:t>𝑜</m:t>
+                        </m:r>
+                      </m:sub>
+                    </m:sSub>
+                  </m:oMath>
+                </a14:m>
+                <a:r>
+                  <a:rPr lang="en-US" dirty="0" smtClean="0"/>
+                  <a:t> = probability that a point is an outlier</a:t>
+                </a:r>
+              </a:p>
+              <a:p>
+                <a:pPr lvl="1">
+                  <a:buFont typeface="Wingdings" panose="05000000000000000000" pitchFamily="2" charset="2"/>
+                  <a:buChar char="§"/>
+                </a:pPr>
+                <a:r>
+                  <a:rPr lang="en-US" dirty="0" smtClean="0"/>
+                  <a:t>s   = number of pairs in a sample</a:t>
+                </a:r>
+              </a:p>
+              <a:p>
+                <a:pPr lvl="1">
+                  <a:buFont typeface="Wingdings" panose="05000000000000000000" pitchFamily="2" charset="2"/>
+                  <a:buChar char="§"/>
+                </a:pPr>
+                <a:r>
+                  <a:rPr lang="en-US" dirty="0" smtClean="0"/>
+                  <a:t>N  = number of samples</a:t>
+                </a:r>
+              </a:p>
+              <a:p>
+                <a:pPr lvl="1">
+                  <a:buFont typeface="Wingdings" panose="05000000000000000000" pitchFamily="2" charset="2"/>
+                  <a:buChar char="§"/>
+                </a:pPr>
+                <a14:m>
+                  <m:oMath xmlns:m="http://schemas.openxmlformats.org/officeDocument/2006/math">
+                    <m:r>
+                      <a:rPr lang="en-US" i="1">
+                        <a:latin typeface="Cambria Math" panose="02040503050406030204" pitchFamily="18" charset="0"/>
+                      </a:rPr>
+                      <m:t>𝑝</m:t>
+                    </m:r>
+                  </m:oMath>
+                </a14:m>
+                <a:r>
+                  <a:rPr lang="en-US" dirty="0" smtClean="0"/>
+                  <a:t>   = desired probability that get a good sample</a:t>
+                </a:r>
+                <a:endParaRPr lang="en-US" dirty="0"/>
+              </a:p>
+              <a:p>
+                <a:endParaRPr lang="en-US" dirty="0"/>
+              </a:p>
+              <a:p>
+                <a:pPr marL="0" indent="0">
+                  <a:buNone/>
+                </a:pPr>
+                <a14:m>
+                  <m:oMathPara xmlns:m="http://schemas.openxmlformats.org/officeDocument/2006/math">
+                    <m:oMathParaPr>
+                      <m:jc m:val="centerGroup"/>
+                    </m:oMathParaPr>
+                    <m:oMath xmlns:m="http://schemas.openxmlformats.org/officeDocument/2006/math">
+                      <m:sSup>
+                        <m:sSupPr>
+                          <m:ctrlPr>
+                            <a:rPr lang="pt-BR" i="1" smtClean="0">
+                              <a:solidFill>
+                                <a:schemeClr val="bg2"/>
+                              </a:solidFill>
+                              <a:latin typeface="Cambria Math" panose="02040503050406030204" pitchFamily="18" charset="0"/>
+                            </a:rPr>
+                          </m:ctrlPr>
+                        </m:sSupPr>
+                        <m:e>
+                          <m:r>
+                            <m:rPr>
+                              <m:nor/>
+                            </m:rPr>
+                            <a:rPr lang="pt-BR" dirty="0">
+                              <a:solidFill>
+                                <a:schemeClr val="bg2"/>
+                              </a:solidFill>
+                            </a:rPr>
+                            <m:t>1−(</m:t>
+                          </m:r>
+                          <m:r>
+                            <m:rPr>
+                              <m:nor/>
+                            </m:rPr>
+                            <a:rPr lang="pt-BR" dirty="0">
+                              <a:solidFill>
+                                <a:schemeClr val="bg2"/>
+                              </a:solidFill>
+                            </a:rPr>
+                            <m:t>1−</m:t>
+                          </m:r>
+                          <m:sSup>
+                            <m:sSupPr>
+                              <m:ctrlPr>
+                                <a:rPr lang="pt-BR" i="1" smtClean="0">
+                                  <a:solidFill>
+                                    <a:schemeClr val="tx1"/>
+                                  </a:solidFill>
+                                  <a:latin typeface="Cambria Math" panose="02040503050406030204" pitchFamily="18" charset="0"/>
+                                </a:rPr>
+                              </m:ctrlPr>
+                            </m:sSupPr>
+                            <m:e>
+                              <m:r>
+                                <a:rPr lang="en-US" i="1">
+                                  <a:solidFill>
+                                    <a:schemeClr val="tx1"/>
+                                  </a:solidFill>
+                                  <a:latin typeface="Cambria Math" panose="02040503050406030204" pitchFamily="18" charset="0"/>
+                                </a:rPr>
+                                <m:t>(</m:t>
+                              </m:r>
+                              <m:r>
+                                <a:rPr lang="en-US" i="1" smtClean="0">
+                                  <a:solidFill>
+                                    <a:schemeClr val="tx1"/>
+                                  </a:solidFill>
+                                  <a:latin typeface="Cambria Math" panose="02040503050406030204" pitchFamily="18" charset="0"/>
+                                </a:rPr>
+                                <m:t>1−</m:t>
+                              </m:r>
+                              <m:sSub>
+                                <m:sSubPr>
+                                  <m:ctrlPr>
+                                    <a:rPr lang="en-US" i="1">
+                                      <a:latin typeface="Cambria Math" panose="02040503050406030204" pitchFamily="18" charset="0"/>
+                                    </a:rPr>
+                                  </m:ctrlPr>
+                                </m:sSubPr>
+                                <m:e>
+                                  <m:r>
+                                    <a:rPr lang="en-US" i="1">
+                                      <a:latin typeface="Cambria Math" panose="02040503050406030204" pitchFamily="18" charset="0"/>
+                                    </a:rPr>
+                                    <m:t>𝑝</m:t>
+                                  </m:r>
+                                </m:e>
+                                <m:sub>
+                                  <m:r>
+                                    <a:rPr lang="en-US" i="1">
+                                      <a:latin typeface="Cambria Math" panose="02040503050406030204" pitchFamily="18" charset="0"/>
+                                    </a:rPr>
+                                    <m:t>𝑜</m:t>
+                                  </m:r>
+                                </m:sub>
+                              </m:sSub>
+                              <m:r>
+                                <a:rPr lang="en-US" i="1">
+                                  <a:solidFill>
+                                    <a:schemeClr val="tx1"/>
+                                  </a:solidFill>
+                                  <a:latin typeface="Cambria Math" panose="02040503050406030204" pitchFamily="18" charset="0"/>
+                                </a:rPr>
+                                <m:t>)</m:t>
+                              </m:r>
+                            </m:e>
+                            <m:sup>
+                              <m:r>
+                                <a:rPr lang="en-US" i="1">
+                                  <a:solidFill>
+                                    <a:schemeClr val="tx1"/>
+                                  </a:solidFill>
+                                  <a:latin typeface="Cambria Math" panose="02040503050406030204" pitchFamily="18" charset="0"/>
+                                </a:rPr>
+                                <m:t>𝑠</m:t>
+                              </m:r>
+                            </m:sup>
+                          </m:sSup>
+                          <m:r>
+                            <a:rPr lang="en-US" i="1">
+                              <a:solidFill>
+                                <a:schemeClr val="bg2"/>
+                              </a:solidFill>
+                              <a:latin typeface="Cambria Math" panose="02040503050406030204" pitchFamily="18" charset="0"/>
+                            </a:rPr>
+                            <m:t>)</m:t>
+                          </m:r>
+                        </m:e>
+                        <m:sup>
+                          <m:r>
+                            <a:rPr lang="en-US" i="1">
+                              <a:solidFill>
+                                <a:schemeClr val="bg2"/>
+                              </a:solidFill>
+                              <a:latin typeface="Cambria Math" panose="02040503050406030204" pitchFamily="18" charset="0"/>
+                            </a:rPr>
+                            <m:t>𝑁</m:t>
+                          </m:r>
+                        </m:sup>
+                      </m:sSup>
+                      <m:r>
+                        <a:rPr lang="pt-BR" i="1">
+                          <a:solidFill>
+                            <a:schemeClr val="bg2"/>
+                          </a:solidFill>
+                          <a:latin typeface="Cambria Math" panose="02040503050406030204" pitchFamily="18" charset="0"/>
+                        </a:rPr>
+                        <m:t>=</m:t>
+                      </m:r>
+                      <m:r>
+                        <a:rPr lang="en-US" i="1">
+                          <a:solidFill>
+                            <a:schemeClr val="bg2"/>
+                          </a:solidFill>
+                          <a:latin typeface="Cambria Math" panose="02040503050406030204" pitchFamily="18" charset="0"/>
+                        </a:rPr>
+                        <m:t>𝑝</m:t>
+                      </m:r>
+                    </m:oMath>
+                  </m:oMathPara>
+                </a14:m>
+                <a:endParaRPr lang="en-US" dirty="0">
+                  <a:solidFill>
+                    <a:schemeClr val="bg2"/>
+                  </a:solidFill>
+                </a:endParaRPr>
+              </a:p>
+              <a:p>
+                <a:pPr marL="0" indent="0">
+                  <a:buNone/>
+                </a:pPr>
+                <a:endParaRPr lang="en-US" dirty="0"/>
+              </a:p>
+              <a:p>
+                <a:pPr marL="0" indent="0">
+                  <a:buNone/>
+                </a:pPr>
+                <a:endParaRPr lang="en-US" dirty="0"/>
+              </a:p>
+              <a:p>
+                <a:endParaRPr lang="en-SG" dirty="0"/>
+              </a:p>
+            </p:txBody>
+          </p:sp>
+        </mc:Choice>
+        <mc:Fallback>
+          <p:sp>
+            <p:nvSpPr>
+              <p:cNvPr id="3" name="Content Placeholder 2"/>
+              <p:cNvSpPr>
+                <a:spLocks noGrp="1" noRot="1" noChangeAspect="1" noMove="1" noResize="1" noEditPoints="1" noAdjustHandles="1" noChangeArrowheads="1" noChangeShapeType="1" noTextEdit="1"/>
+              </p:cNvSpPr>
+              <p:nvPr>
+                <p:ph idx="1"/>
+              </p:nvPr>
+            </p:nvSpPr>
+            <p:spPr>
+              <a:xfrm>
+                <a:off x="491159" y="1066800"/>
+                <a:ext cx="8417313" cy="4957510"/>
+              </a:xfrm>
+              <a:blipFill>
+                <a:blip r:embed="rId2"/>
+                <a:stretch>
+                  <a:fillRect l="-1304" t="-1230" r="-580"/>
+                </a:stretch>
+              </a:blipFill>
+            </p:spPr>
+            <p:txBody>
+              <a:bodyPr/>
+              <a:lstStyle/>
+              <a:p>
+                <a:r>
+                  <a:rPr lang="en-SG">
+                    <a:noFill/>
+                  </a:rPr>
+                  <a:t> </a:t>
+                </a:r>
+              </a:p>
+            </p:txBody>
+          </p:sp>
+        </mc:Fallback>
+      </mc:AlternateContent>
+      <p:sp>
+        <p:nvSpPr>
+          <p:cNvPr id="4" name="Text Placeholder 3"/>
+          <p:cNvSpPr>
+            <a:spLocks noGrp="1"/>
+          </p:cNvSpPr>
+          <p:nvPr>
+            <p:ph type="body" idx="10"/>
+          </p:nvPr>
+        </p:nvSpPr>
+        <p:spPr/>
+        <p:txBody>
+          <a:bodyPr/>
+          <a:lstStyle/>
+          <a:p>
+            <a:endParaRPr lang="en-SG"/>
+          </a:p>
+        </p:txBody>
+      </p:sp>
+    </p:spTree>
+    <p:extLst>
+      <p:ext uri="{BB962C8B-B14F-4D97-AF65-F5344CB8AC3E}">
+        <p14:creationId xmlns:p14="http://schemas.microsoft.com/office/powerpoint/2010/main" val="4056367700"/>
+      </p:ext>
+    </p:extLst>
+  </p:cSld>
+  <p:clrMapOvr>
+    <a:masterClrMapping/>
+  </p:clrMapOvr>
+</p:sld>
+</file>
+
+<file path=ppt/slides/slide22.xml><?xml version="1.0" encoding="utf-8"?>
+<p:sld xmlns:a="http://schemas.openxmlformats.org/drawingml/2006/main" xmlns:r="http://schemas.openxmlformats.org/officeDocument/2006/relationships" xmlns:p="http://schemas.openxmlformats.org/presentationml/2006/main">
+  <p:cSld>
+    <p:spTree>
+      <p:nvGrpSpPr>
+        <p:cNvPr id="1" name=""/>
+        <p:cNvGrpSpPr/>
+        <p:nvPr/>
+      </p:nvGrpSpPr>
+      <p:grpSpPr>
+        <a:xfrm>
+          <a:off x="0" y="0"/>
+          <a:ext cx="0" cy="0"/>
+          <a:chOff x="0" y="0"/>
+          <a:chExt cx="0" cy="0"/>
+        </a:xfrm>
+      </p:grpSpPr>
+      <p:sp>
+        <p:nvSpPr>
+          <p:cNvPr id="2" name="Title 1"/>
+          <p:cNvSpPr>
+            <a:spLocks noGrp="1"/>
+          </p:cNvSpPr>
+          <p:nvPr>
+            <p:ph type="title"/>
+          </p:nvPr>
+        </p:nvSpPr>
+        <p:spPr/>
+        <p:txBody>
+          <a:bodyPr/>
+          <a:lstStyle/>
+          <a:p>
+            <a:r>
+              <a:rPr lang="en-US" dirty="0" smtClean="0"/>
+              <a:t>Parameters</a:t>
+            </a:r>
+            <a:endParaRPr lang="en-SG" dirty="0"/>
+          </a:p>
+        </p:txBody>
+      </p:sp>
+      <mc:AlternateContent xmlns:mc="http://schemas.openxmlformats.org/markup-compatibility/2006">
+        <mc:Choice xmlns:a14="http://schemas.microsoft.com/office/drawing/2010/main" Requires="a14">
+          <p:sp>
+            <p:nvSpPr>
+              <p:cNvPr id="3" name="Content Placeholder 2"/>
+              <p:cNvSpPr>
+                <a:spLocks noGrp="1"/>
+              </p:cNvSpPr>
+              <p:nvPr>
+                <p:ph idx="1"/>
+              </p:nvPr>
+            </p:nvSpPr>
+            <p:spPr>
+              <a:xfrm>
+                <a:off x="491159" y="1066800"/>
+                <a:ext cx="8417313" cy="4957510"/>
+              </a:xfrm>
+            </p:spPr>
+            <p:txBody>
+              <a:bodyPr/>
+              <a:lstStyle/>
+              <a:p>
+                <a:r>
+                  <a:rPr lang="en-US" dirty="0" smtClean="0"/>
+                  <a:t>N – the number of iterations required (samples)</a:t>
+                </a:r>
+              </a:p>
+              <a:p>
+                <a:pPr lvl="1">
+                  <a:buFont typeface="Wingdings" panose="05000000000000000000" pitchFamily="2" charset="2"/>
+                  <a:buChar char="§"/>
+                </a:pPr>
+                <a14:m>
+                  <m:oMath xmlns:m="http://schemas.openxmlformats.org/officeDocument/2006/math">
+                    <m:sSub>
+                      <m:sSubPr>
+                        <m:ctrlPr>
+                          <a:rPr lang="en-US" i="1" smtClean="0">
+                            <a:latin typeface="Cambria Math" panose="02040503050406030204" pitchFamily="18" charset="0"/>
+                          </a:rPr>
+                        </m:ctrlPr>
+                      </m:sSubPr>
+                      <m:e>
+                        <m:r>
+                          <a:rPr lang="en-US" b="0" i="1" smtClean="0">
+                            <a:latin typeface="Cambria Math" panose="02040503050406030204" pitchFamily="18" charset="0"/>
+                          </a:rPr>
+                          <m:t>𝑝</m:t>
+                        </m:r>
+                      </m:e>
+                      <m:sub>
+                        <m:r>
+                          <a:rPr lang="en-US" b="0" i="1" smtClean="0">
+                            <a:latin typeface="Cambria Math" panose="02040503050406030204" pitchFamily="18" charset="0"/>
+                          </a:rPr>
+                          <m:t>𝑜</m:t>
+                        </m:r>
+                      </m:sub>
+                    </m:sSub>
+                  </m:oMath>
+                </a14:m>
+                <a:r>
+                  <a:rPr lang="en-US" dirty="0" smtClean="0"/>
+                  <a:t> = probability that a point is an outlier</a:t>
+                </a:r>
+              </a:p>
+              <a:p>
+                <a:pPr lvl="1">
+                  <a:buFont typeface="Wingdings" panose="05000000000000000000" pitchFamily="2" charset="2"/>
+                  <a:buChar char="§"/>
+                </a:pPr>
+                <a:r>
+                  <a:rPr lang="en-US" dirty="0" smtClean="0"/>
+                  <a:t>s   = number of pairs in a sample</a:t>
+                </a:r>
+              </a:p>
+              <a:p>
+                <a:pPr lvl="1">
+                  <a:buFont typeface="Wingdings" panose="05000000000000000000" pitchFamily="2" charset="2"/>
+                  <a:buChar char="§"/>
+                </a:pPr>
+                <a:r>
+                  <a:rPr lang="en-US" dirty="0" smtClean="0"/>
+                  <a:t>N  = number of samples</a:t>
+                </a:r>
+              </a:p>
+              <a:p>
+                <a:pPr lvl="1">
+                  <a:buFont typeface="Wingdings" panose="05000000000000000000" pitchFamily="2" charset="2"/>
+                  <a:buChar char="§"/>
+                </a:pPr>
+                <a14:m>
+                  <m:oMath xmlns:m="http://schemas.openxmlformats.org/officeDocument/2006/math">
+                    <m:r>
+                      <a:rPr lang="en-US" i="1">
+                        <a:latin typeface="Cambria Math" panose="02040503050406030204" pitchFamily="18" charset="0"/>
+                      </a:rPr>
+                      <m:t>𝑝</m:t>
+                    </m:r>
+                  </m:oMath>
+                </a14:m>
+                <a:r>
+                  <a:rPr lang="en-US" dirty="0" smtClean="0"/>
+                  <a:t>   = desired probability that get a good sample</a:t>
+                </a:r>
+                <a:endParaRPr lang="en-US" dirty="0"/>
+              </a:p>
+              <a:p>
+                <a:endParaRPr lang="en-US" dirty="0"/>
+              </a:p>
+              <a:p>
+                <a:pPr marL="0" indent="0">
+                  <a:buNone/>
+                </a:pPr>
+                <a14:m>
+                  <m:oMathPara xmlns:m="http://schemas.openxmlformats.org/officeDocument/2006/math">
+                    <m:oMathParaPr>
+                      <m:jc m:val="centerGroup"/>
+                    </m:oMathParaPr>
+                    <m:oMath xmlns:m="http://schemas.openxmlformats.org/officeDocument/2006/math">
+                      <m:sSup>
+                        <m:sSupPr>
+                          <m:ctrlPr>
+                            <a:rPr lang="pt-BR" i="1" smtClean="0">
+                              <a:solidFill>
+                                <a:schemeClr val="bg2"/>
+                              </a:solidFill>
+                              <a:latin typeface="Cambria Math" panose="02040503050406030204" pitchFamily="18" charset="0"/>
+                            </a:rPr>
+                          </m:ctrlPr>
+                        </m:sSupPr>
+                        <m:e>
+                          <m:r>
+                            <m:rPr>
+                              <m:nor/>
+                            </m:rPr>
+                            <a:rPr lang="pt-BR" dirty="0">
+                              <a:solidFill>
+                                <a:schemeClr val="bg2"/>
+                              </a:solidFill>
+                            </a:rPr>
+                            <m:t>1−</m:t>
+                          </m:r>
+                          <m:r>
+                            <m:rPr>
+                              <m:nor/>
+                            </m:rPr>
+                            <a:rPr lang="pt-BR" dirty="0" smtClean="0">
+                              <a:solidFill>
+                                <a:schemeClr val="tx1"/>
+                              </a:solidFill>
+                            </a:rPr>
+                            <m:t>(1−</m:t>
+                          </m:r>
+                          <m:sSup>
+                            <m:sSupPr>
+                              <m:ctrlPr>
+                                <a:rPr lang="pt-BR" i="1">
+                                  <a:solidFill>
+                                    <a:schemeClr val="tx1"/>
+                                  </a:solidFill>
+                                  <a:latin typeface="Cambria Math" panose="02040503050406030204" pitchFamily="18" charset="0"/>
+                                </a:rPr>
+                              </m:ctrlPr>
+                            </m:sSupPr>
+                            <m:e>
+                              <m:r>
+                                <a:rPr lang="en-US" i="1">
+                                  <a:solidFill>
+                                    <a:schemeClr val="tx1"/>
+                                  </a:solidFill>
+                                  <a:latin typeface="Cambria Math" panose="02040503050406030204" pitchFamily="18" charset="0"/>
+                                </a:rPr>
+                                <m:t>(</m:t>
+                              </m:r>
+                              <m:r>
+                                <a:rPr lang="en-US" i="1" smtClean="0">
+                                  <a:solidFill>
+                                    <a:schemeClr val="tx1"/>
+                                  </a:solidFill>
+                                  <a:latin typeface="Cambria Math" panose="02040503050406030204" pitchFamily="18" charset="0"/>
+                                </a:rPr>
+                                <m:t>1−</m:t>
+                              </m:r>
+                              <m:sSub>
+                                <m:sSubPr>
+                                  <m:ctrlPr>
+                                    <a:rPr lang="en-US" i="1">
+                                      <a:latin typeface="Cambria Math" panose="02040503050406030204" pitchFamily="18" charset="0"/>
+                                    </a:rPr>
+                                  </m:ctrlPr>
+                                </m:sSubPr>
+                                <m:e>
+                                  <m:r>
+                                    <a:rPr lang="en-US" i="1">
+                                      <a:latin typeface="Cambria Math" panose="02040503050406030204" pitchFamily="18" charset="0"/>
+                                    </a:rPr>
+                                    <m:t>𝑝</m:t>
+                                  </m:r>
+                                </m:e>
+                                <m:sub>
+                                  <m:r>
+                                    <a:rPr lang="en-US" i="1">
+                                      <a:latin typeface="Cambria Math" panose="02040503050406030204" pitchFamily="18" charset="0"/>
+                                    </a:rPr>
+                                    <m:t>𝑜</m:t>
+                                  </m:r>
+                                </m:sub>
+                              </m:sSub>
+                              <m:r>
+                                <a:rPr lang="en-US" i="1">
+                                  <a:solidFill>
+                                    <a:schemeClr val="tx1"/>
+                                  </a:solidFill>
+                                  <a:latin typeface="Cambria Math" panose="02040503050406030204" pitchFamily="18" charset="0"/>
+                                </a:rPr>
+                                <m:t>)</m:t>
+                              </m:r>
+                            </m:e>
+                            <m:sup>
+                              <m:r>
+                                <a:rPr lang="en-US" i="1">
+                                  <a:solidFill>
+                                    <a:schemeClr val="tx1"/>
+                                  </a:solidFill>
+                                  <a:latin typeface="Cambria Math" panose="02040503050406030204" pitchFamily="18" charset="0"/>
+                                </a:rPr>
+                                <m:t>𝑠</m:t>
+                              </m:r>
+                            </m:sup>
+                          </m:sSup>
+                          <m:r>
+                            <a:rPr lang="en-US" i="1">
+                              <a:solidFill>
+                                <a:schemeClr val="tx1"/>
+                              </a:solidFill>
+                              <a:latin typeface="Cambria Math" panose="02040503050406030204" pitchFamily="18" charset="0"/>
+                            </a:rPr>
+                            <m:t>)</m:t>
+                          </m:r>
+                        </m:e>
+                        <m:sup>
+                          <m:r>
+                            <a:rPr lang="en-US" i="1" smtClean="0">
+                              <a:solidFill>
+                                <a:schemeClr val="tx1"/>
+                              </a:solidFill>
+                              <a:latin typeface="Cambria Math" panose="02040503050406030204" pitchFamily="18" charset="0"/>
+                            </a:rPr>
+                            <m:t>𝑁</m:t>
+                          </m:r>
+                        </m:sup>
+                      </m:sSup>
+                      <m:r>
+                        <a:rPr lang="pt-BR" i="1">
+                          <a:solidFill>
+                            <a:schemeClr val="bg2"/>
+                          </a:solidFill>
+                          <a:latin typeface="Cambria Math" panose="02040503050406030204" pitchFamily="18" charset="0"/>
+                        </a:rPr>
+                        <m:t>=</m:t>
+                      </m:r>
+                      <m:r>
+                        <a:rPr lang="en-US" i="1">
+                          <a:solidFill>
+                            <a:schemeClr val="bg2"/>
+                          </a:solidFill>
+                          <a:latin typeface="Cambria Math" panose="02040503050406030204" pitchFamily="18" charset="0"/>
+                        </a:rPr>
+                        <m:t>𝑝</m:t>
+                      </m:r>
+                    </m:oMath>
+                  </m:oMathPara>
+                </a14:m>
+                <a:endParaRPr lang="en-US" dirty="0">
+                  <a:solidFill>
+                    <a:schemeClr val="bg2"/>
+                  </a:solidFill>
+                </a:endParaRPr>
+              </a:p>
+              <a:p>
+                <a:pPr marL="0" indent="0">
+                  <a:buNone/>
+                </a:pPr>
+                <a:endParaRPr lang="en-US" dirty="0"/>
+              </a:p>
+              <a:p>
+                <a:pPr marL="0" indent="0">
+                  <a:buNone/>
+                </a:pPr>
+                <a:endParaRPr lang="en-US" dirty="0"/>
+              </a:p>
+              <a:p>
+                <a:endParaRPr lang="en-SG" dirty="0"/>
+              </a:p>
+            </p:txBody>
+          </p:sp>
+        </mc:Choice>
+        <mc:Fallback>
+          <p:sp>
+            <p:nvSpPr>
+              <p:cNvPr id="3" name="Content Placeholder 2"/>
+              <p:cNvSpPr>
+                <a:spLocks noGrp="1" noRot="1" noChangeAspect="1" noMove="1" noResize="1" noEditPoints="1" noAdjustHandles="1" noChangeArrowheads="1" noChangeShapeType="1" noTextEdit="1"/>
+              </p:cNvSpPr>
+              <p:nvPr>
+                <p:ph idx="1"/>
+              </p:nvPr>
+            </p:nvSpPr>
+            <p:spPr>
+              <a:xfrm>
+                <a:off x="491159" y="1066800"/>
+                <a:ext cx="8417313" cy="4957510"/>
+              </a:xfrm>
+              <a:blipFill>
+                <a:blip r:embed="rId2"/>
+                <a:stretch>
+                  <a:fillRect l="-1304" t="-1230" r="-580"/>
+                </a:stretch>
+              </a:blipFill>
+            </p:spPr>
+            <p:txBody>
+              <a:bodyPr/>
+              <a:lstStyle/>
+              <a:p>
+                <a:r>
+                  <a:rPr lang="en-SG">
+                    <a:noFill/>
+                  </a:rPr>
+                  <a:t> </a:t>
+                </a:r>
+              </a:p>
+            </p:txBody>
+          </p:sp>
+        </mc:Fallback>
+      </mc:AlternateContent>
+      <p:sp>
+        <p:nvSpPr>
+          <p:cNvPr id="4" name="Text Placeholder 3"/>
+          <p:cNvSpPr>
+            <a:spLocks noGrp="1"/>
+          </p:cNvSpPr>
+          <p:nvPr>
+            <p:ph type="body" idx="10"/>
+          </p:nvPr>
+        </p:nvSpPr>
+        <p:spPr/>
+        <p:txBody>
+          <a:bodyPr/>
+          <a:lstStyle/>
+          <a:p>
+            <a:endParaRPr lang="en-SG"/>
+          </a:p>
+        </p:txBody>
+      </p:sp>
+    </p:spTree>
+    <p:extLst>
+      <p:ext uri="{BB962C8B-B14F-4D97-AF65-F5344CB8AC3E}">
+        <p14:creationId xmlns:p14="http://schemas.microsoft.com/office/powerpoint/2010/main" val="2402492659"/>
+      </p:ext>
+    </p:extLst>
+  </p:cSld>
+  <p:clrMapOvr>
+    <a:masterClrMapping/>
+  </p:clrMapOvr>
+</p:sld>
+</file>
+
+<file path=ppt/slides/slide23.xml><?xml version="1.0" encoding="utf-8"?>
+<p:sld xmlns:a="http://schemas.openxmlformats.org/drawingml/2006/main" xmlns:r="http://schemas.openxmlformats.org/officeDocument/2006/relationships" xmlns:p="http://schemas.openxmlformats.org/presentationml/2006/main">
+  <p:cSld>
+    <p:spTree>
+      <p:nvGrpSpPr>
+        <p:cNvPr id="1" name=""/>
+        <p:cNvGrpSpPr/>
+        <p:nvPr/>
+      </p:nvGrpSpPr>
+      <p:grpSpPr>
+        <a:xfrm>
+          <a:off x="0" y="0"/>
+          <a:ext cx="0" cy="0"/>
+          <a:chOff x="0" y="0"/>
+          <a:chExt cx="0" cy="0"/>
+        </a:xfrm>
+      </p:grpSpPr>
+      <p:sp>
+        <p:nvSpPr>
+          <p:cNvPr id="2" name="Title 1"/>
+          <p:cNvSpPr>
+            <a:spLocks noGrp="1"/>
+          </p:cNvSpPr>
+          <p:nvPr>
+            <p:ph type="title"/>
+          </p:nvPr>
+        </p:nvSpPr>
+        <p:spPr/>
+        <p:txBody>
+          <a:bodyPr/>
+          <a:lstStyle/>
+          <a:p>
+            <a:r>
+              <a:rPr lang="en-US" dirty="0" smtClean="0"/>
+              <a:t>Parameters</a:t>
+            </a:r>
+            <a:endParaRPr lang="en-SG" dirty="0"/>
+          </a:p>
+        </p:txBody>
+      </p:sp>
+      <mc:AlternateContent xmlns:mc="http://schemas.openxmlformats.org/markup-compatibility/2006">
+        <mc:Choice xmlns:a14="http://schemas.microsoft.com/office/drawing/2010/main" Requires="a14">
+          <p:sp>
+            <p:nvSpPr>
+              <p:cNvPr id="3" name="Content Placeholder 2"/>
+              <p:cNvSpPr>
+                <a:spLocks noGrp="1"/>
+              </p:cNvSpPr>
+              <p:nvPr>
+                <p:ph idx="1"/>
+              </p:nvPr>
+            </p:nvSpPr>
+            <p:spPr>
+              <a:xfrm>
+                <a:off x="491159" y="1066800"/>
+                <a:ext cx="8417313" cy="4957510"/>
+              </a:xfrm>
+            </p:spPr>
+            <p:txBody>
+              <a:bodyPr/>
+              <a:lstStyle/>
+              <a:p>
+                <a:r>
+                  <a:rPr lang="en-US" dirty="0" smtClean="0"/>
+                  <a:t>N – the number of iterations required (samples)</a:t>
+                </a:r>
+              </a:p>
+              <a:p>
+                <a:pPr lvl="1">
+                  <a:buFont typeface="Wingdings" panose="05000000000000000000" pitchFamily="2" charset="2"/>
+                  <a:buChar char="§"/>
+                </a:pPr>
+                <a14:m>
+                  <m:oMath xmlns:m="http://schemas.openxmlformats.org/officeDocument/2006/math">
+                    <m:sSub>
+                      <m:sSubPr>
+                        <m:ctrlPr>
+                          <a:rPr lang="en-US" i="1" smtClean="0">
+                            <a:latin typeface="Cambria Math" panose="02040503050406030204" pitchFamily="18" charset="0"/>
+                          </a:rPr>
+                        </m:ctrlPr>
+                      </m:sSubPr>
+                      <m:e>
+                        <m:r>
+                          <a:rPr lang="en-US" b="0" i="1" smtClean="0">
+                            <a:latin typeface="Cambria Math" panose="02040503050406030204" pitchFamily="18" charset="0"/>
+                          </a:rPr>
+                          <m:t>𝑝</m:t>
+                        </m:r>
+                      </m:e>
+                      <m:sub>
+                        <m:r>
+                          <a:rPr lang="en-US" b="0" i="1" smtClean="0">
+                            <a:latin typeface="Cambria Math" panose="02040503050406030204" pitchFamily="18" charset="0"/>
+                          </a:rPr>
+                          <m:t>𝑜</m:t>
+                        </m:r>
+                      </m:sub>
+                    </m:sSub>
+                  </m:oMath>
+                </a14:m>
+                <a:r>
+                  <a:rPr lang="en-US" dirty="0" smtClean="0"/>
+                  <a:t> = probability that a point is an outlier</a:t>
+                </a:r>
+              </a:p>
+              <a:p>
+                <a:pPr lvl="1">
+                  <a:buFont typeface="Wingdings" panose="05000000000000000000" pitchFamily="2" charset="2"/>
+                  <a:buChar char="§"/>
+                </a:pPr>
+                <a:r>
+                  <a:rPr lang="en-US" dirty="0" smtClean="0"/>
+                  <a:t>s   = number of pairs in a sample</a:t>
+                </a:r>
+              </a:p>
+              <a:p>
+                <a:pPr lvl="1">
+                  <a:buFont typeface="Wingdings" panose="05000000000000000000" pitchFamily="2" charset="2"/>
+                  <a:buChar char="§"/>
+                </a:pPr>
+                <a:r>
+                  <a:rPr lang="en-US" dirty="0" smtClean="0"/>
+                  <a:t>N  = number of samples</a:t>
+                </a:r>
+              </a:p>
+              <a:p>
+                <a:pPr lvl="1">
+                  <a:buFont typeface="Wingdings" panose="05000000000000000000" pitchFamily="2" charset="2"/>
+                  <a:buChar char="§"/>
+                </a:pPr>
+                <a14:m>
+                  <m:oMath xmlns:m="http://schemas.openxmlformats.org/officeDocument/2006/math">
+                    <m:r>
+                      <a:rPr lang="en-US" i="1">
+                        <a:latin typeface="Cambria Math" panose="02040503050406030204" pitchFamily="18" charset="0"/>
+                      </a:rPr>
+                      <m:t>𝑝</m:t>
+                    </m:r>
+                  </m:oMath>
+                </a14:m>
+                <a:r>
+                  <a:rPr lang="en-US" dirty="0" smtClean="0"/>
+                  <a:t>   = desired probability that get a good sample</a:t>
+                </a:r>
+                <a:endParaRPr lang="en-US" dirty="0"/>
+              </a:p>
+              <a:p>
+                <a:endParaRPr lang="en-US" dirty="0"/>
+              </a:p>
+              <a:p>
+                <a:pPr marL="0" indent="0">
+                  <a:buNone/>
+                </a:pPr>
+                <a14:m>
+                  <m:oMathPara xmlns:m="http://schemas.openxmlformats.org/officeDocument/2006/math">
+                    <m:oMathParaPr>
+                      <m:jc m:val="centerGroup"/>
+                    </m:oMathParaPr>
+                    <m:oMath xmlns:m="http://schemas.openxmlformats.org/officeDocument/2006/math">
+                      <m:sSup>
+                        <m:sSupPr>
+                          <m:ctrlPr>
+                            <a:rPr lang="pt-BR" i="1" smtClean="0">
+                              <a:solidFill>
+                                <a:schemeClr val="tx1"/>
+                              </a:solidFill>
+                              <a:latin typeface="Cambria Math" panose="02040503050406030204" pitchFamily="18" charset="0"/>
+                            </a:rPr>
+                          </m:ctrlPr>
+                        </m:sSupPr>
+                        <m:e>
+                          <m:r>
+                            <m:rPr>
+                              <m:nor/>
+                            </m:rPr>
+                            <a:rPr lang="pt-BR" dirty="0">
+                              <a:solidFill>
+                                <a:schemeClr val="tx1"/>
+                              </a:solidFill>
+                            </a:rPr>
+                            <m:t>1−</m:t>
+                          </m:r>
+                          <m:r>
+                            <m:rPr>
+                              <m:nor/>
+                            </m:rPr>
+                            <a:rPr lang="pt-BR" dirty="0" smtClean="0">
+                              <a:solidFill>
+                                <a:schemeClr val="tx1"/>
+                              </a:solidFill>
+                            </a:rPr>
+                            <m:t>(1−</m:t>
+                          </m:r>
+                          <m:sSup>
+                            <m:sSupPr>
+                              <m:ctrlPr>
+                                <a:rPr lang="pt-BR" i="1">
+                                  <a:solidFill>
+                                    <a:schemeClr val="tx1"/>
+                                  </a:solidFill>
+                                  <a:latin typeface="Cambria Math" panose="02040503050406030204" pitchFamily="18" charset="0"/>
+                                </a:rPr>
+                              </m:ctrlPr>
+                            </m:sSupPr>
+                            <m:e>
+                              <m:r>
+                                <a:rPr lang="en-US" i="1">
+                                  <a:solidFill>
+                                    <a:schemeClr val="tx1"/>
+                                  </a:solidFill>
+                                  <a:latin typeface="Cambria Math" panose="02040503050406030204" pitchFamily="18" charset="0"/>
+                                </a:rPr>
+                                <m:t>(</m:t>
+                              </m:r>
+                              <m:r>
+                                <a:rPr lang="en-US" i="1" smtClean="0">
+                                  <a:solidFill>
+                                    <a:schemeClr val="tx1"/>
+                                  </a:solidFill>
+                                  <a:latin typeface="Cambria Math" panose="02040503050406030204" pitchFamily="18" charset="0"/>
+                                </a:rPr>
+                                <m:t>1−</m:t>
+                              </m:r>
+                              <m:sSub>
+                                <m:sSubPr>
+                                  <m:ctrlPr>
+                                    <a:rPr lang="en-US" i="1">
+                                      <a:latin typeface="Cambria Math" panose="02040503050406030204" pitchFamily="18" charset="0"/>
+                                    </a:rPr>
+                                  </m:ctrlPr>
+                                </m:sSubPr>
+                                <m:e>
+                                  <m:r>
+                                    <a:rPr lang="en-US" i="1">
+                                      <a:latin typeface="Cambria Math" panose="02040503050406030204" pitchFamily="18" charset="0"/>
+                                    </a:rPr>
+                                    <m:t>𝑝</m:t>
+                                  </m:r>
+                                </m:e>
+                                <m:sub>
+                                  <m:r>
+                                    <a:rPr lang="en-US" i="1">
+                                      <a:latin typeface="Cambria Math" panose="02040503050406030204" pitchFamily="18" charset="0"/>
+                                    </a:rPr>
+                                    <m:t>𝑜</m:t>
+                                  </m:r>
+                                </m:sub>
+                              </m:sSub>
+                              <m:r>
+                                <a:rPr lang="en-US" i="1">
+                                  <a:solidFill>
+                                    <a:schemeClr val="tx1"/>
+                                  </a:solidFill>
+                                  <a:latin typeface="Cambria Math" panose="02040503050406030204" pitchFamily="18" charset="0"/>
+                                </a:rPr>
+                                <m:t>)</m:t>
+                              </m:r>
+                            </m:e>
+                            <m:sup>
+                              <m:r>
+                                <a:rPr lang="en-US" i="1">
+                                  <a:solidFill>
+                                    <a:schemeClr val="tx1"/>
+                                  </a:solidFill>
+                                  <a:latin typeface="Cambria Math" panose="02040503050406030204" pitchFamily="18" charset="0"/>
+                                </a:rPr>
+                                <m:t>𝑠</m:t>
+                              </m:r>
+                            </m:sup>
+                          </m:sSup>
+                          <m:r>
+                            <a:rPr lang="en-US" i="1">
+                              <a:solidFill>
+                                <a:schemeClr val="tx1"/>
+                              </a:solidFill>
+                              <a:latin typeface="Cambria Math" panose="02040503050406030204" pitchFamily="18" charset="0"/>
+                            </a:rPr>
+                            <m:t>)</m:t>
+                          </m:r>
+                        </m:e>
+                        <m:sup>
+                          <m:r>
+                            <a:rPr lang="en-US" i="1" smtClean="0">
+                              <a:solidFill>
+                                <a:schemeClr val="tx1"/>
+                              </a:solidFill>
+                              <a:latin typeface="Cambria Math" panose="02040503050406030204" pitchFamily="18" charset="0"/>
+                            </a:rPr>
+                            <m:t>𝑁</m:t>
+                          </m:r>
+                        </m:sup>
+                      </m:sSup>
+                      <m:r>
+                        <a:rPr lang="pt-BR" i="1">
+                          <a:solidFill>
+                            <a:schemeClr val="tx1"/>
+                          </a:solidFill>
+                          <a:latin typeface="Cambria Math" panose="02040503050406030204" pitchFamily="18" charset="0"/>
+                        </a:rPr>
+                        <m:t>=</m:t>
+                      </m:r>
+                      <m:r>
+                        <a:rPr lang="en-US" i="1">
+                          <a:solidFill>
+                            <a:schemeClr val="tx1"/>
+                          </a:solidFill>
+                          <a:latin typeface="Cambria Math" panose="02040503050406030204" pitchFamily="18" charset="0"/>
+                        </a:rPr>
+                        <m:t>𝑝</m:t>
+                      </m:r>
+                    </m:oMath>
+                  </m:oMathPara>
+                </a14:m>
+                <a:endParaRPr lang="en-US" dirty="0" smtClean="0">
+                  <a:solidFill>
+                    <a:schemeClr val="tx1"/>
+                  </a:solidFill>
+                </a:endParaRPr>
+              </a:p>
+              <a:p>
+                <a:pPr marL="0" indent="0">
+                  <a:buNone/>
+                </a:pPr>
+                <a:endParaRPr lang="en-US" dirty="0">
+                  <a:solidFill>
+                    <a:schemeClr val="tx1"/>
+                  </a:solidFill>
+                </a:endParaRPr>
+              </a:p>
+              <a:p>
+                <a:pPr marL="0" indent="0">
+                  <a:buNone/>
+                </a:pPr>
+                <a:r>
+                  <a:rPr lang="en-US" dirty="0" smtClean="0">
+                    <a:solidFill>
+                      <a:schemeClr val="tx1"/>
+                    </a:solidFill>
+                  </a:rPr>
+                  <a:t>						N</a:t>
+                </a:r>
+                <a14:m>
+                  <m:oMath xmlns:m="http://schemas.openxmlformats.org/officeDocument/2006/math">
+                    <m:r>
+                      <a:rPr lang="en-US" i="1">
+                        <a:solidFill>
+                          <a:schemeClr val="tx1"/>
+                        </a:solidFill>
+                        <a:latin typeface="Cambria Math" panose="02040503050406030204" pitchFamily="18" charset="0"/>
+                      </a:rPr>
+                      <m:t>=</m:t>
+                    </m:r>
+                    <m:f>
+                      <m:fPr>
+                        <m:ctrlPr>
+                          <a:rPr lang="en-US" i="1">
+                            <a:solidFill>
+                              <a:schemeClr val="tx1"/>
+                            </a:solidFill>
+                            <a:latin typeface="Cambria Math" panose="02040503050406030204" pitchFamily="18" charset="0"/>
+                          </a:rPr>
+                        </m:ctrlPr>
+                      </m:fPr>
+                      <m:num>
+                        <m:r>
+                          <m:rPr>
+                            <m:sty m:val="p"/>
+                          </m:rPr>
+                          <a:rPr lang="en-US">
+                            <a:solidFill>
+                              <a:schemeClr val="tx1"/>
+                            </a:solidFill>
+                            <a:latin typeface="Cambria Math" panose="02040503050406030204" pitchFamily="18" charset="0"/>
+                          </a:rPr>
+                          <m:t>log</m:t>
+                        </m:r>
+                        <m:r>
+                          <a:rPr lang="en-US" i="1">
+                            <a:solidFill>
+                              <a:schemeClr val="tx1"/>
+                            </a:solidFill>
+                            <a:latin typeface="Cambria Math" panose="02040503050406030204" pitchFamily="18" charset="0"/>
+                          </a:rPr>
+                          <m:t>⁡(1−</m:t>
+                        </m:r>
+                        <m:r>
+                          <a:rPr lang="en-US" i="1">
+                            <a:solidFill>
+                              <a:schemeClr val="tx1"/>
+                            </a:solidFill>
+                            <a:latin typeface="Cambria Math" panose="02040503050406030204" pitchFamily="18" charset="0"/>
+                          </a:rPr>
+                          <m:t>𝑝</m:t>
+                        </m:r>
+                        <m:r>
+                          <a:rPr lang="en-US" i="1">
+                            <a:solidFill>
+                              <a:schemeClr val="tx1"/>
+                            </a:solidFill>
+                            <a:latin typeface="Cambria Math" panose="02040503050406030204" pitchFamily="18" charset="0"/>
+                          </a:rPr>
+                          <m:t>)</m:t>
+                        </m:r>
+                      </m:num>
+                      <m:den>
+                        <m:r>
+                          <m:rPr>
+                            <m:sty m:val="p"/>
+                          </m:rPr>
+                          <a:rPr lang="en-US">
+                            <a:solidFill>
+                              <a:schemeClr val="tx1"/>
+                            </a:solidFill>
+                            <a:latin typeface="Cambria Math" panose="02040503050406030204" pitchFamily="18" charset="0"/>
+                          </a:rPr>
+                          <m:t>log</m:t>
+                        </m:r>
+                        <m:r>
+                          <a:rPr lang="en-US" i="1">
+                            <a:solidFill>
+                              <a:schemeClr val="tx1"/>
+                            </a:solidFill>
+                            <a:latin typeface="Cambria Math" panose="02040503050406030204" pitchFamily="18" charset="0"/>
+                          </a:rPr>
+                          <m:t>⁡(1−</m:t>
+                        </m:r>
+                        <m:sSup>
+                          <m:sSupPr>
+                            <m:ctrlPr>
+                              <a:rPr lang="en-US" i="1">
+                                <a:solidFill>
+                                  <a:schemeClr val="tx1"/>
+                                </a:solidFill>
+                                <a:latin typeface="Cambria Math" panose="02040503050406030204" pitchFamily="18" charset="0"/>
+                              </a:rPr>
+                            </m:ctrlPr>
+                          </m:sSupPr>
+                          <m:e>
+                            <m:d>
+                              <m:dPr>
+                                <m:ctrlPr>
+                                  <a:rPr lang="en-US" i="1">
+                                    <a:solidFill>
+                                      <a:schemeClr val="tx1"/>
+                                    </a:solidFill>
+                                    <a:latin typeface="Cambria Math" panose="02040503050406030204" pitchFamily="18" charset="0"/>
+                                  </a:rPr>
+                                </m:ctrlPr>
+                              </m:dPr>
+                              <m:e>
+                                <m:r>
+                                  <a:rPr lang="en-US" i="1">
+                                    <a:solidFill>
+                                      <a:schemeClr val="tx1"/>
+                                    </a:solidFill>
+                                    <a:latin typeface="Cambria Math" panose="02040503050406030204" pitchFamily="18" charset="0"/>
+                                  </a:rPr>
+                                  <m:t>1−</m:t>
+                                </m:r>
+                                <m:sSub>
+                                  <m:sSubPr>
+                                    <m:ctrlPr>
+                                      <a:rPr lang="en-US" i="1">
+                                        <a:latin typeface="Cambria Math" panose="02040503050406030204" pitchFamily="18" charset="0"/>
+                                      </a:rPr>
+                                    </m:ctrlPr>
+                                  </m:sSubPr>
+                                  <m:e>
+                                    <m:r>
+                                      <a:rPr lang="en-US" i="1">
+                                        <a:latin typeface="Cambria Math" panose="02040503050406030204" pitchFamily="18" charset="0"/>
+                                      </a:rPr>
+                                      <m:t>𝑝</m:t>
+                                    </m:r>
+                                  </m:e>
+                                  <m:sub>
+                                    <m:r>
+                                      <a:rPr lang="en-US" i="1">
+                                        <a:latin typeface="Cambria Math" panose="02040503050406030204" pitchFamily="18" charset="0"/>
+                                      </a:rPr>
+                                      <m:t>𝑜</m:t>
+                                    </m:r>
+                                  </m:sub>
+                                </m:sSub>
+                              </m:e>
+                            </m:d>
+                          </m:e>
+                          <m:sup>
+                            <m:r>
+                              <a:rPr lang="en-US" i="1">
+                                <a:solidFill>
+                                  <a:schemeClr val="tx1"/>
+                                </a:solidFill>
+                                <a:latin typeface="Cambria Math" panose="02040503050406030204" pitchFamily="18" charset="0"/>
+                              </a:rPr>
+                              <m:t>𝑠</m:t>
+                            </m:r>
+                          </m:sup>
+                        </m:sSup>
+                        <m:r>
+                          <a:rPr lang="en-US" i="1">
+                            <a:solidFill>
+                              <a:schemeClr val="tx1"/>
+                            </a:solidFill>
+                            <a:latin typeface="Cambria Math" panose="02040503050406030204" pitchFamily="18" charset="0"/>
+                          </a:rPr>
+                          <m:t>)</m:t>
+                        </m:r>
+                      </m:den>
+                    </m:f>
+                  </m:oMath>
+                </a14:m>
+                <a:endParaRPr lang="en-US" dirty="0">
+                  <a:solidFill>
+                    <a:schemeClr val="tx1"/>
+                  </a:solidFill>
+                </a:endParaRPr>
+              </a:p>
+              <a:p>
+                <a:pPr marL="0" indent="0">
+                  <a:buNone/>
+                </a:pPr>
+                <a:endParaRPr lang="en-US" dirty="0"/>
+              </a:p>
+              <a:p>
+                <a:pPr marL="0" indent="0">
+                  <a:buNone/>
+                </a:pPr>
+                <a:endParaRPr lang="en-US" dirty="0"/>
+              </a:p>
+              <a:p>
+                <a:endParaRPr lang="en-SG" dirty="0"/>
+              </a:p>
+            </p:txBody>
+          </p:sp>
+        </mc:Choice>
+        <mc:Fallback>
+          <p:sp>
+            <p:nvSpPr>
+              <p:cNvPr id="3" name="Content Placeholder 2"/>
+              <p:cNvSpPr>
+                <a:spLocks noGrp="1" noRot="1" noChangeAspect="1" noMove="1" noResize="1" noEditPoints="1" noAdjustHandles="1" noChangeArrowheads="1" noChangeShapeType="1" noTextEdit="1"/>
+              </p:cNvSpPr>
+              <p:nvPr>
+                <p:ph idx="1"/>
+              </p:nvPr>
+            </p:nvSpPr>
+            <p:spPr>
+              <a:xfrm>
+                <a:off x="491159" y="1066800"/>
+                <a:ext cx="8417313" cy="4957510"/>
+              </a:xfrm>
+              <a:blipFill>
+                <a:blip r:embed="rId2"/>
+                <a:stretch>
+                  <a:fillRect l="-1304" t="-1230" r="-580"/>
+                </a:stretch>
+              </a:blipFill>
+            </p:spPr>
+            <p:txBody>
+              <a:bodyPr/>
+              <a:lstStyle/>
+              <a:p>
+                <a:r>
+                  <a:rPr lang="en-SG">
+                    <a:noFill/>
+                  </a:rPr>
+                  <a:t> </a:t>
+                </a:r>
+              </a:p>
+            </p:txBody>
+          </p:sp>
+        </mc:Fallback>
+      </mc:AlternateContent>
+      <p:sp>
+        <p:nvSpPr>
+          <p:cNvPr id="4" name="Text Placeholder 3"/>
+          <p:cNvSpPr>
+            <a:spLocks noGrp="1"/>
+          </p:cNvSpPr>
+          <p:nvPr>
+            <p:ph type="body" idx="10"/>
+          </p:nvPr>
+        </p:nvSpPr>
+        <p:spPr/>
+        <p:txBody>
+          <a:bodyPr/>
+          <a:lstStyle/>
+          <a:p>
+            <a:endParaRPr lang="en-SG"/>
+          </a:p>
+        </p:txBody>
+      </p:sp>
+    </p:spTree>
+    <p:extLst>
+      <p:ext uri="{BB962C8B-B14F-4D97-AF65-F5344CB8AC3E}">
+        <p14:creationId xmlns:p14="http://schemas.microsoft.com/office/powerpoint/2010/main" val="3139405577"/>
+      </p:ext>
+    </p:extLst>
+  </p:cSld>
+  <p:clrMapOvr>
+    <a:masterClrMapping/>
+  </p:clrMapOvr>
+</p:sld>
+</file>
+
+<file path=ppt/slides/slide24.xml><?xml version="1.0" encoding="utf-8"?>
+<p:sld xmlns:a="http://schemas.openxmlformats.org/drawingml/2006/main" xmlns:r="http://schemas.openxmlformats.org/officeDocument/2006/relationships" xmlns:p="http://schemas.openxmlformats.org/presentationml/2006/main">
+  <p:cSld>
+    <p:spTree>
+      <p:nvGrpSpPr>
+        <p:cNvPr id="1" name=""/>
+        <p:cNvGrpSpPr/>
+        <p:nvPr/>
+      </p:nvGrpSpPr>
+      <p:grpSpPr>
+        <a:xfrm>
+          <a:off x="0" y="0"/>
+          <a:ext cx="0" cy="0"/>
+          <a:chOff x="0" y="0"/>
+          <a:chExt cx="0" cy="0"/>
+        </a:xfrm>
+      </p:grpSpPr>
+      <p:sp>
+        <p:nvSpPr>
+          <p:cNvPr id="2" name="Title 1"/>
+          <p:cNvSpPr>
+            <a:spLocks noGrp="1"/>
+          </p:cNvSpPr>
+          <p:nvPr>
+            <p:ph type="title"/>
+          </p:nvPr>
+        </p:nvSpPr>
+        <p:spPr/>
+        <p:txBody>
+          <a:bodyPr/>
+          <a:lstStyle/>
+          <a:p>
+            <a:r>
+              <a:rPr lang="en-US" dirty="0" smtClean="0"/>
+              <a:t>How many samples to choose</a:t>
+            </a:r>
+            <a:endParaRPr lang="en-SG" dirty="0"/>
+          </a:p>
+        </p:txBody>
+      </p:sp>
+      <mc:AlternateContent xmlns:mc="http://schemas.openxmlformats.org/markup-compatibility/2006">
+        <mc:Choice xmlns:a14="http://schemas.microsoft.com/office/drawing/2010/main" Requires="a14">
+          <p:sp>
+            <p:nvSpPr>
+              <p:cNvPr id="3" name="Content Placeholder 2"/>
+              <p:cNvSpPr>
+                <a:spLocks noGrp="1"/>
+              </p:cNvSpPr>
+              <p:nvPr>
+                <p:ph idx="1"/>
+              </p:nvPr>
+            </p:nvSpPr>
+            <p:spPr/>
+            <p:txBody>
+              <a:bodyPr/>
+              <a:lstStyle/>
+              <a:p>
+                <a14:m>
+                  <m:oMath xmlns:m="http://schemas.openxmlformats.org/officeDocument/2006/math">
+                    <m:r>
+                      <a:rPr lang="en-US" i="1">
+                        <a:latin typeface="Cambria Math" panose="02040503050406030204" pitchFamily="18" charset="0"/>
+                      </a:rPr>
+                      <m:t>𝑝</m:t>
+                    </m:r>
+                  </m:oMath>
+                </a14:m>
+                <a:r>
+                  <a:rPr lang="en-US" i="1" dirty="0" smtClean="0">
+                    <a:latin typeface="Cambria Math" panose="02040503050406030204" pitchFamily="18" charset="0"/>
+                  </a:rPr>
+                  <a:t>   </a:t>
+                </a:r>
+                <a:r>
+                  <a:rPr lang="en-US" dirty="0" smtClean="0">
+                    <a:latin typeface="Cambria Math" panose="02040503050406030204" pitchFamily="18" charset="0"/>
+                  </a:rPr>
+                  <a:t>= 99.99%</a:t>
+                </a:r>
+                <a:endParaRPr lang="en-US" i="1" dirty="0" smtClean="0">
+                  <a:latin typeface="Cambria Math" panose="02040503050406030204" pitchFamily="18" charset="0"/>
+                </a:endParaRPr>
+              </a:p>
+              <a:p>
+                <a14:m>
+                  <m:oMath xmlns:m="http://schemas.openxmlformats.org/officeDocument/2006/math">
+                    <m:sSub>
+                      <m:sSubPr>
+                        <m:ctrlPr>
+                          <a:rPr lang="en-US" i="1" smtClean="0">
+                            <a:latin typeface="Cambria Math" panose="02040503050406030204" pitchFamily="18" charset="0"/>
+                          </a:rPr>
+                        </m:ctrlPr>
+                      </m:sSubPr>
+                      <m:e>
+                        <m:r>
+                          <a:rPr lang="en-US" i="1">
+                            <a:latin typeface="Cambria Math" panose="02040503050406030204" pitchFamily="18" charset="0"/>
+                          </a:rPr>
+                          <m:t>𝑝</m:t>
+                        </m:r>
+                      </m:e>
+                      <m:sub>
+                        <m:r>
+                          <a:rPr lang="en-US" i="1">
+                            <a:latin typeface="Cambria Math" panose="02040503050406030204" pitchFamily="18" charset="0"/>
+                          </a:rPr>
+                          <m:t>𝑜</m:t>
+                        </m:r>
+                      </m:sub>
+                    </m:sSub>
+                  </m:oMath>
+                </a14:m>
+                <a:r>
+                  <a:rPr lang="en-SG" dirty="0" smtClean="0"/>
+                  <a:t> = 50% </a:t>
+                </a:r>
+              </a:p>
+              <a:p>
+                <a:r>
+                  <a:rPr lang="en-US" dirty="0" smtClean="0"/>
+                  <a:t>s   = 4</a:t>
+                </a:r>
+              </a:p>
+              <a:p>
+                <a:endParaRPr lang="en-US" dirty="0"/>
+              </a:p>
+              <a:p>
+                <a:r>
+                  <a:rPr lang="en-US" dirty="0">
+                    <a:solidFill>
+                      <a:schemeClr val="tx1"/>
+                    </a:solidFill>
+                  </a:rPr>
+                  <a:t>N</a:t>
+                </a:r>
+                <a14:m>
+                  <m:oMath xmlns:m="http://schemas.openxmlformats.org/officeDocument/2006/math">
+                    <m:r>
+                      <a:rPr lang="en-US" i="1">
+                        <a:solidFill>
+                          <a:schemeClr val="tx1"/>
+                        </a:solidFill>
+                        <a:latin typeface="Cambria Math" panose="02040503050406030204" pitchFamily="18" charset="0"/>
+                      </a:rPr>
+                      <m:t>=</m:t>
+                    </m:r>
+                    <m:f>
+                      <m:fPr>
+                        <m:ctrlPr>
+                          <a:rPr lang="en-US" i="1">
+                            <a:solidFill>
+                              <a:schemeClr val="tx1"/>
+                            </a:solidFill>
+                            <a:latin typeface="Cambria Math" panose="02040503050406030204" pitchFamily="18" charset="0"/>
+                          </a:rPr>
+                        </m:ctrlPr>
+                      </m:fPr>
+                      <m:num>
+                        <m:r>
+                          <m:rPr>
+                            <m:sty m:val="p"/>
+                          </m:rPr>
+                          <a:rPr lang="en-US">
+                            <a:solidFill>
+                              <a:schemeClr val="tx1"/>
+                            </a:solidFill>
+                            <a:latin typeface="Cambria Math" panose="02040503050406030204" pitchFamily="18" charset="0"/>
+                          </a:rPr>
+                          <m:t>log</m:t>
+                        </m:r>
+                        <m:r>
+                          <a:rPr lang="en-US" i="1">
+                            <a:solidFill>
+                              <a:schemeClr val="tx1"/>
+                            </a:solidFill>
+                            <a:latin typeface="Cambria Math" panose="02040503050406030204" pitchFamily="18" charset="0"/>
+                          </a:rPr>
+                          <m:t>⁡(1−</m:t>
+                        </m:r>
+                        <m:r>
+                          <a:rPr lang="en-US" i="1">
+                            <a:solidFill>
+                              <a:schemeClr val="tx1"/>
+                            </a:solidFill>
+                            <a:latin typeface="Cambria Math" panose="02040503050406030204" pitchFamily="18" charset="0"/>
+                          </a:rPr>
+                          <m:t>𝑝</m:t>
+                        </m:r>
+                        <m:r>
+                          <a:rPr lang="en-US" i="1">
+                            <a:solidFill>
+                              <a:schemeClr val="tx1"/>
+                            </a:solidFill>
+                            <a:latin typeface="Cambria Math" panose="02040503050406030204" pitchFamily="18" charset="0"/>
+                          </a:rPr>
+                          <m:t>)</m:t>
+                        </m:r>
+                      </m:num>
+                      <m:den>
+                        <m:r>
+                          <m:rPr>
+                            <m:sty m:val="p"/>
+                          </m:rPr>
+                          <a:rPr lang="en-US">
+                            <a:solidFill>
+                              <a:schemeClr val="tx1"/>
+                            </a:solidFill>
+                            <a:latin typeface="Cambria Math" panose="02040503050406030204" pitchFamily="18" charset="0"/>
+                          </a:rPr>
+                          <m:t>log</m:t>
+                        </m:r>
+                        <m:r>
+                          <a:rPr lang="en-US" i="1">
+                            <a:solidFill>
+                              <a:schemeClr val="tx1"/>
+                            </a:solidFill>
+                            <a:latin typeface="Cambria Math" panose="02040503050406030204" pitchFamily="18" charset="0"/>
+                          </a:rPr>
+                          <m:t>⁡(1−</m:t>
+                        </m:r>
+                        <m:sSup>
+                          <m:sSupPr>
+                            <m:ctrlPr>
+                              <a:rPr lang="en-US" i="1">
+                                <a:solidFill>
+                                  <a:schemeClr val="tx1"/>
+                                </a:solidFill>
+                                <a:latin typeface="Cambria Math" panose="02040503050406030204" pitchFamily="18" charset="0"/>
+                              </a:rPr>
+                            </m:ctrlPr>
+                          </m:sSupPr>
+                          <m:e>
+                            <m:d>
+                              <m:dPr>
+                                <m:ctrlPr>
+                                  <a:rPr lang="en-US" i="1">
+                                    <a:solidFill>
+                                      <a:schemeClr val="tx1"/>
+                                    </a:solidFill>
+                                    <a:latin typeface="Cambria Math" panose="02040503050406030204" pitchFamily="18" charset="0"/>
+                                  </a:rPr>
+                                </m:ctrlPr>
+                              </m:dPr>
+                              <m:e>
+                                <m:r>
+                                  <a:rPr lang="en-US" i="1">
+                                    <a:solidFill>
+                                      <a:schemeClr val="tx1"/>
+                                    </a:solidFill>
+                                    <a:latin typeface="Cambria Math" panose="02040503050406030204" pitchFamily="18" charset="0"/>
+                                  </a:rPr>
+                                  <m:t>1−</m:t>
+                                </m:r>
+                                <m:sSub>
+                                  <m:sSubPr>
+                                    <m:ctrlPr>
+                                      <a:rPr lang="en-US" i="1">
+                                        <a:latin typeface="Cambria Math" panose="02040503050406030204" pitchFamily="18" charset="0"/>
+                                      </a:rPr>
+                                    </m:ctrlPr>
+                                  </m:sSubPr>
+                                  <m:e>
+                                    <m:r>
+                                      <a:rPr lang="en-US" i="1">
+                                        <a:latin typeface="Cambria Math" panose="02040503050406030204" pitchFamily="18" charset="0"/>
+                                      </a:rPr>
+                                      <m:t>𝑝</m:t>
+                                    </m:r>
+                                  </m:e>
+                                  <m:sub>
+                                    <m:r>
+                                      <a:rPr lang="en-US" i="1">
+                                        <a:latin typeface="Cambria Math" panose="02040503050406030204" pitchFamily="18" charset="0"/>
+                                      </a:rPr>
+                                      <m:t>𝑜</m:t>
+                                    </m:r>
+                                  </m:sub>
+                                </m:sSub>
+                              </m:e>
+                            </m:d>
+                          </m:e>
+                          <m:sup>
+                            <m:r>
+                              <a:rPr lang="en-US" i="1">
+                                <a:solidFill>
+                                  <a:schemeClr val="tx1"/>
+                                </a:solidFill>
+                                <a:latin typeface="Cambria Math" panose="02040503050406030204" pitchFamily="18" charset="0"/>
+                              </a:rPr>
+                              <m:t>𝑠</m:t>
+                            </m:r>
+                          </m:sup>
+                        </m:sSup>
+                        <m:r>
+                          <a:rPr lang="en-US" i="1">
+                            <a:solidFill>
+                              <a:schemeClr val="tx1"/>
+                            </a:solidFill>
+                            <a:latin typeface="Cambria Math" panose="02040503050406030204" pitchFamily="18" charset="0"/>
+                          </a:rPr>
+                          <m:t>)</m:t>
+                        </m:r>
+                      </m:den>
+                    </m:f>
+                  </m:oMath>
+                </a14:m>
+                <a:r>
+                  <a:rPr lang="en-SG" dirty="0" smtClean="0"/>
+                  <a:t> </a:t>
+                </a:r>
+                <a:r>
+                  <a:rPr lang="en-SG" dirty="0" smtClean="0">
+                    <a:latin typeface="Times New Roman" panose="02020603050405020304" pitchFamily="18" charset="0"/>
+                    <a:cs typeface="Times New Roman" panose="02020603050405020304" pitchFamily="18" charset="0"/>
+                  </a:rPr>
+                  <a:t>≈143</a:t>
+                </a:r>
                 <a:endParaRPr lang="en-SG" dirty="0"/>
               </a:p>
             </p:txBody>
@@ -21790,2173 +24848,7 @@
     </p:spTree>
     <p:extLst>
       <p:ext uri="{BB962C8B-B14F-4D97-AF65-F5344CB8AC3E}">
-        <p14:creationId xmlns:p14="http://schemas.microsoft.com/office/powerpoint/2010/main" val="3208785430"/>
-      </p:ext>
-    </p:extLst>
-  </p:cSld>
-  <p:clrMapOvr>
-    <a:masterClrMapping/>
-  </p:clrMapOvr>
-</p:sld>
-</file>
-
-<file path=ppt/slides/slide19.xml><?xml version="1.0" encoding="utf-8"?>
-<p:sld xmlns:a="http://schemas.openxmlformats.org/drawingml/2006/main" xmlns:r="http://schemas.openxmlformats.org/officeDocument/2006/relationships" xmlns:p="http://schemas.openxmlformats.org/presentationml/2006/main">
-  <p:cSld>
-    <p:spTree>
-      <p:nvGrpSpPr>
-        <p:cNvPr id="1" name=""/>
-        <p:cNvGrpSpPr/>
-        <p:nvPr/>
-      </p:nvGrpSpPr>
-      <p:grpSpPr>
-        <a:xfrm>
-          <a:off x="0" y="0"/>
-          <a:ext cx="0" cy="0"/>
-          <a:chOff x="0" y="0"/>
-          <a:chExt cx="0" cy="0"/>
-        </a:xfrm>
-      </p:grpSpPr>
-      <p:sp>
-        <p:nvSpPr>
-          <p:cNvPr id="2" name="Title 1"/>
-          <p:cNvSpPr>
-            <a:spLocks noGrp="1"/>
-          </p:cNvSpPr>
-          <p:nvPr>
-            <p:ph type="title"/>
-          </p:nvPr>
-        </p:nvSpPr>
-        <p:spPr/>
-        <p:txBody>
-          <a:bodyPr/>
-          <a:lstStyle/>
-          <a:p>
-            <a:r>
-              <a:rPr lang="en-US" dirty="0" smtClean="0"/>
-              <a:t>Parameters</a:t>
-            </a:r>
-            <a:endParaRPr lang="en-SG" dirty="0"/>
-          </a:p>
-        </p:txBody>
-      </p:sp>
-      <mc:AlternateContent xmlns:mc="http://schemas.openxmlformats.org/markup-compatibility/2006">
-        <mc:Choice xmlns:a14="http://schemas.microsoft.com/office/drawing/2010/main" Requires="a14">
-          <p:sp>
-            <p:nvSpPr>
-              <p:cNvPr id="3" name="Content Placeholder 2"/>
-              <p:cNvSpPr>
-                <a:spLocks noGrp="1"/>
-              </p:cNvSpPr>
-              <p:nvPr>
-                <p:ph idx="1"/>
-              </p:nvPr>
-            </p:nvSpPr>
-            <p:spPr/>
-            <p:txBody>
-              <a:bodyPr/>
-              <a:lstStyle/>
-              <a:p>
-                <a:r>
-                  <a:rPr lang="en-US" dirty="0" smtClean="0"/>
-                  <a:t>N – the number of iterations required</a:t>
-                </a:r>
-              </a:p>
-              <a:p>
-                <a:endParaRPr lang="en-US" dirty="0"/>
-              </a:p>
-              <a:p>
-                <a:pPr marL="0" indent="0">
-                  <a:buNone/>
-                </a:pPr>
-                <a14:m>
-                  <m:oMathPara xmlns:m="http://schemas.openxmlformats.org/officeDocument/2006/math">
-                    <m:oMathParaPr>
-                      <m:jc m:val="centerGroup"/>
-                    </m:oMathParaPr>
-                    <m:oMath xmlns:m="http://schemas.openxmlformats.org/officeDocument/2006/math">
-                      <m:sSup>
-                        <m:sSupPr>
-                          <m:ctrlPr>
-                            <a:rPr lang="en-US" b="0" i="1" smtClean="0">
-                              <a:solidFill>
-                                <a:schemeClr val="bg1">
-                                  <a:lumMod val="85000"/>
-                                </a:schemeClr>
-                              </a:solidFill>
-                              <a:latin typeface="Cambria Math" panose="02040503050406030204" pitchFamily="18" charset="0"/>
-                            </a:rPr>
-                          </m:ctrlPr>
-                        </m:sSupPr>
-                        <m:e>
-                          <m:sSup>
-                            <m:sSupPr>
-                              <m:ctrlPr>
-                                <a:rPr lang="pt-BR" i="1">
-                                  <a:solidFill>
-                                    <a:schemeClr val="bg1">
-                                      <a:lumMod val="85000"/>
-                                    </a:schemeClr>
-                                  </a:solidFill>
-                                  <a:latin typeface="Cambria Math" panose="02040503050406030204" pitchFamily="18" charset="0"/>
-                                </a:rPr>
-                              </m:ctrlPr>
-                            </m:sSupPr>
-                            <m:e>
-                              <m:r>
-                                <a:rPr lang="en-US" i="1">
-                                  <a:solidFill>
-                                    <a:schemeClr val="bg1">
-                                      <a:lumMod val="85000"/>
-                                    </a:schemeClr>
-                                  </a:solidFill>
-                                  <a:latin typeface="Cambria Math" panose="02040503050406030204" pitchFamily="18" charset="0"/>
-                                </a:rPr>
-                                <m:t>1−</m:t>
-                              </m:r>
-                              <m:d>
-                                <m:dPr>
-                                  <m:ctrlPr>
-                                    <a:rPr lang="pt-BR" i="1">
-                                      <a:solidFill>
-                                        <a:schemeClr val="bg1">
-                                          <a:lumMod val="85000"/>
-                                        </a:schemeClr>
-                                      </a:solidFill>
-                                      <a:latin typeface="Cambria Math" panose="02040503050406030204" pitchFamily="18" charset="0"/>
-                                    </a:rPr>
-                                  </m:ctrlPr>
-                                </m:dPr>
-                                <m:e>
-                                  <m:r>
-                                    <a:rPr lang="en-US" i="1">
-                                      <a:solidFill>
-                                        <a:schemeClr val="bg1">
-                                          <a:lumMod val="85000"/>
-                                        </a:schemeClr>
-                                      </a:solidFill>
-                                      <a:latin typeface="Cambria Math" panose="02040503050406030204" pitchFamily="18" charset="0"/>
-                                    </a:rPr>
-                                    <m:t>1−(</m:t>
-                                  </m:r>
-                                  <m:r>
-                                    <a:rPr lang="en-US" i="1" smtClean="0">
-                                      <a:solidFill>
-                                        <a:schemeClr val="tx1"/>
-                                      </a:solidFill>
-                                      <a:latin typeface="Cambria Math" panose="02040503050406030204" pitchFamily="18" charset="0"/>
-                                    </a:rPr>
-                                    <m:t>1−</m:t>
-                                  </m:r>
-                                  <m:r>
-                                    <a:rPr lang="en-US" i="1" smtClean="0">
-                                      <a:solidFill>
-                                        <a:schemeClr val="tx1"/>
-                                      </a:solidFill>
-                                      <a:latin typeface="Cambria Math" panose="02040503050406030204" pitchFamily="18" charset="0"/>
-                                    </a:rPr>
-                                    <m:t>𝑒</m:t>
-                                  </m:r>
-                                </m:e>
-                              </m:d>
-                            </m:e>
-                            <m:sup>
-                              <m:r>
-                                <a:rPr lang="en-US" i="1">
-                                  <a:solidFill>
-                                    <a:schemeClr val="bg1">
-                                      <a:lumMod val="85000"/>
-                                    </a:schemeClr>
-                                  </a:solidFill>
-                                  <a:latin typeface="Cambria Math" panose="02040503050406030204" pitchFamily="18" charset="0"/>
-                                </a:rPr>
-                                <m:t>𝑠</m:t>
-                              </m:r>
-                            </m:sup>
-                          </m:sSup>
-                          <m:r>
-                            <a:rPr lang="en-US" i="1">
-                              <a:solidFill>
-                                <a:schemeClr val="bg1">
-                                  <a:lumMod val="85000"/>
-                                </a:schemeClr>
-                              </a:solidFill>
-                              <a:latin typeface="Cambria Math" panose="02040503050406030204" pitchFamily="18" charset="0"/>
-                            </a:rPr>
-                            <m:t>)</m:t>
-                          </m:r>
-                        </m:e>
-                        <m:sup>
-                          <m:r>
-                            <a:rPr lang="en-US" b="0" i="1" smtClean="0">
-                              <a:solidFill>
-                                <a:schemeClr val="bg1">
-                                  <a:lumMod val="85000"/>
-                                </a:schemeClr>
-                              </a:solidFill>
-                              <a:latin typeface="Cambria Math" panose="02040503050406030204" pitchFamily="18" charset="0"/>
-                            </a:rPr>
-                            <m:t>𝑁</m:t>
-                          </m:r>
-                        </m:sup>
-                      </m:sSup>
-                      <m:r>
-                        <a:rPr lang="pt-BR" i="1" smtClean="0">
-                          <a:solidFill>
-                            <a:schemeClr val="bg1">
-                              <a:lumMod val="85000"/>
-                            </a:schemeClr>
-                          </a:solidFill>
-                          <a:latin typeface="Cambria Math" panose="02040503050406030204" pitchFamily="18" charset="0"/>
-                        </a:rPr>
-                        <m:t>=</m:t>
-                      </m:r>
-                      <m:r>
-                        <a:rPr lang="en-US" b="0" i="1" smtClean="0">
-                          <a:solidFill>
-                            <a:schemeClr val="bg1">
-                              <a:lumMod val="85000"/>
-                            </a:schemeClr>
-                          </a:solidFill>
-                          <a:latin typeface="Cambria Math" panose="02040503050406030204" pitchFamily="18" charset="0"/>
-                        </a:rPr>
-                        <m:t>𝑝</m:t>
-                      </m:r>
-                    </m:oMath>
-                  </m:oMathPara>
-                </a14:m>
-                <a:endParaRPr lang="en-US" dirty="0" smtClean="0">
-                  <a:solidFill>
-                    <a:schemeClr val="bg1">
-                      <a:lumMod val="85000"/>
-                    </a:schemeClr>
-                  </a:solidFill>
-                </a:endParaRPr>
-              </a:p>
-              <a:p>
-                <a:pPr marL="0" indent="0">
-                  <a:buNone/>
-                </a:pPr>
-                <a:endParaRPr lang="en-US" dirty="0"/>
-              </a:p>
-              <a:p>
-                <a:pPr marL="0" indent="0">
-                  <a:buNone/>
-                </a:pPr>
-                <a:endParaRPr lang="en-US" dirty="0"/>
-              </a:p>
-              <a:p>
-                <a:endParaRPr lang="en-SG" dirty="0"/>
-              </a:p>
-            </p:txBody>
-          </p:sp>
-        </mc:Choice>
-        <mc:Fallback>
-          <p:sp>
-            <p:nvSpPr>
-              <p:cNvPr id="3" name="Content Placeholder 2"/>
-              <p:cNvSpPr>
-                <a:spLocks noGrp="1" noRot="1" noChangeAspect="1" noMove="1" noResize="1" noEditPoints="1" noAdjustHandles="1" noChangeArrowheads="1" noChangeShapeType="1" noTextEdit="1"/>
-              </p:cNvSpPr>
-              <p:nvPr>
-                <p:ph idx="1"/>
-              </p:nvPr>
-            </p:nvSpPr>
-            <p:spPr>
-              <a:blipFill>
-                <a:blip r:embed="rId2"/>
-                <a:stretch>
-                  <a:fillRect l="-1333" t="-1515"/>
-                </a:stretch>
-              </a:blipFill>
-            </p:spPr>
-            <p:txBody>
-              <a:bodyPr/>
-              <a:lstStyle/>
-              <a:p>
-                <a:r>
-                  <a:rPr lang="en-SG">
-                    <a:noFill/>
-                  </a:rPr>
-                  <a:t> </a:t>
-                </a:r>
-              </a:p>
-            </p:txBody>
-          </p:sp>
-        </mc:Fallback>
-      </mc:AlternateContent>
-      <p:sp>
-        <p:nvSpPr>
-          <p:cNvPr id="4" name="Text Placeholder 3"/>
-          <p:cNvSpPr>
-            <a:spLocks noGrp="1"/>
-          </p:cNvSpPr>
-          <p:nvPr>
-            <p:ph type="body" idx="10"/>
-          </p:nvPr>
-        </p:nvSpPr>
-        <p:spPr/>
-        <p:txBody>
-          <a:bodyPr/>
-          <a:lstStyle/>
-          <a:p>
-            <a:endParaRPr lang="en-SG"/>
-          </a:p>
-        </p:txBody>
-      </p:sp>
-    </p:spTree>
-    <p:extLst>
-      <p:ext uri="{BB962C8B-B14F-4D97-AF65-F5344CB8AC3E}">
-        <p14:creationId xmlns:p14="http://schemas.microsoft.com/office/powerpoint/2010/main" val="1774451959"/>
-      </p:ext>
-    </p:extLst>
-  </p:cSld>
-  <p:clrMapOvr>
-    <a:masterClrMapping/>
-  </p:clrMapOvr>
-</p:sld>
-</file>
-
-<file path=ppt/slides/slide2.xml><?xml version="1.0" encoding="utf-8"?>
-<p:sld xmlns:a="http://schemas.openxmlformats.org/drawingml/2006/main" xmlns:r="http://schemas.openxmlformats.org/officeDocument/2006/relationships" xmlns:p="http://schemas.openxmlformats.org/presentationml/2006/main">
-  <p:cSld>
-    <p:spTree>
-      <p:nvGrpSpPr>
-        <p:cNvPr id="1" name=""/>
-        <p:cNvGrpSpPr/>
-        <p:nvPr/>
-      </p:nvGrpSpPr>
-      <p:grpSpPr>
-        <a:xfrm>
-          <a:off x="0" y="0"/>
-          <a:ext cx="0" cy="0"/>
-          <a:chOff x="0" y="0"/>
-          <a:chExt cx="0" cy="0"/>
-        </a:xfrm>
-      </p:grpSpPr>
-      <p:sp>
-        <p:nvSpPr>
-          <p:cNvPr id="2" name="Title 1"/>
-          <p:cNvSpPr>
-            <a:spLocks noGrp="1"/>
-          </p:cNvSpPr>
-          <p:nvPr>
-            <p:ph type="title"/>
-          </p:nvPr>
-        </p:nvSpPr>
-        <p:spPr>
-          <a:xfrm>
-            <a:off x="498475" y="346167"/>
-            <a:ext cx="6624637" cy="674225"/>
-          </a:xfrm>
-        </p:spPr>
-        <p:txBody>
-          <a:bodyPr/>
-          <a:lstStyle/>
-          <a:p>
-            <a:pPr>
-              <a:defRPr/>
-            </a:pPr>
-            <a:r>
-              <a:rPr lang="en-US" sz="2800" b="1" dirty="0">
-                <a:solidFill>
-                  <a:schemeClr val="tx1"/>
-                </a:solidFill>
-                <a:latin typeface="+mn-lt"/>
-                <a:ea typeface="MS PGothic" charset="0"/>
-              </a:rPr>
-              <a:t>OUTLINE</a:t>
-            </a:r>
-          </a:p>
-        </p:txBody>
-      </p:sp>
-      <p:sp>
-        <p:nvSpPr>
-          <p:cNvPr id="61443" name="Content Placeholder 2"/>
-          <p:cNvSpPr>
-            <a:spLocks noGrp="1"/>
-          </p:cNvSpPr>
-          <p:nvPr>
-            <p:ph idx="1"/>
-          </p:nvPr>
-        </p:nvSpPr>
-        <p:spPr bwMode="auto">
-          <a:xfrm>
-            <a:off x="498475" y="1020391"/>
-            <a:ext cx="8289031" cy="4977637"/>
-          </a:xfrm>
-          <a:noFill/>
-          <a:extLst>
-            <a:ext uri="{909E8E84-426E-40DD-AFC4-6F175D3DCCD1}">
-              <a14:hiddenFill xmlns:a14="http://schemas.microsoft.com/office/drawing/2010/main">
-                <a:solidFill>
-                  <a:srgbClr val="FFFFFF"/>
-                </a:solidFill>
-              </a14:hiddenFill>
-            </a:ext>
-            <a:ext uri="{91240B29-F687-4F45-9708-019B960494DF}">
-              <a14:hiddenLine xmlns:a14="http://schemas.microsoft.com/office/drawing/2010/main" w="9525">
-                <a:solidFill>
-                  <a:srgbClr val="000000"/>
-                </a:solidFill>
-                <a:miter lim="800000"/>
-                <a:headEnd/>
-                <a:tailEnd/>
-              </a14:hiddenLine>
-            </a:ext>
-          </a:extLst>
-        </p:spPr>
-        <p:txBody>
-          <a:bodyPr vert="horz" wrap="square" lIns="91440" tIns="45720" rIns="91440" bIns="45720" numCol="1" anchor="t" anchorCtr="0" compatLnSpc="1"/>
-          <a:lstStyle/>
-          <a:p>
-            <a:pPr marL="0" indent="0">
-              <a:spcBef>
-                <a:spcPts val="0"/>
-              </a:spcBef>
-              <a:spcAft>
-                <a:spcPts val="600"/>
-              </a:spcAft>
-              <a:buNone/>
-            </a:pPr>
-            <a:endParaRPr lang="en-US" altLang="en-US" sz="2400" dirty="0">
-              <a:solidFill>
-                <a:schemeClr val="tx1"/>
-              </a:solidFill>
-              <a:latin typeface="Arial" panose="020B0604020202020204" pitchFamily="34" charset="0"/>
-              <a:cs typeface="Arial" panose="020B0604020202020204" pitchFamily="34" charset="0"/>
-            </a:endParaRPr>
-          </a:p>
-          <a:p>
-            <a:pPr>
-              <a:spcBef>
-                <a:spcPts val="0"/>
-              </a:spcBef>
-              <a:spcAft>
-                <a:spcPts val="600"/>
-              </a:spcAft>
-            </a:pPr>
-            <a:r>
-              <a:rPr lang="en-US" altLang="en-US" sz="2400" dirty="0">
-                <a:solidFill>
-                  <a:schemeClr val="tx1"/>
-                </a:solidFill>
-                <a:latin typeface="Arial" panose="020B0604020202020204" pitchFamily="34" charset="0"/>
-                <a:cs typeface="Arial" panose="020B0604020202020204" pitchFamily="34" charset="0"/>
-              </a:rPr>
-              <a:t>Project Objective</a:t>
-            </a:r>
-          </a:p>
-          <a:p>
-            <a:pPr>
-              <a:spcBef>
-                <a:spcPts val="0"/>
-              </a:spcBef>
-              <a:spcAft>
-                <a:spcPts val="600"/>
-              </a:spcAft>
-            </a:pPr>
-            <a:endParaRPr lang="en-US" altLang="en-US" sz="2400" dirty="0">
-              <a:solidFill>
-                <a:schemeClr val="tx1"/>
-              </a:solidFill>
-              <a:latin typeface="Arial" panose="020B0604020202020204" pitchFamily="34" charset="0"/>
-              <a:cs typeface="Arial" panose="020B0604020202020204" pitchFamily="34" charset="0"/>
-            </a:endParaRPr>
-          </a:p>
-          <a:p>
-            <a:pPr>
-              <a:spcBef>
-                <a:spcPts val="0"/>
-              </a:spcBef>
-              <a:spcAft>
-                <a:spcPts val="600"/>
-              </a:spcAft>
-            </a:pPr>
-            <a:r>
-              <a:rPr lang="en-US" altLang="en-US" sz="2400" dirty="0">
-                <a:solidFill>
-                  <a:schemeClr val="tx1"/>
-                </a:solidFill>
-                <a:latin typeface="Arial" panose="020B0604020202020204" pitchFamily="34" charset="0"/>
-                <a:cs typeface="Arial" panose="020B0604020202020204" pitchFamily="34" charset="0"/>
-              </a:rPr>
-              <a:t>Problem Formulation</a:t>
-            </a:r>
-          </a:p>
-          <a:p>
-            <a:pPr>
-              <a:spcBef>
-                <a:spcPts val="0"/>
-              </a:spcBef>
-              <a:spcAft>
-                <a:spcPts val="600"/>
-              </a:spcAft>
-            </a:pPr>
-            <a:endParaRPr lang="en-US" altLang="en-US" sz="2400" dirty="0">
-              <a:solidFill>
-                <a:schemeClr val="tx1"/>
-              </a:solidFill>
-              <a:latin typeface="Arial" panose="020B0604020202020204" pitchFamily="34" charset="0"/>
-              <a:cs typeface="Arial" panose="020B0604020202020204" pitchFamily="34" charset="0"/>
-            </a:endParaRPr>
-          </a:p>
-          <a:p>
-            <a:pPr>
-              <a:spcBef>
-                <a:spcPts val="0"/>
-              </a:spcBef>
-              <a:spcAft>
-                <a:spcPts val="600"/>
-              </a:spcAft>
-            </a:pPr>
-            <a:r>
-              <a:rPr lang="en-US" altLang="en-US" sz="2400" dirty="0">
-                <a:solidFill>
-                  <a:schemeClr val="tx1"/>
-                </a:solidFill>
-                <a:latin typeface="Arial" panose="020B0604020202020204" pitchFamily="34" charset="0"/>
-                <a:cs typeface="Arial" panose="020B0604020202020204" pitchFamily="34" charset="0"/>
-              </a:rPr>
-              <a:t>Problem Definition</a:t>
-            </a:r>
-          </a:p>
-          <a:p>
-            <a:pPr>
-              <a:spcBef>
-                <a:spcPts val="0"/>
-              </a:spcBef>
-              <a:spcAft>
-                <a:spcPts val="600"/>
-              </a:spcAft>
-            </a:pPr>
-            <a:endParaRPr lang="en-US" altLang="en-US" sz="2400" dirty="0">
-              <a:solidFill>
-                <a:schemeClr val="tx1"/>
-              </a:solidFill>
-              <a:latin typeface="Arial" panose="020B0604020202020204" pitchFamily="34" charset="0"/>
-              <a:cs typeface="Arial" panose="020B0604020202020204" pitchFamily="34" charset="0"/>
-            </a:endParaRPr>
-          </a:p>
-          <a:p>
-            <a:pPr>
-              <a:spcBef>
-                <a:spcPts val="0"/>
-              </a:spcBef>
-              <a:spcAft>
-                <a:spcPts val="600"/>
-              </a:spcAft>
-            </a:pPr>
-            <a:r>
-              <a:rPr lang="en-US" altLang="en-US" sz="2400" dirty="0">
-                <a:solidFill>
-                  <a:schemeClr val="tx1"/>
-                </a:solidFill>
-                <a:latin typeface="Arial" panose="020B0604020202020204" pitchFamily="34" charset="0"/>
-                <a:cs typeface="Arial" panose="020B0604020202020204" pitchFamily="34" charset="0"/>
-              </a:rPr>
-              <a:t>Algorithm</a:t>
-            </a:r>
-          </a:p>
-          <a:p>
-            <a:pPr>
-              <a:spcBef>
-                <a:spcPts val="0"/>
-              </a:spcBef>
-              <a:spcAft>
-                <a:spcPts val="600"/>
-              </a:spcAft>
-            </a:pPr>
-            <a:endParaRPr lang="en-US" altLang="en-US" sz="2400" dirty="0">
-              <a:solidFill>
-                <a:schemeClr val="tx1"/>
-              </a:solidFill>
-              <a:latin typeface="Arial" panose="020B0604020202020204" pitchFamily="34" charset="0"/>
-              <a:cs typeface="Arial" panose="020B0604020202020204" pitchFamily="34" charset="0"/>
-            </a:endParaRPr>
-          </a:p>
-          <a:p>
-            <a:pPr>
-              <a:spcBef>
-                <a:spcPts val="0"/>
-              </a:spcBef>
-              <a:spcAft>
-                <a:spcPts val="600"/>
-              </a:spcAft>
-            </a:pPr>
-            <a:r>
-              <a:rPr lang="en-US" altLang="en-US" sz="2400" dirty="0">
-                <a:solidFill>
-                  <a:schemeClr val="tx1"/>
-                </a:solidFill>
-                <a:latin typeface="Arial" panose="020B0604020202020204" pitchFamily="34" charset="0"/>
-                <a:cs typeface="Arial" panose="020B0604020202020204" pitchFamily="34" charset="0"/>
-              </a:rPr>
-              <a:t>Summary</a:t>
-            </a:r>
-          </a:p>
-        </p:txBody>
-      </p:sp>
-    </p:spTree>
-  </p:cSld>
-  <p:clrMapOvr>
-    <a:masterClrMapping/>
-  </p:clrMapOvr>
-</p:sld>
-</file>
-
-<file path=ppt/slides/slide20.xml><?xml version="1.0" encoding="utf-8"?>
-<p:sld xmlns:a="http://schemas.openxmlformats.org/drawingml/2006/main" xmlns:r="http://schemas.openxmlformats.org/officeDocument/2006/relationships" xmlns:p="http://schemas.openxmlformats.org/presentationml/2006/main">
-  <p:cSld>
-    <p:spTree>
-      <p:nvGrpSpPr>
-        <p:cNvPr id="1" name=""/>
-        <p:cNvGrpSpPr/>
-        <p:nvPr/>
-      </p:nvGrpSpPr>
-      <p:grpSpPr>
-        <a:xfrm>
-          <a:off x="0" y="0"/>
-          <a:ext cx="0" cy="0"/>
-          <a:chOff x="0" y="0"/>
-          <a:chExt cx="0" cy="0"/>
-        </a:xfrm>
-      </p:grpSpPr>
-      <p:sp>
-        <p:nvSpPr>
-          <p:cNvPr id="2" name="Title 1"/>
-          <p:cNvSpPr>
-            <a:spLocks noGrp="1"/>
-          </p:cNvSpPr>
-          <p:nvPr>
-            <p:ph type="title"/>
-          </p:nvPr>
-        </p:nvSpPr>
-        <p:spPr/>
-        <p:txBody>
-          <a:bodyPr/>
-          <a:lstStyle/>
-          <a:p>
-            <a:r>
-              <a:rPr lang="en-US" dirty="0" smtClean="0"/>
-              <a:t>Parameters</a:t>
-            </a:r>
-            <a:endParaRPr lang="en-SG" dirty="0"/>
-          </a:p>
-        </p:txBody>
-      </p:sp>
-      <mc:AlternateContent xmlns:mc="http://schemas.openxmlformats.org/markup-compatibility/2006">
-        <mc:Choice xmlns:a14="http://schemas.microsoft.com/office/drawing/2010/main" Requires="a14">
-          <p:sp>
-            <p:nvSpPr>
-              <p:cNvPr id="3" name="Content Placeholder 2"/>
-              <p:cNvSpPr>
-                <a:spLocks noGrp="1"/>
-              </p:cNvSpPr>
-              <p:nvPr>
-                <p:ph idx="1"/>
-              </p:nvPr>
-            </p:nvSpPr>
-            <p:spPr/>
-            <p:txBody>
-              <a:bodyPr/>
-              <a:lstStyle/>
-              <a:p>
-                <a:r>
-                  <a:rPr lang="en-US" dirty="0" smtClean="0"/>
-                  <a:t>N – the number of iterations required</a:t>
-                </a:r>
-              </a:p>
-              <a:p>
-                <a:endParaRPr lang="en-US" dirty="0"/>
-              </a:p>
-              <a:p>
-                <a:pPr marL="0" indent="0">
-                  <a:buNone/>
-                </a:pPr>
-                <a:r>
-                  <a:rPr lang="pt-BR" dirty="0" smtClean="0">
-                    <a:solidFill>
-                      <a:schemeClr val="bg1">
-                        <a:lumMod val="85000"/>
-                      </a:schemeClr>
-                    </a:solidFill>
-                  </a:rPr>
-                  <a:t>						</a:t>
-                </a:r>
-                <a14:m>
-                  <m:oMath xmlns:m="http://schemas.openxmlformats.org/officeDocument/2006/math">
-                    <m:sSup>
-                      <m:sSupPr>
-                        <m:ctrlPr>
-                          <a:rPr lang="pt-BR" i="1" smtClean="0">
-                            <a:solidFill>
-                              <a:schemeClr val="bg1">
-                                <a:lumMod val="85000"/>
-                              </a:schemeClr>
-                            </a:solidFill>
-                            <a:latin typeface="Cambria Math" panose="02040503050406030204" pitchFamily="18" charset="0"/>
-                          </a:rPr>
-                        </m:ctrlPr>
-                      </m:sSupPr>
-                      <m:e>
-                        <m:r>
-                          <m:rPr>
-                            <m:nor/>
-                          </m:rPr>
-                          <a:rPr lang="pt-BR" dirty="0">
-                            <a:solidFill>
-                              <a:schemeClr val="bg1">
-                                <a:lumMod val="85000"/>
-                              </a:schemeClr>
-                            </a:solidFill>
-                          </a:rPr>
-                          <m:t>1-(1-</m:t>
-                        </m:r>
-                        <m:sSup>
-                          <m:sSupPr>
-                            <m:ctrlPr>
-                              <a:rPr lang="pt-BR" i="1" smtClean="0">
-                                <a:solidFill>
-                                  <a:schemeClr val="tx1"/>
-                                </a:solidFill>
-                                <a:latin typeface="Cambria Math" panose="02040503050406030204" pitchFamily="18" charset="0"/>
-                              </a:rPr>
-                            </m:ctrlPr>
-                          </m:sSupPr>
-                          <m:e>
-                            <m:r>
-                              <a:rPr lang="en-US" i="1">
-                                <a:solidFill>
-                                  <a:schemeClr val="tx1"/>
-                                </a:solidFill>
-                                <a:latin typeface="Cambria Math" panose="02040503050406030204" pitchFamily="18" charset="0"/>
-                              </a:rPr>
-                              <m:t>(1−</m:t>
-                            </m:r>
-                            <m:r>
-                              <a:rPr lang="en-US" i="1">
-                                <a:solidFill>
-                                  <a:schemeClr val="tx1"/>
-                                </a:solidFill>
-                                <a:latin typeface="Cambria Math" panose="02040503050406030204" pitchFamily="18" charset="0"/>
-                              </a:rPr>
-                              <m:t>𝑒</m:t>
-                            </m:r>
-                            <m:r>
-                              <a:rPr lang="en-US" i="1">
-                                <a:solidFill>
-                                  <a:schemeClr val="tx1"/>
-                                </a:solidFill>
-                                <a:latin typeface="Cambria Math" panose="02040503050406030204" pitchFamily="18" charset="0"/>
-                              </a:rPr>
-                              <m:t>)</m:t>
-                            </m:r>
-                          </m:e>
-                          <m:sup>
-                            <m:r>
-                              <a:rPr lang="en-US" i="1">
-                                <a:solidFill>
-                                  <a:schemeClr val="tx1"/>
-                                </a:solidFill>
-                                <a:latin typeface="Cambria Math" panose="02040503050406030204" pitchFamily="18" charset="0"/>
-                              </a:rPr>
-                              <m:t>𝑠</m:t>
-                            </m:r>
-                          </m:sup>
-                        </m:sSup>
-                        <m:r>
-                          <a:rPr lang="en-US" i="1">
-                            <a:solidFill>
-                              <a:schemeClr val="bg1">
-                                <a:lumMod val="85000"/>
-                              </a:schemeClr>
-                            </a:solidFill>
-                            <a:latin typeface="Cambria Math" panose="02040503050406030204" pitchFamily="18" charset="0"/>
-                          </a:rPr>
-                          <m:t>)</m:t>
-                        </m:r>
-                      </m:e>
-                      <m:sup>
-                        <m:r>
-                          <a:rPr lang="en-US" b="0" i="1" smtClean="0">
-                            <a:solidFill>
-                              <a:schemeClr val="bg1">
-                                <a:lumMod val="85000"/>
-                              </a:schemeClr>
-                            </a:solidFill>
-                            <a:latin typeface="Cambria Math" panose="02040503050406030204" pitchFamily="18" charset="0"/>
-                          </a:rPr>
-                          <m:t>𝑁</m:t>
-                        </m:r>
-                      </m:sup>
-                    </m:sSup>
-                    <m:r>
-                      <a:rPr lang="pt-BR" i="1" smtClean="0">
-                        <a:solidFill>
-                          <a:schemeClr val="bg1">
-                            <a:lumMod val="85000"/>
-                          </a:schemeClr>
-                        </a:solidFill>
-                        <a:latin typeface="Cambria Math" panose="02040503050406030204" pitchFamily="18" charset="0"/>
-                      </a:rPr>
-                      <m:t>=</m:t>
-                    </m:r>
-                    <m:r>
-                      <a:rPr lang="en-US" b="0" i="1" smtClean="0">
-                        <a:solidFill>
-                          <a:schemeClr val="bg1">
-                            <a:lumMod val="85000"/>
-                          </a:schemeClr>
-                        </a:solidFill>
-                        <a:latin typeface="Cambria Math" panose="02040503050406030204" pitchFamily="18" charset="0"/>
-                      </a:rPr>
-                      <m:t>𝑝</m:t>
-                    </m:r>
-                  </m:oMath>
-                </a14:m>
-                <a:endParaRPr lang="en-US" dirty="0" smtClean="0">
-                  <a:solidFill>
-                    <a:schemeClr val="bg1">
-                      <a:lumMod val="85000"/>
-                    </a:schemeClr>
-                  </a:solidFill>
-                </a:endParaRPr>
-              </a:p>
-              <a:p>
-                <a:pPr marL="0" indent="0">
-                  <a:buNone/>
-                </a:pPr>
-                <a:endParaRPr lang="en-US" dirty="0"/>
-              </a:p>
-              <a:p>
-                <a:pPr marL="0" indent="0">
-                  <a:buNone/>
-                </a:pPr>
-                <a:endParaRPr lang="en-US" dirty="0"/>
-              </a:p>
-              <a:p>
-                <a:endParaRPr lang="en-SG" dirty="0"/>
-              </a:p>
-            </p:txBody>
-          </p:sp>
-        </mc:Choice>
-        <mc:Fallback>
-          <p:sp>
-            <p:nvSpPr>
-              <p:cNvPr id="3" name="Content Placeholder 2"/>
-              <p:cNvSpPr>
-                <a:spLocks noGrp="1" noRot="1" noChangeAspect="1" noMove="1" noResize="1" noEditPoints="1" noAdjustHandles="1" noChangeArrowheads="1" noChangeShapeType="1" noTextEdit="1"/>
-              </p:cNvSpPr>
-              <p:nvPr>
-                <p:ph idx="1"/>
-              </p:nvPr>
-            </p:nvSpPr>
-            <p:spPr>
-              <a:blipFill>
-                <a:blip r:embed="rId2"/>
-                <a:stretch>
-                  <a:fillRect l="-1333" t="-1515"/>
-                </a:stretch>
-              </a:blipFill>
-            </p:spPr>
-            <p:txBody>
-              <a:bodyPr/>
-              <a:lstStyle/>
-              <a:p>
-                <a:r>
-                  <a:rPr lang="en-SG">
-                    <a:noFill/>
-                  </a:rPr>
-                  <a:t> </a:t>
-                </a:r>
-              </a:p>
-            </p:txBody>
-          </p:sp>
-        </mc:Fallback>
-      </mc:AlternateContent>
-      <p:sp>
-        <p:nvSpPr>
-          <p:cNvPr id="4" name="Text Placeholder 3"/>
-          <p:cNvSpPr>
-            <a:spLocks noGrp="1"/>
-          </p:cNvSpPr>
-          <p:nvPr>
-            <p:ph type="body" idx="10"/>
-          </p:nvPr>
-        </p:nvSpPr>
-        <p:spPr/>
-        <p:txBody>
-          <a:bodyPr/>
-          <a:lstStyle/>
-          <a:p>
-            <a:endParaRPr lang="en-SG"/>
-          </a:p>
-        </p:txBody>
-      </p:sp>
-    </p:spTree>
-    <p:extLst>
-      <p:ext uri="{BB962C8B-B14F-4D97-AF65-F5344CB8AC3E}">
-        <p14:creationId xmlns:p14="http://schemas.microsoft.com/office/powerpoint/2010/main" val="2244731487"/>
-      </p:ext>
-    </p:extLst>
-  </p:cSld>
-  <p:clrMapOvr>
-    <a:masterClrMapping/>
-  </p:clrMapOvr>
-</p:sld>
-</file>
-
-<file path=ppt/slides/slide21.xml><?xml version="1.0" encoding="utf-8"?>
-<p:sld xmlns:a="http://schemas.openxmlformats.org/drawingml/2006/main" xmlns:r="http://schemas.openxmlformats.org/officeDocument/2006/relationships" xmlns:p="http://schemas.openxmlformats.org/presentationml/2006/main">
-  <p:cSld>
-    <p:spTree>
-      <p:nvGrpSpPr>
-        <p:cNvPr id="1" name=""/>
-        <p:cNvGrpSpPr/>
-        <p:nvPr/>
-      </p:nvGrpSpPr>
-      <p:grpSpPr>
-        <a:xfrm>
-          <a:off x="0" y="0"/>
-          <a:ext cx="0" cy="0"/>
-          <a:chOff x="0" y="0"/>
-          <a:chExt cx="0" cy="0"/>
-        </a:xfrm>
-      </p:grpSpPr>
-      <p:sp>
-        <p:nvSpPr>
-          <p:cNvPr id="2" name="Title 1"/>
-          <p:cNvSpPr>
-            <a:spLocks noGrp="1"/>
-          </p:cNvSpPr>
-          <p:nvPr>
-            <p:ph type="title"/>
-          </p:nvPr>
-        </p:nvSpPr>
-        <p:spPr/>
-        <p:txBody>
-          <a:bodyPr/>
-          <a:lstStyle/>
-          <a:p>
-            <a:r>
-              <a:rPr lang="en-US" dirty="0" smtClean="0"/>
-              <a:t>Parameters</a:t>
-            </a:r>
-            <a:endParaRPr lang="en-SG" dirty="0"/>
-          </a:p>
-        </p:txBody>
-      </p:sp>
-      <mc:AlternateContent xmlns:mc="http://schemas.openxmlformats.org/markup-compatibility/2006">
-        <mc:Choice xmlns:a14="http://schemas.microsoft.com/office/drawing/2010/main" Requires="a14">
-          <p:sp>
-            <p:nvSpPr>
-              <p:cNvPr id="3" name="Content Placeholder 2"/>
-              <p:cNvSpPr>
-                <a:spLocks noGrp="1"/>
-              </p:cNvSpPr>
-              <p:nvPr>
-                <p:ph idx="1"/>
-              </p:nvPr>
-            </p:nvSpPr>
-            <p:spPr/>
-            <p:txBody>
-              <a:bodyPr/>
-              <a:lstStyle/>
-              <a:p>
-                <a:r>
-                  <a:rPr lang="en-US" dirty="0" smtClean="0"/>
-                  <a:t>N – the number of iterations required</a:t>
-                </a:r>
-              </a:p>
-              <a:p>
-                <a:endParaRPr lang="en-US" dirty="0"/>
-              </a:p>
-              <a:p>
-                <a:pPr marL="0" indent="0">
-                  <a:buNone/>
-                </a:pPr>
-                <a:r>
-                  <a:rPr lang="pt-BR" dirty="0" smtClean="0">
-                    <a:solidFill>
-                      <a:schemeClr val="bg1">
-                        <a:lumMod val="85000"/>
-                      </a:schemeClr>
-                    </a:solidFill>
-                  </a:rPr>
-                  <a:t>						</a:t>
-                </a:r>
-                <a14:m>
-                  <m:oMath xmlns:m="http://schemas.openxmlformats.org/officeDocument/2006/math">
-                    <m:sSup>
-                      <m:sSupPr>
-                        <m:ctrlPr>
-                          <a:rPr lang="pt-BR" i="1" smtClean="0">
-                            <a:solidFill>
-                              <a:schemeClr val="bg1">
-                                <a:lumMod val="85000"/>
-                              </a:schemeClr>
-                            </a:solidFill>
-                            <a:latin typeface="Cambria Math" panose="02040503050406030204" pitchFamily="18" charset="0"/>
-                          </a:rPr>
-                        </m:ctrlPr>
-                      </m:sSupPr>
-                      <m:e>
-                        <m:r>
-                          <m:rPr>
-                            <m:nor/>
-                          </m:rPr>
-                          <a:rPr lang="pt-BR" dirty="0">
-                            <a:solidFill>
-                              <a:schemeClr val="bg1">
-                                <a:lumMod val="85000"/>
-                              </a:schemeClr>
-                            </a:solidFill>
-                          </a:rPr>
-                          <m:t>1-(</m:t>
-                        </m:r>
-                        <m:r>
-                          <m:rPr>
-                            <m:nor/>
-                          </m:rPr>
-                          <a:rPr lang="pt-BR" dirty="0" smtClean="0">
-                            <a:solidFill>
-                              <a:schemeClr val="tx1"/>
-                            </a:solidFill>
-                          </a:rPr>
-                          <m:t>1-</m:t>
-                        </m:r>
-                        <m:sSup>
-                          <m:sSupPr>
-                            <m:ctrlPr>
-                              <a:rPr lang="pt-BR" i="1" smtClean="0">
-                                <a:solidFill>
-                                  <a:schemeClr val="tx1"/>
-                                </a:solidFill>
-                                <a:latin typeface="Cambria Math" panose="02040503050406030204" pitchFamily="18" charset="0"/>
-                              </a:rPr>
-                            </m:ctrlPr>
-                          </m:sSupPr>
-                          <m:e>
-                            <m:r>
-                              <a:rPr lang="en-US" i="1">
-                                <a:solidFill>
-                                  <a:schemeClr val="tx1"/>
-                                </a:solidFill>
-                                <a:latin typeface="Cambria Math" panose="02040503050406030204" pitchFamily="18" charset="0"/>
-                              </a:rPr>
-                              <m:t>(1−</m:t>
-                            </m:r>
-                            <m:r>
-                              <a:rPr lang="en-US" i="1">
-                                <a:solidFill>
-                                  <a:schemeClr val="tx1"/>
-                                </a:solidFill>
-                                <a:latin typeface="Cambria Math" panose="02040503050406030204" pitchFamily="18" charset="0"/>
-                              </a:rPr>
-                              <m:t>𝑒</m:t>
-                            </m:r>
-                            <m:r>
-                              <a:rPr lang="en-US" i="1">
-                                <a:solidFill>
-                                  <a:schemeClr val="tx1"/>
-                                </a:solidFill>
-                                <a:latin typeface="Cambria Math" panose="02040503050406030204" pitchFamily="18" charset="0"/>
-                              </a:rPr>
-                              <m:t>)</m:t>
-                            </m:r>
-                          </m:e>
-                          <m:sup>
-                            <m:r>
-                              <a:rPr lang="en-US" i="1">
-                                <a:solidFill>
-                                  <a:schemeClr val="tx1"/>
-                                </a:solidFill>
-                                <a:latin typeface="Cambria Math" panose="02040503050406030204" pitchFamily="18" charset="0"/>
-                              </a:rPr>
-                              <m:t>𝑠</m:t>
-                            </m:r>
-                          </m:sup>
-                        </m:sSup>
-                        <m:r>
-                          <a:rPr lang="en-US" i="1">
-                            <a:solidFill>
-                              <a:schemeClr val="bg1">
-                                <a:lumMod val="85000"/>
-                              </a:schemeClr>
-                            </a:solidFill>
-                            <a:latin typeface="Cambria Math" panose="02040503050406030204" pitchFamily="18" charset="0"/>
-                          </a:rPr>
-                          <m:t>)</m:t>
-                        </m:r>
-                      </m:e>
-                      <m:sup>
-                        <m:r>
-                          <a:rPr lang="en-US" b="0" i="1" smtClean="0">
-                            <a:solidFill>
-                              <a:schemeClr val="bg1">
-                                <a:lumMod val="85000"/>
-                              </a:schemeClr>
-                            </a:solidFill>
-                            <a:latin typeface="Cambria Math" panose="02040503050406030204" pitchFamily="18" charset="0"/>
-                          </a:rPr>
-                          <m:t>𝑁</m:t>
-                        </m:r>
-                      </m:sup>
-                    </m:sSup>
-                    <m:r>
-                      <a:rPr lang="pt-BR" i="1" smtClean="0">
-                        <a:solidFill>
-                          <a:schemeClr val="bg1">
-                            <a:lumMod val="85000"/>
-                          </a:schemeClr>
-                        </a:solidFill>
-                        <a:latin typeface="Cambria Math" panose="02040503050406030204" pitchFamily="18" charset="0"/>
-                      </a:rPr>
-                      <m:t>=</m:t>
-                    </m:r>
-                    <m:r>
-                      <a:rPr lang="en-US" b="0" i="1" smtClean="0">
-                        <a:solidFill>
-                          <a:schemeClr val="bg1">
-                            <a:lumMod val="85000"/>
-                          </a:schemeClr>
-                        </a:solidFill>
-                        <a:latin typeface="Cambria Math" panose="02040503050406030204" pitchFamily="18" charset="0"/>
-                      </a:rPr>
-                      <m:t>𝑝</m:t>
-                    </m:r>
-                  </m:oMath>
-                </a14:m>
-                <a:endParaRPr lang="en-US" dirty="0" smtClean="0">
-                  <a:solidFill>
-                    <a:schemeClr val="bg1">
-                      <a:lumMod val="85000"/>
-                    </a:schemeClr>
-                  </a:solidFill>
-                </a:endParaRPr>
-              </a:p>
-              <a:p>
-                <a:pPr marL="0" indent="0">
-                  <a:buNone/>
-                </a:pPr>
-                <a:endParaRPr lang="en-US" dirty="0"/>
-              </a:p>
-              <a:p>
-                <a:pPr marL="0" indent="0">
-                  <a:buNone/>
-                </a:pPr>
-                <a:endParaRPr lang="en-US" dirty="0"/>
-              </a:p>
-              <a:p>
-                <a:endParaRPr lang="en-SG" dirty="0"/>
-              </a:p>
-            </p:txBody>
-          </p:sp>
-        </mc:Choice>
-        <mc:Fallback>
-          <p:sp>
-            <p:nvSpPr>
-              <p:cNvPr id="3" name="Content Placeholder 2"/>
-              <p:cNvSpPr>
-                <a:spLocks noGrp="1" noRot="1" noChangeAspect="1" noMove="1" noResize="1" noEditPoints="1" noAdjustHandles="1" noChangeArrowheads="1" noChangeShapeType="1" noTextEdit="1"/>
-              </p:cNvSpPr>
-              <p:nvPr>
-                <p:ph idx="1"/>
-              </p:nvPr>
-            </p:nvSpPr>
-            <p:spPr>
-              <a:blipFill>
-                <a:blip r:embed="rId2"/>
-                <a:stretch>
-                  <a:fillRect l="-1333" t="-1515"/>
-                </a:stretch>
-              </a:blipFill>
-            </p:spPr>
-            <p:txBody>
-              <a:bodyPr/>
-              <a:lstStyle/>
-              <a:p>
-                <a:r>
-                  <a:rPr lang="en-SG">
-                    <a:noFill/>
-                  </a:rPr>
-                  <a:t> </a:t>
-                </a:r>
-              </a:p>
-            </p:txBody>
-          </p:sp>
-        </mc:Fallback>
-      </mc:AlternateContent>
-      <p:sp>
-        <p:nvSpPr>
-          <p:cNvPr id="4" name="Text Placeholder 3"/>
-          <p:cNvSpPr>
-            <a:spLocks noGrp="1"/>
-          </p:cNvSpPr>
-          <p:nvPr>
-            <p:ph type="body" idx="10"/>
-          </p:nvPr>
-        </p:nvSpPr>
-        <p:spPr/>
-        <p:txBody>
-          <a:bodyPr/>
-          <a:lstStyle/>
-          <a:p>
-            <a:endParaRPr lang="en-SG"/>
-          </a:p>
-        </p:txBody>
-      </p:sp>
-    </p:spTree>
-    <p:extLst>
-      <p:ext uri="{BB962C8B-B14F-4D97-AF65-F5344CB8AC3E}">
-        <p14:creationId xmlns:p14="http://schemas.microsoft.com/office/powerpoint/2010/main" val="2146738468"/>
-      </p:ext>
-    </p:extLst>
-  </p:cSld>
-  <p:clrMapOvr>
-    <a:masterClrMapping/>
-  </p:clrMapOvr>
-</p:sld>
-</file>
-
-<file path=ppt/slides/slide22.xml><?xml version="1.0" encoding="utf-8"?>
-<p:sld xmlns:a="http://schemas.openxmlformats.org/drawingml/2006/main" xmlns:r="http://schemas.openxmlformats.org/officeDocument/2006/relationships" xmlns:p="http://schemas.openxmlformats.org/presentationml/2006/main">
-  <p:cSld>
-    <p:spTree>
-      <p:nvGrpSpPr>
-        <p:cNvPr id="1" name=""/>
-        <p:cNvGrpSpPr/>
-        <p:nvPr/>
-      </p:nvGrpSpPr>
-      <p:grpSpPr>
-        <a:xfrm>
-          <a:off x="0" y="0"/>
-          <a:ext cx="0" cy="0"/>
-          <a:chOff x="0" y="0"/>
-          <a:chExt cx="0" cy="0"/>
-        </a:xfrm>
-      </p:grpSpPr>
-      <p:sp>
-        <p:nvSpPr>
-          <p:cNvPr id="2" name="Title 1"/>
-          <p:cNvSpPr>
-            <a:spLocks noGrp="1"/>
-          </p:cNvSpPr>
-          <p:nvPr>
-            <p:ph type="title"/>
-          </p:nvPr>
-        </p:nvSpPr>
-        <p:spPr/>
-        <p:txBody>
-          <a:bodyPr/>
-          <a:lstStyle/>
-          <a:p>
-            <a:r>
-              <a:rPr lang="en-US" dirty="0" smtClean="0"/>
-              <a:t>Parameters</a:t>
-            </a:r>
-            <a:endParaRPr lang="en-SG" dirty="0"/>
-          </a:p>
-        </p:txBody>
-      </p:sp>
-      <mc:AlternateContent xmlns:mc="http://schemas.openxmlformats.org/markup-compatibility/2006">
-        <mc:Choice xmlns:a14="http://schemas.microsoft.com/office/drawing/2010/main" Requires="a14">
-          <p:sp>
-            <p:nvSpPr>
-              <p:cNvPr id="3" name="Content Placeholder 2"/>
-              <p:cNvSpPr>
-                <a:spLocks noGrp="1"/>
-              </p:cNvSpPr>
-              <p:nvPr>
-                <p:ph idx="1"/>
-              </p:nvPr>
-            </p:nvSpPr>
-            <p:spPr/>
-            <p:txBody>
-              <a:bodyPr/>
-              <a:lstStyle/>
-              <a:p>
-                <a:r>
-                  <a:rPr lang="en-US" dirty="0" smtClean="0"/>
-                  <a:t>N – the number of iterations required</a:t>
-                </a:r>
-              </a:p>
-              <a:p>
-                <a:endParaRPr lang="en-US" dirty="0"/>
-              </a:p>
-              <a:p>
-                <a:pPr marL="0" indent="0">
-                  <a:buNone/>
-                </a:pPr>
-                <a:r>
-                  <a:rPr lang="pt-BR" dirty="0" smtClean="0">
-                    <a:solidFill>
-                      <a:schemeClr val="bg1">
-                        <a:lumMod val="85000"/>
-                      </a:schemeClr>
-                    </a:solidFill>
-                  </a:rPr>
-                  <a:t>						</a:t>
-                </a:r>
-                <a14:m>
-                  <m:oMath xmlns:m="http://schemas.openxmlformats.org/officeDocument/2006/math">
-                    <m:sSup>
-                      <m:sSupPr>
-                        <m:ctrlPr>
-                          <a:rPr lang="pt-BR" i="1" smtClean="0">
-                            <a:solidFill>
-                              <a:schemeClr val="bg1">
-                                <a:lumMod val="85000"/>
-                              </a:schemeClr>
-                            </a:solidFill>
-                            <a:latin typeface="Cambria Math" panose="02040503050406030204" pitchFamily="18" charset="0"/>
-                          </a:rPr>
-                        </m:ctrlPr>
-                      </m:sSupPr>
-                      <m:e>
-                        <m:r>
-                          <m:rPr>
-                            <m:nor/>
-                          </m:rPr>
-                          <a:rPr lang="pt-BR" dirty="0">
-                            <a:solidFill>
-                              <a:schemeClr val="bg1">
-                                <a:lumMod val="85000"/>
-                              </a:schemeClr>
-                            </a:solidFill>
-                          </a:rPr>
-                          <m:t>1-</m:t>
-                        </m:r>
-                        <m:r>
-                          <m:rPr>
-                            <m:nor/>
-                          </m:rPr>
-                          <a:rPr lang="pt-BR" dirty="0" smtClean="0">
-                            <a:solidFill>
-                              <a:schemeClr val="tx1"/>
-                            </a:solidFill>
-                          </a:rPr>
-                          <m:t>(1-</m:t>
-                        </m:r>
-                        <m:sSup>
-                          <m:sSupPr>
-                            <m:ctrlPr>
-                              <a:rPr lang="pt-BR" i="1" smtClean="0">
-                                <a:solidFill>
-                                  <a:schemeClr val="tx1"/>
-                                </a:solidFill>
-                                <a:latin typeface="Cambria Math" panose="02040503050406030204" pitchFamily="18" charset="0"/>
-                              </a:rPr>
-                            </m:ctrlPr>
-                          </m:sSupPr>
-                          <m:e>
-                            <m:r>
-                              <a:rPr lang="en-US" i="1">
-                                <a:solidFill>
-                                  <a:schemeClr val="tx1"/>
-                                </a:solidFill>
-                                <a:latin typeface="Cambria Math" panose="02040503050406030204" pitchFamily="18" charset="0"/>
-                              </a:rPr>
-                              <m:t>(1−</m:t>
-                            </m:r>
-                            <m:r>
-                              <a:rPr lang="en-US" i="1">
-                                <a:solidFill>
-                                  <a:schemeClr val="tx1"/>
-                                </a:solidFill>
-                                <a:latin typeface="Cambria Math" panose="02040503050406030204" pitchFamily="18" charset="0"/>
-                              </a:rPr>
-                              <m:t>𝑒</m:t>
-                            </m:r>
-                            <m:r>
-                              <a:rPr lang="en-US" i="1">
-                                <a:solidFill>
-                                  <a:schemeClr val="tx1"/>
-                                </a:solidFill>
-                                <a:latin typeface="Cambria Math" panose="02040503050406030204" pitchFamily="18" charset="0"/>
-                              </a:rPr>
-                              <m:t>)</m:t>
-                            </m:r>
-                          </m:e>
-                          <m:sup>
-                            <m:r>
-                              <a:rPr lang="en-US" i="1">
-                                <a:solidFill>
-                                  <a:schemeClr val="tx1"/>
-                                </a:solidFill>
-                                <a:latin typeface="Cambria Math" panose="02040503050406030204" pitchFamily="18" charset="0"/>
-                              </a:rPr>
-                              <m:t>𝑠</m:t>
-                            </m:r>
-                          </m:sup>
-                        </m:sSup>
-                        <m:r>
-                          <a:rPr lang="en-US" i="1">
-                            <a:solidFill>
-                              <a:schemeClr val="tx1"/>
-                            </a:solidFill>
-                            <a:latin typeface="Cambria Math" panose="02040503050406030204" pitchFamily="18" charset="0"/>
-                          </a:rPr>
-                          <m:t>)</m:t>
-                        </m:r>
-                      </m:e>
-                      <m:sup>
-                        <m:r>
-                          <a:rPr lang="en-US" b="0" i="1" smtClean="0">
-                            <a:solidFill>
-                              <a:schemeClr val="tx1"/>
-                            </a:solidFill>
-                            <a:latin typeface="Cambria Math" panose="02040503050406030204" pitchFamily="18" charset="0"/>
-                          </a:rPr>
-                          <m:t>𝑁</m:t>
-                        </m:r>
-                      </m:sup>
-                    </m:sSup>
-                    <m:r>
-                      <a:rPr lang="pt-BR" i="1" smtClean="0">
-                        <a:solidFill>
-                          <a:schemeClr val="bg1">
-                            <a:lumMod val="85000"/>
-                          </a:schemeClr>
-                        </a:solidFill>
-                        <a:latin typeface="Cambria Math" panose="02040503050406030204" pitchFamily="18" charset="0"/>
-                      </a:rPr>
-                      <m:t>=</m:t>
-                    </m:r>
-                    <m:r>
-                      <a:rPr lang="en-US" b="0" i="1" smtClean="0">
-                        <a:solidFill>
-                          <a:schemeClr val="bg1">
-                            <a:lumMod val="85000"/>
-                          </a:schemeClr>
-                        </a:solidFill>
-                        <a:latin typeface="Cambria Math" panose="02040503050406030204" pitchFamily="18" charset="0"/>
-                      </a:rPr>
-                      <m:t>𝑝</m:t>
-                    </m:r>
-                  </m:oMath>
-                </a14:m>
-                <a:endParaRPr lang="en-US" dirty="0" smtClean="0">
-                  <a:solidFill>
-                    <a:schemeClr val="bg1">
-                      <a:lumMod val="85000"/>
-                    </a:schemeClr>
-                  </a:solidFill>
-                </a:endParaRPr>
-              </a:p>
-              <a:p>
-                <a:pPr marL="0" indent="0">
-                  <a:buNone/>
-                </a:pPr>
-                <a:endParaRPr lang="en-US" dirty="0"/>
-              </a:p>
-              <a:p>
-                <a:pPr marL="0" indent="0">
-                  <a:buNone/>
-                </a:pPr>
-                <a:endParaRPr lang="en-US" dirty="0"/>
-              </a:p>
-              <a:p>
-                <a:endParaRPr lang="en-SG" dirty="0"/>
-              </a:p>
-            </p:txBody>
-          </p:sp>
-        </mc:Choice>
-        <mc:Fallback>
-          <p:sp>
-            <p:nvSpPr>
-              <p:cNvPr id="3" name="Content Placeholder 2"/>
-              <p:cNvSpPr>
-                <a:spLocks noGrp="1" noRot="1" noChangeAspect="1" noMove="1" noResize="1" noEditPoints="1" noAdjustHandles="1" noChangeArrowheads="1" noChangeShapeType="1" noTextEdit="1"/>
-              </p:cNvSpPr>
-              <p:nvPr>
-                <p:ph idx="1"/>
-              </p:nvPr>
-            </p:nvSpPr>
-            <p:spPr>
-              <a:blipFill>
-                <a:blip r:embed="rId2"/>
-                <a:stretch>
-                  <a:fillRect l="-1333" t="-1515"/>
-                </a:stretch>
-              </a:blipFill>
-            </p:spPr>
-            <p:txBody>
-              <a:bodyPr/>
-              <a:lstStyle/>
-              <a:p>
-                <a:r>
-                  <a:rPr lang="en-SG">
-                    <a:noFill/>
-                  </a:rPr>
-                  <a:t> </a:t>
-                </a:r>
-              </a:p>
-            </p:txBody>
-          </p:sp>
-        </mc:Fallback>
-      </mc:AlternateContent>
-      <p:sp>
-        <p:nvSpPr>
-          <p:cNvPr id="4" name="Text Placeholder 3"/>
-          <p:cNvSpPr>
-            <a:spLocks noGrp="1"/>
-          </p:cNvSpPr>
-          <p:nvPr>
-            <p:ph type="body" idx="10"/>
-          </p:nvPr>
-        </p:nvSpPr>
-        <p:spPr/>
-        <p:txBody>
-          <a:bodyPr/>
-          <a:lstStyle/>
-          <a:p>
-            <a:endParaRPr lang="en-SG"/>
-          </a:p>
-        </p:txBody>
-      </p:sp>
-    </p:spTree>
-    <p:extLst>
-      <p:ext uri="{BB962C8B-B14F-4D97-AF65-F5344CB8AC3E}">
-        <p14:creationId xmlns:p14="http://schemas.microsoft.com/office/powerpoint/2010/main" val="1048281116"/>
-      </p:ext>
-    </p:extLst>
-  </p:cSld>
-  <p:clrMapOvr>
-    <a:masterClrMapping/>
-  </p:clrMapOvr>
-</p:sld>
-</file>
-
-<file path=ppt/slides/slide23.xml><?xml version="1.0" encoding="utf-8"?>
-<p:sld xmlns:a="http://schemas.openxmlformats.org/drawingml/2006/main" xmlns:r="http://schemas.openxmlformats.org/officeDocument/2006/relationships" xmlns:p="http://schemas.openxmlformats.org/presentationml/2006/main">
-  <p:cSld>
-    <p:spTree>
-      <p:nvGrpSpPr>
-        <p:cNvPr id="1" name=""/>
-        <p:cNvGrpSpPr/>
-        <p:nvPr/>
-      </p:nvGrpSpPr>
-      <p:grpSpPr>
-        <a:xfrm>
-          <a:off x="0" y="0"/>
-          <a:ext cx="0" cy="0"/>
-          <a:chOff x="0" y="0"/>
-          <a:chExt cx="0" cy="0"/>
-        </a:xfrm>
-      </p:grpSpPr>
-      <p:sp>
-        <p:nvSpPr>
-          <p:cNvPr id="2" name="Title 1"/>
-          <p:cNvSpPr>
-            <a:spLocks noGrp="1"/>
-          </p:cNvSpPr>
-          <p:nvPr>
-            <p:ph type="title"/>
-          </p:nvPr>
-        </p:nvSpPr>
-        <p:spPr/>
-        <p:txBody>
-          <a:bodyPr/>
-          <a:lstStyle/>
-          <a:p>
-            <a:r>
-              <a:rPr lang="en-US" dirty="0" smtClean="0"/>
-              <a:t>Parameters</a:t>
-            </a:r>
-            <a:endParaRPr lang="en-SG" dirty="0"/>
-          </a:p>
-        </p:txBody>
-      </p:sp>
-      <mc:AlternateContent xmlns:mc="http://schemas.openxmlformats.org/markup-compatibility/2006">
-        <mc:Choice xmlns:a14="http://schemas.microsoft.com/office/drawing/2010/main" Requires="a14">
-          <p:sp>
-            <p:nvSpPr>
-              <p:cNvPr id="3" name="Content Placeholder 2"/>
-              <p:cNvSpPr>
-                <a:spLocks noGrp="1"/>
-              </p:cNvSpPr>
-              <p:nvPr>
-                <p:ph idx="1"/>
-              </p:nvPr>
-            </p:nvSpPr>
-            <p:spPr/>
-            <p:txBody>
-              <a:bodyPr/>
-              <a:lstStyle/>
-              <a:p>
-                <a:r>
-                  <a:rPr lang="en-US" dirty="0" smtClean="0"/>
-                  <a:t>N – the number of iterations required</a:t>
-                </a:r>
-              </a:p>
-              <a:p>
-                <a:endParaRPr lang="en-US" dirty="0"/>
-              </a:p>
-              <a:p>
-                <a:pPr marL="0" indent="0">
-                  <a:buNone/>
-                </a:pPr>
-                <a:r>
-                  <a:rPr lang="pt-BR" dirty="0" smtClean="0">
-                    <a:solidFill>
-                      <a:schemeClr val="bg1">
-                        <a:lumMod val="85000"/>
-                      </a:schemeClr>
-                    </a:solidFill>
-                  </a:rPr>
-                  <a:t>						</a:t>
-                </a:r>
-                <a14:m>
-                  <m:oMath xmlns:m="http://schemas.openxmlformats.org/officeDocument/2006/math">
-                    <m:sSup>
-                      <m:sSupPr>
-                        <m:ctrlPr>
-                          <a:rPr lang="pt-BR" i="1" smtClean="0">
-                            <a:solidFill>
-                              <a:schemeClr val="tx1"/>
-                            </a:solidFill>
-                            <a:latin typeface="Cambria Math" panose="02040503050406030204" pitchFamily="18" charset="0"/>
-                          </a:rPr>
-                        </m:ctrlPr>
-                      </m:sSupPr>
-                      <m:e>
-                        <m:r>
-                          <m:rPr>
-                            <m:nor/>
-                          </m:rPr>
-                          <a:rPr lang="pt-BR" dirty="0">
-                            <a:solidFill>
-                              <a:schemeClr val="tx1"/>
-                            </a:solidFill>
-                          </a:rPr>
-                          <m:t>1-(1-</m:t>
-                        </m:r>
-                        <m:sSup>
-                          <m:sSupPr>
-                            <m:ctrlPr>
-                              <a:rPr lang="pt-BR" i="1" smtClean="0">
-                                <a:solidFill>
-                                  <a:schemeClr val="tx1"/>
-                                </a:solidFill>
-                                <a:latin typeface="Cambria Math" panose="02040503050406030204" pitchFamily="18" charset="0"/>
-                              </a:rPr>
-                            </m:ctrlPr>
-                          </m:sSupPr>
-                          <m:e>
-                            <m:r>
-                              <a:rPr lang="en-US" i="1">
-                                <a:solidFill>
-                                  <a:schemeClr val="tx1"/>
-                                </a:solidFill>
-                                <a:latin typeface="Cambria Math" panose="02040503050406030204" pitchFamily="18" charset="0"/>
-                              </a:rPr>
-                              <m:t>(1−</m:t>
-                            </m:r>
-                            <m:r>
-                              <a:rPr lang="en-US" i="1">
-                                <a:solidFill>
-                                  <a:schemeClr val="tx1"/>
-                                </a:solidFill>
-                                <a:latin typeface="Cambria Math" panose="02040503050406030204" pitchFamily="18" charset="0"/>
-                              </a:rPr>
-                              <m:t>𝑒</m:t>
-                            </m:r>
-                            <m:r>
-                              <a:rPr lang="en-US" i="1">
-                                <a:solidFill>
-                                  <a:schemeClr val="tx1"/>
-                                </a:solidFill>
-                                <a:latin typeface="Cambria Math" panose="02040503050406030204" pitchFamily="18" charset="0"/>
-                              </a:rPr>
-                              <m:t>)</m:t>
-                            </m:r>
-                          </m:e>
-                          <m:sup>
-                            <m:r>
-                              <a:rPr lang="en-US" i="1">
-                                <a:solidFill>
-                                  <a:schemeClr val="tx1"/>
-                                </a:solidFill>
-                                <a:latin typeface="Cambria Math" panose="02040503050406030204" pitchFamily="18" charset="0"/>
-                              </a:rPr>
-                              <m:t>𝑠</m:t>
-                            </m:r>
-                          </m:sup>
-                        </m:sSup>
-                        <m:r>
-                          <a:rPr lang="en-US" i="1">
-                            <a:solidFill>
-                              <a:schemeClr val="tx1"/>
-                            </a:solidFill>
-                            <a:latin typeface="Cambria Math" panose="02040503050406030204" pitchFamily="18" charset="0"/>
-                          </a:rPr>
-                          <m:t>)</m:t>
-                        </m:r>
-                      </m:e>
-                      <m:sup>
-                        <m:r>
-                          <a:rPr lang="en-US" b="0" i="1" smtClean="0">
-                            <a:solidFill>
-                              <a:schemeClr val="tx1"/>
-                            </a:solidFill>
-                            <a:latin typeface="Cambria Math" panose="02040503050406030204" pitchFamily="18" charset="0"/>
-                          </a:rPr>
-                          <m:t>𝑁</m:t>
-                        </m:r>
-                      </m:sup>
-                    </m:sSup>
-                    <m:r>
-                      <a:rPr lang="pt-BR" i="1" smtClean="0">
-                        <a:solidFill>
-                          <a:schemeClr val="tx1"/>
-                        </a:solidFill>
-                        <a:latin typeface="Cambria Math" panose="02040503050406030204" pitchFamily="18" charset="0"/>
-                      </a:rPr>
-                      <m:t>=</m:t>
-                    </m:r>
-                    <m:r>
-                      <a:rPr lang="en-US" b="0" i="1" smtClean="0">
-                        <a:solidFill>
-                          <a:schemeClr val="tx1"/>
-                        </a:solidFill>
-                        <a:latin typeface="Cambria Math" panose="02040503050406030204" pitchFamily="18" charset="0"/>
-                      </a:rPr>
-                      <m:t>𝑝</m:t>
-                    </m:r>
-                  </m:oMath>
-                </a14:m>
-                <a:endParaRPr lang="en-US" dirty="0" smtClean="0">
-                  <a:solidFill>
-                    <a:schemeClr val="tx1"/>
-                  </a:solidFill>
-                </a:endParaRPr>
-              </a:p>
-              <a:p>
-                <a:pPr marL="0" indent="0">
-                  <a:buNone/>
-                </a:pPr>
-                <a:endParaRPr lang="en-US" dirty="0">
-                  <a:solidFill>
-                    <a:schemeClr val="tx1"/>
-                  </a:solidFill>
-                </a:endParaRPr>
-              </a:p>
-              <a:p>
-                <a:pPr marL="0" indent="0">
-                  <a:buNone/>
-                </a:pPr>
-                <a:r>
-                  <a:rPr lang="en-US" dirty="0" smtClean="0">
-                    <a:solidFill>
-                      <a:schemeClr val="tx1"/>
-                    </a:solidFill>
-                  </a:rPr>
-                  <a:t>					N</a:t>
-                </a:r>
-                <a14:m>
-                  <m:oMath xmlns:m="http://schemas.openxmlformats.org/officeDocument/2006/math">
-                    <m:r>
-                      <a:rPr lang="en-US" i="1" smtClean="0">
-                        <a:solidFill>
-                          <a:schemeClr val="tx1"/>
-                        </a:solidFill>
-                        <a:latin typeface="Cambria Math" panose="02040503050406030204" pitchFamily="18" charset="0"/>
-                      </a:rPr>
-                      <m:t>=</m:t>
-                    </m:r>
-                    <m:f>
-                      <m:fPr>
-                        <m:ctrlPr>
-                          <a:rPr lang="en-US" i="1" smtClean="0">
-                            <a:solidFill>
-                              <a:schemeClr val="tx1"/>
-                            </a:solidFill>
-                            <a:latin typeface="Cambria Math" panose="02040503050406030204" pitchFamily="18" charset="0"/>
-                          </a:rPr>
-                        </m:ctrlPr>
-                      </m:fPr>
-                      <m:num>
-                        <m:r>
-                          <m:rPr>
-                            <m:sty m:val="p"/>
-                          </m:rPr>
-                          <a:rPr lang="en-US" b="0" i="0" smtClean="0">
-                            <a:solidFill>
-                              <a:schemeClr val="tx1"/>
-                            </a:solidFill>
-                            <a:latin typeface="Cambria Math" panose="02040503050406030204" pitchFamily="18" charset="0"/>
-                          </a:rPr>
-                          <m:t>log</m:t>
-                        </m:r>
-                        <m:r>
-                          <a:rPr lang="en-US" b="0" i="1" smtClean="0">
-                            <a:solidFill>
-                              <a:schemeClr val="tx1"/>
-                            </a:solidFill>
-                            <a:latin typeface="Cambria Math" panose="02040503050406030204" pitchFamily="18" charset="0"/>
-                          </a:rPr>
-                          <m:t>⁡(1−</m:t>
-                        </m:r>
-                        <m:r>
-                          <a:rPr lang="en-US" b="0" i="1" smtClean="0">
-                            <a:solidFill>
-                              <a:schemeClr val="tx1"/>
-                            </a:solidFill>
-                            <a:latin typeface="Cambria Math" panose="02040503050406030204" pitchFamily="18" charset="0"/>
-                          </a:rPr>
-                          <m:t>𝑝</m:t>
-                        </m:r>
-                        <m:r>
-                          <a:rPr lang="en-US" b="0" i="1" smtClean="0">
-                            <a:solidFill>
-                              <a:schemeClr val="tx1"/>
-                            </a:solidFill>
-                            <a:latin typeface="Cambria Math" panose="02040503050406030204" pitchFamily="18" charset="0"/>
-                          </a:rPr>
-                          <m:t>)</m:t>
-                        </m:r>
-                      </m:num>
-                      <m:den>
-                        <m:r>
-                          <m:rPr>
-                            <m:sty m:val="p"/>
-                          </m:rPr>
-                          <a:rPr lang="en-US" b="0" i="0" smtClean="0">
-                            <a:solidFill>
-                              <a:schemeClr val="tx1"/>
-                            </a:solidFill>
-                            <a:latin typeface="Cambria Math" panose="02040503050406030204" pitchFamily="18" charset="0"/>
-                          </a:rPr>
-                          <m:t>log</m:t>
-                        </m:r>
-                        <m:r>
-                          <a:rPr lang="en-US" b="0" i="1" smtClean="0">
-                            <a:solidFill>
-                              <a:schemeClr val="tx1"/>
-                            </a:solidFill>
-                            <a:latin typeface="Cambria Math" panose="02040503050406030204" pitchFamily="18" charset="0"/>
-                          </a:rPr>
-                          <m:t>⁡(1−</m:t>
-                        </m:r>
-                        <m:sSup>
-                          <m:sSupPr>
-                            <m:ctrlPr>
-                              <a:rPr lang="en-US" b="0" i="1" smtClean="0">
-                                <a:solidFill>
-                                  <a:schemeClr val="tx1"/>
-                                </a:solidFill>
-                                <a:latin typeface="Cambria Math" panose="02040503050406030204" pitchFamily="18" charset="0"/>
-                              </a:rPr>
-                            </m:ctrlPr>
-                          </m:sSupPr>
-                          <m:e>
-                            <m:d>
-                              <m:dPr>
-                                <m:ctrlPr>
-                                  <a:rPr lang="en-US" i="1">
-                                    <a:solidFill>
-                                      <a:schemeClr val="tx1"/>
-                                    </a:solidFill>
-                                    <a:latin typeface="Cambria Math" panose="02040503050406030204" pitchFamily="18" charset="0"/>
-                                  </a:rPr>
-                                </m:ctrlPr>
-                              </m:dPr>
-                              <m:e>
-                                <m:r>
-                                  <a:rPr lang="en-US" i="1">
-                                    <a:solidFill>
-                                      <a:schemeClr val="tx1"/>
-                                    </a:solidFill>
-                                    <a:latin typeface="Cambria Math" panose="02040503050406030204" pitchFamily="18" charset="0"/>
-                                  </a:rPr>
-                                  <m:t>1−</m:t>
-                                </m:r>
-                                <m:r>
-                                  <a:rPr lang="en-US" i="1">
-                                    <a:solidFill>
-                                      <a:schemeClr val="tx1"/>
-                                    </a:solidFill>
-                                    <a:latin typeface="Cambria Math" panose="02040503050406030204" pitchFamily="18" charset="0"/>
-                                  </a:rPr>
-                                  <m:t>𝑒</m:t>
-                                </m:r>
-                              </m:e>
-                            </m:d>
-                          </m:e>
-                          <m:sup>
-                            <m:r>
-                              <a:rPr lang="en-US" b="0" i="1" smtClean="0">
-                                <a:solidFill>
-                                  <a:schemeClr val="tx1"/>
-                                </a:solidFill>
-                                <a:latin typeface="Cambria Math" panose="02040503050406030204" pitchFamily="18" charset="0"/>
-                              </a:rPr>
-                              <m:t>𝑠</m:t>
-                            </m:r>
-                          </m:sup>
-                        </m:sSup>
-                        <m:r>
-                          <a:rPr lang="en-US" b="0" i="1" smtClean="0">
-                            <a:solidFill>
-                              <a:schemeClr val="tx1"/>
-                            </a:solidFill>
-                            <a:latin typeface="Cambria Math" panose="02040503050406030204" pitchFamily="18" charset="0"/>
-                          </a:rPr>
-                          <m:t>)</m:t>
-                        </m:r>
-                      </m:den>
-                    </m:f>
-                  </m:oMath>
-                </a14:m>
-                <a:endParaRPr lang="en-US" dirty="0" smtClean="0">
-                  <a:solidFill>
-                    <a:schemeClr val="tx1"/>
-                  </a:solidFill>
-                </a:endParaRPr>
-              </a:p>
-              <a:p>
-                <a:pPr marL="0" indent="0">
-                  <a:buNone/>
-                </a:pPr>
-                <a:endParaRPr lang="en-US" dirty="0"/>
-              </a:p>
-              <a:p>
-                <a:pPr marL="0" indent="0">
-                  <a:buNone/>
-                </a:pPr>
-                <a:endParaRPr lang="en-US" dirty="0"/>
-              </a:p>
-              <a:p>
-                <a:endParaRPr lang="en-SG" dirty="0"/>
-              </a:p>
-            </p:txBody>
-          </p:sp>
-        </mc:Choice>
-        <mc:Fallback>
-          <p:sp>
-            <p:nvSpPr>
-              <p:cNvPr id="3" name="Content Placeholder 2"/>
-              <p:cNvSpPr>
-                <a:spLocks noGrp="1" noRot="1" noChangeAspect="1" noMove="1" noResize="1" noEditPoints="1" noAdjustHandles="1" noChangeArrowheads="1" noChangeShapeType="1" noTextEdit="1"/>
-              </p:cNvSpPr>
-              <p:nvPr>
-                <p:ph idx="1"/>
-              </p:nvPr>
-            </p:nvSpPr>
-            <p:spPr>
-              <a:blipFill>
-                <a:blip r:embed="rId2"/>
-                <a:stretch>
-                  <a:fillRect l="-1333" t="-1515"/>
-                </a:stretch>
-              </a:blipFill>
-            </p:spPr>
-            <p:txBody>
-              <a:bodyPr/>
-              <a:lstStyle/>
-              <a:p>
-                <a:r>
-                  <a:rPr lang="en-SG">
-                    <a:noFill/>
-                  </a:rPr>
-                  <a:t> </a:t>
-                </a:r>
-              </a:p>
-            </p:txBody>
-          </p:sp>
-        </mc:Fallback>
-      </mc:AlternateContent>
-      <p:sp>
-        <p:nvSpPr>
-          <p:cNvPr id="4" name="Text Placeholder 3"/>
-          <p:cNvSpPr>
-            <a:spLocks noGrp="1"/>
-          </p:cNvSpPr>
-          <p:nvPr>
-            <p:ph type="body" idx="10"/>
-          </p:nvPr>
-        </p:nvSpPr>
-        <p:spPr/>
-        <p:txBody>
-          <a:bodyPr/>
-          <a:lstStyle/>
-          <a:p>
-            <a:endParaRPr lang="en-SG"/>
-          </a:p>
-        </p:txBody>
-      </p:sp>
-    </p:spTree>
-    <p:extLst>
-      <p:ext uri="{BB962C8B-B14F-4D97-AF65-F5344CB8AC3E}">
-        <p14:creationId xmlns:p14="http://schemas.microsoft.com/office/powerpoint/2010/main" val="3215637689"/>
-      </p:ext>
-    </p:extLst>
-  </p:cSld>
-  <p:clrMapOvr>
-    <a:masterClrMapping/>
-  </p:clrMapOvr>
-</p:sld>
-</file>
-
-<file path=ppt/slides/slide24.xml><?xml version="1.0" encoding="utf-8"?>
-<p:sld xmlns:a="http://schemas.openxmlformats.org/drawingml/2006/main" xmlns:r="http://schemas.openxmlformats.org/officeDocument/2006/relationships" xmlns:p="http://schemas.openxmlformats.org/presentationml/2006/main">
-  <p:cSld>
-    <p:spTree>
-      <p:nvGrpSpPr>
-        <p:cNvPr id="1" name=""/>
-        <p:cNvGrpSpPr/>
-        <p:nvPr/>
-      </p:nvGrpSpPr>
-      <p:grpSpPr>
-        <a:xfrm>
-          <a:off x="0" y="0"/>
-          <a:ext cx="0" cy="0"/>
-          <a:chOff x="0" y="0"/>
-          <a:chExt cx="0" cy="0"/>
-        </a:xfrm>
-      </p:grpSpPr>
-      <p:sp>
-        <p:nvSpPr>
-          <p:cNvPr id="2" name="Title 1"/>
-          <p:cNvSpPr>
-            <a:spLocks noGrp="1"/>
-          </p:cNvSpPr>
-          <p:nvPr>
-            <p:ph type="title"/>
-          </p:nvPr>
-        </p:nvSpPr>
-        <p:spPr/>
-        <p:txBody>
-          <a:bodyPr/>
-          <a:lstStyle/>
-          <a:p>
-            <a:r>
-              <a:rPr lang="en-US" dirty="0" smtClean="0"/>
-              <a:t>Pros and cons</a:t>
-            </a:r>
-            <a:endParaRPr lang="en-SG" dirty="0"/>
-          </a:p>
-        </p:txBody>
-      </p:sp>
-      <p:sp>
-        <p:nvSpPr>
-          <p:cNvPr id="3" name="Content Placeholder 2"/>
-          <p:cNvSpPr>
-            <a:spLocks noGrp="1"/>
-          </p:cNvSpPr>
-          <p:nvPr>
-            <p:ph idx="1"/>
-          </p:nvPr>
-        </p:nvSpPr>
-        <p:spPr>
-          <a:xfrm>
-            <a:off x="491160" y="1368748"/>
-            <a:ext cx="8229600" cy="4511789"/>
-          </a:xfrm>
-        </p:spPr>
-        <p:txBody>
-          <a:bodyPr/>
-          <a:lstStyle/>
-          <a:p>
-            <a:r>
-              <a:rPr lang="en-US" dirty="0" smtClean="0"/>
-              <a:t>Pros</a:t>
-            </a:r>
-          </a:p>
-          <a:p>
-            <a:pPr lvl="1">
-              <a:buFont typeface="Wingdings" panose="05000000000000000000" pitchFamily="2" charset="2"/>
-              <a:buChar char="Ø"/>
-            </a:pPr>
-            <a:r>
-              <a:rPr lang="en-US" dirty="0"/>
-              <a:t>Simple and general</a:t>
-            </a:r>
-          </a:p>
-          <a:p>
-            <a:pPr lvl="1">
-              <a:buFont typeface="Wingdings" panose="05000000000000000000" pitchFamily="2" charset="2"/>
-              <a:buChar char="Ø"/>
-            </a:pPr>
-            <a:r>
-              <a:rPr lang="en-US" dirty="0"/>
-              <a:t>Applicable to many different problems</a:t>
-            </a:r>
-          </a:p>
-          <a:p>
-            <a:pPr lvl="1">
-              <a:buFont typeface="Wingdings" panose="05000000000000000000" pitchFamily="2" charset="2"/>
-              <a:buChar char="Ø"/>
-            </a:pPr>
-            <a:r>
-              <a:rPr lang="en-US" dirty="0"/>
-              <a:t>Often works well in </a:t>
-            </a:r>
-            <a:r>
-              <a:rPr lang="en-US" dirty="0" smtClean="0"/>
-              <a:t>practice</a:t>
-            </a:r>
-          </a:p>
-          <a:p>
-            <a:r>
-              <a:rPr lang="en-US" dirty="0" smtClean="0"/>
-              <a:t>Cons</a:t>
-            </a:r>
-          </a:p>
-          <a:p>
-            <a:pPr lvl="1">
-              <a:buFont typeface="Wingdings" panose="05000000000000000000" pitchFamily="2" charset="2"/>
-              <a:buChar char="Ø"/>
-            </a:pPr>
-            <a:r>
-              <a:rPr lang="en-US" dirty="0" smtClean="0"/>
-              <a:t>Lots of parameters to tune</a:t>
-            </a:r>
-          </a:p>
-          <a:p>
-            <a:pPr lvl="1">
-              <a:buFont typeface="Wingdings" panose="05000000000000000000" pitchFamily="2" charset="2"/>
-              <a:buChar char="Ø"/>
-            </a:pPr>
-            <a:r>
-              <a:rPr lang="en-US" dirty="0" smtClean="0"/>
-              <a:t>Doesn’t work for low inlier ratios</a:t>
-            </a:r>
-          </a:p>
-          <a:p>
-            <a:pPr lvl="1">
-              <a:buFont typeface="Wingdings" panose="05000000000000000000" pitchFamily="2" charset="2"/>
-              <a:buChar char="Ø"/>
-            </a:pPr>
-            <a:endParaRPr lang="en-SG" dirty="0" smtClean="0"/>
-          </a:p>
-        </p:txBody>
-      </p:sp>
-      <p:sp>
-        <p:nvSpPr>
-          <p:cNvPr id="4" name="Text Placeholder 3"/>
-          <p:cNvSpPr>
-            <a:spLocks noGrp="1"/>
-          </p:cNvSpPr>
-          <p:nvPr>
-            <p:ph type="body" idx="10"/>
-          </p:nvPr>
-        </p:nvSpPr>
-        <p:spPr/>
-        <p:txBody>
-          <a:bodyPr/>
-          <a:lstStyle/>
-          <a:p>
-            <a:endParaRPr lang="en-SG"/>
-          </a:p>
-        </p:txBody>
-      </p:sp>
-    </p:spTree>
-    <p:extLst>
-      <p:ext uri="{BB962C8B-B14F-4D97-AF65-F5344CB8AC3E}">
-        <p14:creationId xmlns:p14="http://schemas.microsoft.com/office/powerpoint/2010/main" val="3728684757"/>
+        <p14:creationId xmlns:p14="http://schemas.microsoft.com/office/powerpoint/2010/main" val="1971509213"/>
       </p:ext>
     </p:extLst>
   </p:cSld>
@@ -23985,156 +24877,150 @@
       </p:grpSpPr>
       <p:sp>
         <p:nvSpPr>
-          <p:cNvPr id="61443" name="Content Placeholder 2"/>
+          <p:cNvPr id="2" name="Title 1"/>
           <p:cNvSpPr>
             <a:spLocks noGrp="1"/>
           </p:cNvSpPr>
           <p:nvPr>
+            <p:ph type="title"/>
+          </p:nvPr>
+        </p:nvSpPr>
+        <p:spPr/>
+        <p:txBody>
+          <a:bodyPr/>
+          <a:lstStyle/>
+          <a:p>
+            <a:r>
+              <a:rPr lang="en-US" dirty="0" smtClean="0"/>
+              <a:t>Pros and cons</a:t>
+            </a:r>
+            <a:endParaRPr lang="en-SG" dirty="0"/>
+          </a:p>
+        </p:txBody>
+      </p:sp>
+      <p:sp>
+        <p:nvSpPr>
+          <p:cNvPr id="3" name="Content Placeholder 2"/>
+          <p:cNvSpPr>
+            <a:spLocks noGrp="1"/>
+          </p:cNvSpPr>
+          <p:nvPr>
             <p:ph idx="1"/>
-          </p:nvPr>
-        </p:nvSpPr>
-        <p:spPr bwMode="auto">
-          <a:xfrm>
-            <a:off x="498475" y="963789"/>
-            <a:ext cx="8289031" cy="4767354"/>
-          </a:xfrm>
-          <a:noFill/>
-          <a:extLst>
-            <a:ext uri="{909E8E84-426E-40DD-AFC4-6F175D3DCCD1}">
-              <a14:hiddenFill xmlns:a14="http://schemas.microsoft.com/office/drawing/2010/main">
-                <a:solidFill>
-                  <a:srgbClr val="FFFFFF"/>
-                </a:solidFill>
-              </a14:hiddenFill>
-            </a:ext>
-            <a:ext uri="{91240B29-F687-4F45-9708-019B960494DF}">
-              <a14:hiddenLine xmlns:a14="http://schemas.microsoft.com/office/drawing/2010/main" w="9525">
-                <a:solidFill>
-                  <a:srgbClr val="000000"/>
-                </a:solidFill>
-                <a:miter lim="800000"/>
-                <a:headEnd/>
-                <a:tailEnd/>
-              </a14:hiddenLine>
-            </a:ext>
-          </a:extLst>
-        </p:spPr>
-        <p:txBody>
-          <a:bodyPr vert="horz" wrap="square" lIns="91440" tIns="45720" rIns="91440" bIns="45720" numCol="1" anchor="t" anchorCtr="0" compatLnSpc="1"/>
-          <a:lstStyle/>
-          <a:p>
-            <a:pPr>
-              <a:spcBef>
-                <a:spcPts val="0"/>
-              </a:spcBef>
-              <a:spcAft>
-                <a:spcPts val="600"/>
-              </a:spcAft>
-            </a:pPr>
-            <a:endParaRPr lang="en-US" altLang="en-US" sz="2200" dirty="0">
-              <a:solidFill>
-                <a:schemeClr val="tx1"/>
-              </a:solidFill>
-              <a:latin typeface="+mj-lt"/>
-              <a:cs typeface="Frutiger LT 55 Roman" pitchFamily="34" charset="0"/>
-            </a:endParaRPr>
-          </a:p>
-          <a:p>
-            <a:pPr marL="0" indent="0" algn="ctr">
-              <a:buNone/>
-            </a:pPr>
-            <a:endParaRPr lang="en-US" altLang="en-US" sz="3200" b="1" dirty="0">
-              <a:solidFill>
-                <a:schemeClr val="tx1"/>
-              </a:solidFill>
-              <a:latin typeface="+mj-lt"/>
-              <a:cs typeface="Frutiger LT 55 Roman" pitchFamily="34" charset="0"/>
-            </a:endParaRPr>
-          </a:p>
-          <a:p>
-            <a:pPr marL="0" indent="0" algn="ctr">
-              <a:buNone/>
-            </a:pPr>
-            <a:endParaRPr lang="en-US" altLang="en-US" sz="3200" b="1" dirty="0">
-              <a:solidFill>
-                <a:schemeClr val="tx1"/>
-              </a:solidFill>
-              <a:latin typeface="+mj-lt"/>
-              <a:cs typeface="Frutiger LT 55 Roman" pitchFamily="34" charset="0"/>
-            </a:endParaRPr>
-          </a:p>
-          <a:p>
-            <a:pPr marL="0" indent="0" algn="ctr">
-              <a:buNone/>
-            </a:pPr>
-            <a:r>
-              <a:rPr lang="en-US" altLang="en-US" sz="4000" b="1" dirty="0">
-                <a:solidFill>
-                  <a:schemeClr val="tx1"/>
-                </a:solidFill>
-                <a:latin typeface="+mj-lt"/>
-                <a:cs typeface="Frutiger LT 55 Roman" pitchFamily="34" charset="0"/>
-              </a:rPr>
-              <a:t>ALGORITHM</a:t>
-            </a:r>
-          </a:p>
-          <a:p>
-            <a:endParaRPr lang="en-US" altLang="en-US" sz="1800" dirty="0">
-              <a:solidFill>
-                <a:schemeClr val="tx1"/>
-              </a:solidFill>
-              <a:latin typeface="+mj-lt"/>
-              <a:cs typeface="Frutiger LT 55 Roman" pitchFamily="34" charset="0"/>
-            </a:endParaRPr>
-          </a:p>
-        </p:txBody>
-      </p:sp>
-      <p:sp>
-        <p:nvSpPr>
-          <p:cNvPr id="4" name="Text Placeholder 3"/>
-          <p:cNvSpPr>
-            <a:spLocks noGrp="1"/>
-          </p:cNvSpPr>
-          <p:nvPr>
-            <p:ph type="body" idx="10"/>
           </p:nvPr>
         </p:nvSpPr>
         <p:spPr>
           <a:xfrm>
-            <a:off x="498475" y="6140450"/>
-            <a:ext cx="7772400" cy="392113"/>
+            <a:off x="491160" y="1368748"/>
+            <a:ext cx="8229600" cy="4511789"/>
           </a:xfrm>
         </p:spPr>
         <p:txBody>
           <a:bodyPr/>
           <a:lstStyle/>
           <a:p>
-            <a:pPr>
-              <a:defRPr/>
+            <a:r>
+              <a:rPr lang="en-US" dirty="0" smtClean="0"/>
+              <a:t>Pros</a:t>
+            </a:r>
+          </a:p>
+          <a:p>
+            <a:pPr lvl="1">
+              <a:buFont typeface="Wingdings" panose="05000000000000000000" pitchFamily="2" charset="2"/>
+              <a:buChar char="Ø"/>
             </a:pPr>
-            <a:endParaRPr lang="en-US" b="1" dirty="0">
-              <a:ea typeface="MS PGothic" charset="0"/>
-            </a:endParaRPr>
+            <a:r>
+              <a:rPr lang="en-US" dirty="0"/>
+              <a:t>Simple and general</a:t>
+            </a:r>
+          </a:p>
+          <a:p>
+            <a:pPr lvl="1">
+              <a:buFont typeface="Wingdings" panose="05000000000000000000" pitchFamily="2" charset="2"/>
+              <a:buChar char="Ø"/>
+            </a:pPr>
+            <a:r>
+              <a:rPr lang="en-US" dirty="0"/>
+              <a:t>Applicable to many different problems</a:t>
+            </a:r>
+          </a:p>
+          <a:p>
+            <a:pPr lvl="1">
+              <a:buFont typeface="Wingdings" panose="05000000000000000000" pitchFamily="2" charset="2"/>
+              <a:buChar char="Ø"/>
+            </a:pPr>
+            <a:r>
+              <a:rPr lang="en-US" dirty="0"/>
+              <a:t>Often works well in </a:t>
+            </a:r>
+            <a:r>
+              <a:rPr lang="en-US" dirty="0" smtClean="0"/>
+              <a:t>practice</a:t>
+            </a:r>
+          </a:p>
+          <a:p>
+            <a:r>
+              <a:rPr lang="en-US" dirty="0" smtClean="0"/>
+              <a:t>Cons</a:t>
+            </a:r>
+          </a:p>
+          <a:p>
+            <a:pPr lvl="1">
+              <a:buFont typeface="Wingdings" panose="05000000000000000000" pitchFamily="2" charset="2"/>
+              <a:buChar char="Ø"/>
+            </a:pPr>
+            <a:r>
+              <a:rPr lang="en-US" dirty="0" smtClean="0"/>
+              <a:t>Lots of parameters to tune</a:t>
+            </a:r>
+          </a:p>
+          <a:p>
+            <a:pPr lvl="1">
+              <a:buFont typeface="Wingdings" panose="05000000000000000000" pitchFamily="2" charset="2"/>
+              <a:buChar char="Ø"/>
+            </a:pPr>
+            <a:r>
+              <a:rPr lang="en-US" dirty="0" smtClean="0"/>
+              <a:t>Doesn’t work for low inlier ratios</a:t>
+            </a:r>
+          </a:p>
+          <a:p>
+            <a:pPr lvl="1">
+              <a:buFont typeface="Wingdings" panose="05000000000000000000" pitchFamily="2" charset="2"/>
+              <a:buChar char="Ø"/>
+            </a:pPr>
+            <a:endParaRPr lang="en-SG" dirty="0" smtClean="0"/>
+          </a:p>
+        </p:txBody>
+      </p:sp>
+      <p:sp>
+        <p:nvSpPr>
+          <p:cNvPr id="4" name="Text Placeholder 3"/>
+          <p:cNvSpPr>
+            <a:spLocks noGrp="1"/>
+          </p:cNvSpPr>
+          <p:nvPr>
+            <p:ph type="body" idx="10"/>
+          </p:nvPr>
+        </p:nvSpPr>
+        <p:spPr/>
+        <p:txBody>
+          <a:bodyPr/>
+          <a:lstStyle/>
+          <a:p>
+            <a:endParaRPr lang="en-SG"/>
           </a:p>
         </p:txBody>
       </p:sp>
     </p:spTree>
     <p:extLst>
       <p:ext uri="{BB962C8B-B14F-4D97-AF65-F5344CB8AC3E}">
-        <p14:creationId xmlns:p14="http://schemas.microsoft.com/office/powerpoint/2010/main" val="1461143284"/>
+        <p14:creationId xmlns:p14="http://schemas.microsoft.com/office/powerpoint/2010/main" val="3728684757"/>
       </p:ext>
     </p:extLst>
   </p:cSld>
   <p:clrMapOvr>
     <a:masterClrMapping/>
   </p:clrMapOvr>
-  <p:timing>
-    <p:tnLst>
-      <p:par>
-        <p:cTn id="1" dur="indefinite" restart="never" nodeType="tmRoot"/>
-      </p:par>
-    </p:tnLst>
-  </p:timing>
 </p:sld>
 </file>
 
@@ -24157,43 +25043,6 @@
       </p:grpSpPr>
       <p:sp>
         <p:nvSpPr>
-          <p:cNvPr id="2" name="Title 1"/>
-          <p:cNvSpPr>
-            <a:spLocks noGrp="1"/>
-          </p:cNvSpPr>
-          <p:nvPr>
-            <p:ph type="title"/>
-          </p:nvPr>
-        </p:nvSpPr>
-        <p:spPr>
-          <a:xfrm>
-            <a:off x="498475" y="346167"/>
-            <a:ext cx="6969125" cy="674225"/>
-          </a:xfrm>
-        </p:spPr>
-        <p:txBody>
-          <a:bodyPr/>
-          <a:lstStyle/>
-          <a:p>
-            <a:pPr>
-              <a:defRPr/>
-            </a:pPr>
-            <a:r>
-              <a:rPr lang="en-US" sz="2800" b="1" dirty="0">
-                <a:solidFill>
-                  <a:schemeClr val="tx1"/>
-                </a:solidFill>
-                <a:latin typeface="Arial" panose="020B0604020202020204" pitchFamily="34" charset="0"/>
-                <a:ea typeface="MS PGothic" charset="0"/>
-                <a:cs typeface="Arial" panose="020B0604020202020204" pitchFamily="34" charset="0"/>
-              </a:rPr>
-              <a:t>ALGORITHM 1</a:t>
-            </a:r>
-          </a:p>
-        </p:txBody>
-      </p:sp>
-      <p:sp>
-        <p:nvSpPr>
           <p:cNvPr id="61443" name="Content Placeholder 2"/>
           <p:cNvSpPr>
             <a:spLocks noGrp="1"/>
@@ -24204,7 +25053,7 @@
         </p:nvSpPr>
         <p:spPr bwMode="auto">
           <a:xfrm>
-            <a:off x="498475" y="1137960"/>
+            <a:off x="498475" y="963789"/>
             <a:ext cx="8289031" cy="4767354"/>
           </a:xfrm>
           <a:noFill/>
@@ -24232,6 +25081,62 @@
           <a:bodyPr vert="horz" wrap="square" lIns="91440" tIns="45720" rIns="91440" bIns="45720" numCol="1" anchor="t" anchorCtr="0" compatLnSpc="1"/>
           <a:lstStyle/>
           <a:p>
+            <a:pPr>
+              <a:spcBef>
+                <a:spcPts val="0"/>
+              </a:spcBef>
+              <a:spcAft>
+                <a:spcPts val="600"/>
+              </a:spcAft>
+            </a:pPr>
+            <a:endParaRPr lang="en-US" altLang="en-US" sz="2200" dirty="0">
+              <a:solidFill>
+                <a:schemeClr val="tx1"/>
+              </a:solidFill>
+              <a:latin typeface="+mj-lt"/>
+              <a:cs typeface="Frutiger LT 55 Roman" pitchFamily="34" charset="0"/>
+            </a:endParaRPr>
+          </a:p>
+          <a:p>
+            <a:pPr marL="0" indent="0" algn="ctr">
+              <a:buNone/>
+            </a:pPr>
+            <a:endParaRPr lang="en-US" altLang="en-US" sz="3200" b="1" dirty="0">
+              <a:solidFill>
+                <a:schemeClr val="tx1"/>
+              </a:solidFill>
+              <a:latin typeface="+mj-lt"/>
+              <a:cs typeface="Frutiger LT 55 Roman" pitchFamily="34" charset="0"/>
+            </a:endParaRPr>
+          </a:p>
+          <a:p>
+            <a:pPr marL="0" indent="0" algn="ctr">
+              <a:buNone/>
+            </a:pPr>
+            <a:endParaRPr lang="en-US" altLang="en-US" sz="3200" b="1" dirty="0">
+              <a:solidFill>
+                <a:schemeClr val="tx1"/>
+              </a:solidFill>
+              <a:latin typeface="+mj-lt"/>
+              <a:cs typeface="Frutiger LT 55 Roman" pitchFamily="34" charset="0"/>
+            </a:endParaRPr>
+          </a:p>
+          <a:p>
+            <a:pPr marL="0" indent="0" algn="ctr">
+              <a:buNone/>
+            </a:pPr>
+            <a:r>
+              <a:rPr lang="en-US" altLang="en-US" sz="4000" b="1" dirty="0">
+                <a:solidFill>
+                  <a:schemeClr val="tx1"/>
+                </a:solidFill>
+                <a:latin typeface="+mj-lt"/>
+                <a:cs typeface="Frutiger LT 55 Roman" pitchFamily="34" charset="0"/>
+              </a:rPr>
+              <a:t>ALGORITHM</a:t>
+            </a:r>
+          </a:p>
+          <a:p>
             <a:endParaRPr lang="en-US" altLang="en-US" sz="1800" dirty="0">
               <a:solidFill>
                 <a:schemeClr val="tx1"/>
@@ -24240,333 +25145,41 @@
               <a:cs typeface="Frutiger LT 55 Roman" pitchFamily="34" charset="0"/>
             </a:endParaRPr>
           </a:p>
-          <a:p>
-            <a:endParaRPr lang="en-US" altLang="en-US" sz="1800" dirty="0">
-              <a:solidFill>
-                <a:schemeClr val="tx1"/>
-              </a:solidFill>
-              <a:latin typeface="+mj-lt"/>
-              <a:cs typeface="Frutiger LT 55 Roman" pitchFamily="34" charset="0"/>
-            </a:endParaRPr>
-          </a:p>
-        </p:txBody>
-      </p:sp>
-      <p:sp>
-        <p:nvSpPr>
-          <p:cNvPr id="5" name="Content Placeholder 2"/>
-          <p:cNvSpPr txBox="1"/>
-          <p:nvPr/>
-        </p:nvSpPr>
-        <p:spPr bwMode="auto">
+        </p:txBody>
+      </p:sp>
+      <p:sp>
+        <p:nvSpPr>
+          <p:cNvPr id="4" name="Text Placeholder 3"/>
+          <p:cNvSpPr>
+            <a:spLocks noGrp="1"/>
+          </p:cNvSpPr>
+          <p:nvPr>
+            <p:ph type="body" idx="10"/>
+          </p:nvPr>
+        </p:nvSpPr>
+        <p:spPr>
           <a:xfrm>
-            <a:off x="498475" y="952687"/>
-            <a:ext cx="8289031" cy="5045342"/>
+            <a:off x="498475" y="6140450"/>
+            <a:ext cx="7772400" cy="392113"/>
           </a:xfrm>
-          <a:prstGeom prst="rect">
-            <a:avLst/>
-          </a:prstGeom>
-          <a:noFill/>
-          <a:extLst>
-            <a:ext uri="{909E8E84-426E-40DD-AFC4-6F175D3DCCD1}">
-              <a14:hiddenFill xmlns:a14="http://schemas.microsoft.com/office/drawing/2010/main">
-                <a:solidFill>
-                  <a:srgbClr val="FFFFFF"/>
-                </a:solidFill>
-              </a14:hiddenFill>
-            </a:ext>
-            <a:ext uri="{91240B29-F687-4F45-9708-019B960494DF}">
-              <a14:hiddenLine xmlns:a14="http://schemas.microsoft.com/office/drawing/2010/main" w="9525">
-                <a:solidFill>
-                  <a:srgbClr val="000000"/>
-                </a:solidFill>
-                <a:miter lim="800000"/>
-                <a:headEnd/>
-                <a:tailEnd/>
-              </a14:hiddenLine>
-            </a:ext>
-          </a:extLst>
         </p:spPr>
-        <p:txBody>
-          <a:bodyPr vert="horz" wrap="square" lIns="91440" tIns="45720" rIns="91440" bIns="45720" numCol="1" anchor="t" anchorCtr="0" compatLnSpc="1"/>
-          <a:lstStyle>
-            <a:lvl1pPr marL="342900" indent="-342900" algn="l" defTabSz="457200" rtl="0" eaLnBrk="0" fontAlgn="base" hangingPunct="0">
-              <a:spcBef>
-                <a:spcPct val="20000"/>
-              </a:spcBef>
-              <a:spcAft>
-                <a:spcPct val="0"/>
-              </a:spcAft>
-              <a:buFont typeface="Arial" panose="020B0604020202020204" pitchFamily="34" charset="0"/>
-              <a:buChar char="•"/>
-              <a:defRPr sz="2800" b="0" i="0" kern="1200" cap="none">
-                <a:solidFill>
-                  <a:srgbClr val="404040"/>
-                </a:solidFill>
-                <a:latin typeface="Frutiger LT 55 Roman"/>
-                <a:ea typeface="MS PGothic" panose="020B0600070205080204" pitchFamily="34" charset="-128"/>
-                <a:cs typeface="Frutiger LT 55 Roman"/>
-              </a:defRPr>
-            </a:lvl1pPr>
-            <a:lvl2pPr marL="742950" indent="-285750" algn="l" defTabSz="457200" rtl="0" eaLnBrk="0" fontAlgn="base" hangingPunct="0">
-              <a:spcBef>
-                <a:spcPct val="20000"/>
-              </a:spcBef>
-              <a:spcAft>
-                <a:spcPct val="0"/>
-              </a:spcAft>
-              <a:buFont typeface="Arial" panose="020B0604020202020204" pitchFamily="34" charset="0"/>
-              <a:buChar char="–"/>
-              <a:defRPr sz="2800" b="0" i="0" kern="1200">
-                <a:solidFill>
-                  <a:srgbClr val="404040"/>
-                </a:solidFill>
-                <a:latin typeface="Frutiger LT 55 Roman"/>
-                <a:ea typeface="MS PGothic" panose="020B0600070205080204" pitchFamily="34" charset="-128"/>
-                <a:cs typeface="Frutiger LT 55 Roman"/>
-              </a:defRPr>
-            </a:lvl2pPr>
-            <a:lvl3pPr marL="1143000" indent="-228600" algn="l" defTabSz="457200" rtl="0" eaLnBrk="0" fontAlgn="base" hangingPunct="0">
-              <a:spcBef>
-                <a:spcPct val="20000"/>
-              </a:spcBef>
-              <a:spcAft>
-                <a:spcPct val="0"/>
-              </a:spcAft>
-              <a:buFont typeface="Arial" panose="020B0604020202020204" pitchFamily="34" charset="0"/>
-              <a:buChar char="•"/>
-              <a:defRPr sz="2400" b="0" i="0" kern="1200">
-                <a:solidFill>
-                  <a:srgbClr val="404040"/>
-                </a:solidFill>
-                <a:latin typeface="Frutiger LT 55 Roman"/>
-                <a:ea typeface="MS PGothic" panose="020B0600070205080204" pitchFamily="34" charset="-128"/>
-                <a:cs typeface="Frutiger LT 55 Roman"/>
-              </a:defRPr>
-            </a:lvl3pPr>
-            <a:lvl4pPr marL="1600200" indent="-228600" algn="l" defTabSz="457200" rtl="0" eaLnBrk="0" fontAlgn="base" hangingPunct="0">
-              <a:spcBef>
-                <a:spcPct val="20000"/>
-              </a:spcBef>
-              <a:spcAft>
-                <a:spcPct val="0"/>
-              </a:spcAft>
-              <a:buFont typeface="Arial" panose="020B0604020202020204" pitchFamily="34" charset="0"/>
-              <a:buChar char="–"/>
-              <a:defRPr sz="2000" b="0" i="0" kern="1200">
-                <a:solidFill>
-                  <a:srgbClr val="FFFFFF"/>
-                </a:solidFill>
-                <a:latin typeface="Frutiger LT 55 Roman"/>
-                <a:ea typeface="MS PGothic" panose="020B0600070205080204" pitchFamily="34" charset="-128"/>
-                <a:cs typeface="Frutiger LT 55 Roman"/>
-              </a:defRPr>
-            </a:lvl4pPr>
-            <a:lvl5pPr marL="2057400" indent="-228600" algn="l" defTabSz="457200" rtl="0" eaLnBrk="0" fontAlgn="base" hangingPunct="0">
-              <a:spcBef>
-                <a:spcPct val="20000"/>
-              </a:spcBef>
-              <a:spcAft>
-                <a:spcPct val="0"/>
-              </a:spcAft>
-              <a:buFont typeface="Arial" panose="020B0604020202020204" pitchFamily="34" charset="0"/>
-              <a:buChar char="»"/>
-              <a:defRPr sz="2000" b="0" i="0" kern="1200">
-                <a:solidFill>
-                  <a:srgbClr val="FFFFFF"/>
-                </a:solidFill>
-                <a:latin typeface="Frutiger LT 55 Roman"/>
-                <a:ea typeface="MS PGothic" panose="020B0600070205080204" pitchFamily="34" charset="-128"/>
-                <a:cs typeface="Frutiger LT 55 Roman"/>
-              </a:defRPr>
-            </a:lvl5pPr>
-            <a:lvl6pPr marL="2514600" indent="-228600" algn="l" defTabSz="457200" rtl="0" eaLnBrk="1" latinLnBrk="0" hangingPunct="1">
-              <a:spcBef>
-                <a:spcPct val="20000"/>
-              </a:spcBef>
-              <a:buFont typeface="Arial" panose="020B0604020202020204"/>
-              <a:buChar char="•"/>
-              <a:defRPr sz="2000" kern="1200">
-                <a:solidFill>
-                  <a:schemeClr val="tx1"/>
-                </a:solidFill>
-                <a:latin typeface="+mn-lt"/>
-                <a:ea typeface="+mn-ea"/>
-                <a:cs typeface="+mn-cs"/>
-              </a:defRPr>
-            </a:lvl6pPr>
-            <a:lvl7pPr marL="2971800" indent="-228600" algn="l" defTabSz="457200" rtl="0" eaLnBrk="1" latinLnBrk="0" hangingPunct="1">
-              <a:spcBef>
-                <a:spcPct val="20000"/>
-              </a:spcBef>
-              <a:buFont typeface="Arial" panose="020B0604020202020204"/>
-              <a:buChar char="•"/>
-              <a:defRPr sz="2000" kern="1200">
-                <a:solidFill>
-                  <a:schemeClr val="tx1"/>
-                </a:solidFill>
-                <a:latin typeface="+mn-lt"/>
-                <a:ea typeface="+mn-ea"/>
-                <a:cs typeface="+mn-cs"/>
-              </a:defRPr>
-            </a:lvl7pPr>
-            <a:lvl8pPr marL="3429000" indent="-228600" algn="l" defTabSz="457200" rtl="0" eaLnBrk="1" latinLnBrk="0" hangingPunct="1">
-              <a:spcBef>
-                <a:spcPct val="20000"/>
-              </a:spcBef>
-              <a:buFont typeface="Arial" panose="020B0604020202020204"/>
-              <a:buChar char="•"/>
-              <a:defRPr sz="2000" kern="1200">
-                <a:solidFill>
-                  <a:schemeClr val="tx1"/>
-                </a:solidFill>
-                <a:latin typeface="+mn-lt"/>
-                <a:ea typeface="+mn-ea"/>
-                <a:cs typeface="+mn-cs"/>
-              </a:defRPr>
-            </a:lvl8pPr>
-            <a:lvl9pPr marL="3886200" indent="-228600" algn="l" defTabSz="457200" rtl="0" eaLnBrk="1" latinLnBrk="0" hangingPunct="1">
-              <a:spcBef>
-                <a:spcPct val="20000"/>
-              </a:spcBef>
-              <a:buFont typeface="Arial" panose="020B0604020202020204"/>
-              <a:buChar char="•"/>
-              <a:defRPr sz="2000" kern="1200">
-                <a:solidFill>
-                  <a:schemeClr val="tx1"/>
-                </a:solidFill>
-                <a:latin typeface="+mn-lt"/>
-                <a:ea typeface="+mn-ea"/>
-                <a:cs typeface="+mn-cs"/>
-              </a:defRPr>
-            </a:lvl9pPr>
-          </a:lstStyle>
-          <a:p>
-            <a:r>
-              <a:rPr lang="en-CA" sz="1800" dirty="0">
-                <a:solidFill>
-                  <a:schemeClr val="tx1"/>
-                </a:solidFill>
-                <a:latin typeface="+mn-lt"/>
-                <a:cs typeface="Arial" panose="020B0604020202020204" pitchFamily="34" charset="0"/>
-              </a:rPr>
-              <a:t>Point 1</a:t>
-            </a:r>
-          </a:p>
-          <a:p>
-            <a:r>
-              <a:rPr lang="en-CA" sz="1800" dirty="0">
-                <a:solidFill>
-                  <a:schemeClr val="tx1"/>
-                </a:solidFill>
-                <a:latin typeface="+mn-lt"/>
-                <a:cs typeface="Arial" panose="020B0604020202020204" pitchFamily="34" charset="0"/>
-              </a:rPr>
-              <a:t>Point 2</a:t>
-            </a:r>
-          </a:p>
-          <a:p>
-            <a:r>
-              <a:rPr lang="en-CA" sz="1800" dirty="0">
-                <a:solidFill>
-                  <a:schemeClr val="tx1"/>
-                </a:solidFill>
-                <a:latin typeface="+mn-lt"/>
-                <a:cs typeface="Arial" panose="020B0604020202020204" pitchFamily="34" charset="0"/>
-              </a:rPr>
-              <a:t>Point 3</a:t>
-            </a:r>
-            <a:endParaRPr lang="en-US" sz="1400" dirty="0">
-              <a:solidFill>
-                <a:schemeClr val="tx1"/>
-              </a:solidFill>
-              <a:latin typeface="+mn-lt"/>
-              <a:cs typeface="Arial" panose="020B0604020202020204" pitchFamily="34" charset="0"/>
-            </a:endParaRPr>
-          </a:p>
-          <a:p>
-            <a:pPr lvl="1"/>
-            <a:endParaRPr lang="en-US" sz="1800" dirty="0">
-              <a:solidFill>
-                <a:schemeClr val="tx1"/>
-              </a:solidFill>
-              <a:latin typeface="+mn-lt"/>
-              <a:cs typeface="Arial" panose="020B0604020202020204" pitchFamily="34" charset="0"/>
-            </a:endParaRPr>
-          </a:p>
-          <a:p>
-            <a:pPr lvl="1"/>
-            <a:endParaRPr lang="en-US" sz="1800" dirty="0">
-              <a:solidFill>
-                <a:schemeClr val="tx1"/>
-              </a:solidFill>
-              <a:latin typeface="+mn-lt"/>
-              <a:cs typeface="Arial" panose="020B0604020202020204" pitchFamily="34" charset="0"/>
-            </a:endParaRPr>
-          </a:p>
-          <a:p>
-            <a:pPr lvl="1"/>
-            <a:endParaRPr lang="en-US" sz="1800" dirty="0">
-              <a:solidFill>
-                <a:schemeClr val="tx1"/>
-              </a:solidFill>
-              <a:latin typeface="+mn-lt"/>
-              <a:cs typeface="Arial" panose="020B0604020202020204" pitchFamily="34" charset="0"/>
-            </a:endParaRPr>
-          </a:p>
-          <a:p>
-            <a:pPr lvl="1"/>
-            <a:endParaRPr lang="en-US" sz="1800" dirty="0">
-              <a:solidFill>
-                <a:schemeClr val="tx1"/>
-              </a:solidFill>
-              <a:latin typeface="+mn-lt"/>
-              <a:cs typeface="Arial" panose="020B0604020202020204" pitchFamily="34" charset="0"/>
-            </a:endParaRPr>
-          </a:p>
-          <a:p>
-            <a:pPr lvl="1"/>
-            <a:endParaRPr lang="en-US" altLang="en-US" sz="1800" dirty="0">
-              <a:solidFill>
-                <a:schemeClr val="tx1"/>
-              </a:solidFill>
-              <a:latin typeface="+mn-lt"/>
-              <a:cs typeface="Frutiger LT 55 Roman" pitchFamily="34" charset="0"/>
-            </a:endParaRPr>
-          </a:p>
-          <a:p>
-            <a:endParaRPr lang="en-US" altLang="en-US" sz="1800" dirty="0">
-              <a:solidFill>
-                <a:schemeClr val="tx1"/>
-              </a:solidFill>
-              <a:latin typeface="+mn-lt"/>
-              <a:cs typeface="Frutiger LT 55 Roman" pitchFamily="34" charset="0"/>
-            </a:endParaRPr>
-          </a:p>
-        </p:txBody>
-      </p:sp>
-      <p:sp>
-        <p:nvSpPr>
-          <p:cNvPr id="7" name="Text Placeholder 6"/>
-          <p:cNvSpPr>
-            <a:spLocks noGrp="1"/>
-          </p:cNvSpPr>
-          <p:nvPr>
-            <p:ph type="body" idx="10"/>
-          </p:nvPr>
-        </p:nvSpPr>
-        <p:spPr/>
         <p:txBody>
           <a:bodyPr/>
           <a:lstStyle/>
           <a:p>
-            <a:endParaRPr lang="en-US" dirty="0"/>
+            <a:pPr>
+              <a:defRPr/>
+            </a:pPr>
+            <a:endParaRPr lang="en-US" b="1" dirty="0">
+              <a:ea typeface="MS PGothic" charset="0"/>
+            </a:endParaRPr>
           </a:p>
         </p:txBody>
       </p:sp>
     </p:spTree>
     <p:extLst>
       <p:ext uri="{BB962C8B-B14F-4D97-AF65-F5344CB8AC3E}">
-        <p14:creationId xmlns:p14="http://schemas.microsoft.com/office/powerpoint/2010/main" val="3040851991"/>
+        <p14:creationId xmlns:p14="http://schemas.microsoft.com/office/powerpoint/2010/main" val="1461143284"/>
       </p:ext>
     </p:extLst>
   </p:cSld>
@@ -24632,7 +25245,7 @@
                 <a:ea typeface="MS PGothic" charset="0"/>
                 <a:cs typeface="Arial" panose="020B0604020202020204" pitchFamily="34" charset="0"/>
               </a:rPr>
-              <a:t>ALGORITHM 2</a:t>
+              <a:t>ALGORITHM 1</a:t>
             </a:r>
           </a:p>
         </p:txBody>
@@ -25011,13 +25624,20 @@
     </p:spTree>
     <p:extLst>
       <p:ext uri="{BB962C8B-B14F-4D97-AF65-F5344CB8AC3E}">
-        <p14:creationId xmlns:p14="http://schemas.microsoft.com/office/powerpoint/2010/main" val="3585876995"/>
+        <p14:creationId xmlns:p14="http://schemas.microsoft.com/office/powerpoint/2010/main" val="3040851991"/>
       </p:ext>
     </p:extLst>
   </p:cSld>
   <p:clrMapOvr>
     <a:masterClrMapping/>
   </p:clrMapOvr>
+  <p:timing>
+    <p:tnLst>
+      <p:par>
+        <p:cTn id="1" dur="indefinite" restart="never" nodeType="tmRoot"/>
+      </p:par>
+    </p:tnLst>
+  </p:timing>
 </p:sld>
 </file>
 
@@ -25070,7 +25690,7 @@
                 <a:ea typeface="MS PGothic" charset="0"/>
                 <a:cs typeface="Arial" panose="020B0604020202020204" pitchFamily="34" charset="0"/>
               </a:rPr>
-              <a:t>EXPLANATION 1</a:t>
+              <a:t>ALGORITHM 2</a:t>
             </a:r>
           </a:p>
         </p:txBody>
@@ -25449,7 +26069,7 @@
     </p:spTree>
     <p:extLst>
       <p:ext uri="{BB962C8B-B14F-4D97-AF65-F5344CB8AC3E}">
-        <p14:creationId xmlns:p14="http://schemas.microsoft.com/office/powerpoint/2010/main" val="1007281613"/>
+        <p14:creationId xmlns:p14="http://schemas.microsoft.com/office/powerpoint/2010/main" val="3585876995"/>
       </p:ext>
     </p:extLst>
   </p:cSld>
@@ -25508,7 +26128,7 @@
                 <a:ea typeface="MS PGothic" charset="0"/>
                 <a:cs typeface="Arial" panose="020B0604020202020204" pitchFamily="34" charset="0"/>
               </a:rPr>
-              <a:t>EXPLANATION 2</a:t>
+              <a:t>EXPLANATION 1</a:t>
             </a:r>
           </a:p>
         </p:txBody>
@@ -25887,7 +26507,7 @@
     </p:spTree>
     <p:extLst>
       <p:ext uri="{BB962C8B-B14F-4D97-AF65-F5344CB8AC3E}">
-        <p14:creationId xmlns:p14="http://schemas.microsoft.com/office/powerpoint/2010/main" val="4057653326"/>
+        <p14:creationId xmlns:p14="http://schemas.microsoft.com/office/powerpoint/2010/main" val="1007281613"/>
       </p:ext>
     </p:extLst>
   </p:cSld>
@@ -26081,6 +26701,43 @@
       </p:grpSpPr>
       <p:sp>
         <p:nvSpPr>
+          <p:cNvPr id="2" name="Title 1"/>
+          <p:cNvSpPr>
+            <a:spLocks noGrp="1"/>
+          </p:cNvSpPr>
+          <p:nvPr>
+            <p:ph type="title"/>
+          </p:nvPr>
+        </p:nvSpPr>
+        <p:spPr>
+          <a:xfrm>
+            <a:off x="498475" y="346167"/>
+            <a:ext cx="6969125" cy="674225"/>
+          </a:xfrm>
+        </p:spPr>
+        <p:txBody>
+          <a:bodyPr/>
+          <a:lstStyle/>
+          <a:p>
+            <a:pPr>
+              <a:defRPr/>
+            </a:pPr>
+            <a:r>
+              <a:rPr lang="en-US" sz="2800" b="1" dirty="0">
+                <a:solidFill>
+                  <a:schemeClr val="tx1"/>
+                </a:solidFill>
+                <a:latin typeface="Arial" panose="020B0604020202020204" pitchFamily="34" charset="0"/>
+                <a:ea typeface="MS PGothic" charset="0"/>
+                <a:cs typeface="Arial" panose="020B0604020202020204" pitchFamily="34" charset="0"/>
+              </a:rPr>
+              <a:t>EXPLANATION 2</a:t>
+            </a:r>
+          </a:p>
+        </p:txBody>
+      </p:sp>
+      <p:sp>
+        <p:nvSpPr>
           <p:cNvPr id="61443" name="Content Placeholder 2"/>
           <p:cNvSpPr>
             <a:spLocks noGrp="1"/>
@@ -26091,7 +26748,7 @@
         </p:nvSpPr>
         <p:spPr bwMode="auto">
           <a:xfrm>
-            <a:off x="498475" y="963789"/>
+            <a:off x="498475" y="1137960"/>
             <a:ext cx="8289031" cy="4767354"/>
           </a:xfrm>
           <a:noFill/>
@@ -26119,62 +26776,6 @@
           <a:bodyPr vert="horz" wrap="square" lIns="91440" tIns="45720" rIns="91440" bIns="45720" numCol="1" anchor="t" anchorCtr="0" compatLnSpc="1"/>
           <a:lstStyle/>
           <a:p>
-            <a:pPr>
-              <a:spcBef>
-                <a:spcPts val="0"/>
-              </a:spcBef>
-              <a:spcAft>
-                <a:spcPts val="600"/>
-              </a:spcAft>
-            </a:pPr>
-            <a:endParaRPr lang="en-US" altLang="en-US" sz="2200" dirty="0">
-              <a:solidFill>
-                <a:schemeClr val="tx1"/>
-              </a:solidFill>
-              <a:latin typeface="+mj-lt"/>
-              <a:cs typeface="Frutiger LT 55 Roman" pitchFamily="34" charset="0"/>
-            </a:endParaRPr>
-          </a:p>
-          <a:p>
-            <a:pPr marL="0" indent="0" algn="ctr">
-              <a:buNone/>
-            </a:pPr>
-            <a:endParaRPr lang="en-US" altLang="en-US" sz="3200" b="1" dirty="0">
-              <a:solidFill>
-                <a:schemeClr val="tx1"/>
-              </a:solidFill>
-              <a:latin typeface="+mj-lt"/>
-              <a:cs typeface="Frutiger LT 55 Roman" pitchFamily="34" charset="0"/>
-            </a:endParaRPr>
-          </a:p>
-          <a:p>
-            <a:pPr marL="0" indent="0" algn="ctr">
-              <a:buNone/>
-            </a:pPr>
-            <a:endParaRPr lang="en-US" altLang="en-US" sz="3200" b="1" dirty="0">
-              <a:solidFill>
-                <a:schemeClr val="tx1"/>
-              </a:solidFill>
-              <a:latin typeface="+mj-lt"/>
-              <a:cs typeface="Frutiger LT 55 Roman" pitchFamily="34" charset="0"/>
-            </a:endParaRPr>
-          </a:p>
-          <a:p>
-            <a:pPr marL="0" indent="0" algn="ctr">
-              <a:buNone/>
-            </a:pPr>
-            <a:r>
-              <a:rPr lang="en-US" altLang="en-US" sz="4000" b="1" dirty="0">
-                <a:solidFill>
-                  <a:schemeClr val="tx1"/>
-                </a:solidFill>
-                <a:latin typeface="+mj-lt"/>
-                <a:cs typeface="Frutiger LT 55 Roman" pitchFamily="34" charset="0"/>
-              </a:rPr>
-              <a:t>SUMMARY</a:t>
-            </a:r>
-          </a:p>
-          <a:p>
             <a:endParaRPr lang="en-US" altLang="en-US" sz="1800" dirty="0">
               <a:solidFill>
                 <a:schemeClr val="tx1"/>
@@ -26183,11 +26784,313 @@
               <a:cs typeface="Frutiger LT 55 Roman" pitchFamily="34" charset="0"/>
             </a:endParaRPr>
           </a:p>
-        </p:txBody>
-      </p:sp>
-      <p:sp>
-        <p:nvSpPr>
-          <p:cNvPr id="4" name="Text Placeholder 3"/>
+          <a:p>
+            <a:endParaRPr lang="en-US" altLang="en-US" sz="1800" dirty="0">
+              <a:solidFill>
+                <a:schemeClr val="tx1"/>
+              </a:solidFill>
+              <a:latin typeface="+mj-lt"/>
+              <a:cs typeface="Frutiger LT 55 Roman" pitchFamily="34" charset="0"/>
+            </a:endParaRPr>
+          </a:p>
+        </p:txBody>
+      </p:sp>
+      <p:sp>
+        <p:nvSpPr>
+          <p:cNvPr id="5" name="Content Placeholder 2"/>
+          <p:cNvSpPr txBox="1"/>
+          <p:nvPr/>
+        </p:nvSpPr>
+        <p:spPr bwMode="auto">
+          <a:xfrm>
+            <a:off x="498475" y="952687"/>
+            <a:ext cx="8289031" cy="5045342"/>
+          </a:xfrm>
+          <a:prstGeom prst="rect">
+            <a:avLst/>
+          </a:prstGeom>
+          <a:noFill/>
+          <a:extLst>
+            <a:ext uri="{909E8E84-426E-40DD-AFC4-6F175D3DCCD1}">
+              <a14:hiddenFill xmlns:a14="http://schemas.microsoft.com/office/drawing/2010/main">
+                <a:solidFill>
+                  <a:srgbClr val="FFFFFF"/>
+                </a:solidFill>
+              </a14:hiddenFill>
+            </a:ext>
+            <a:ext uri="{91240B29-F687-4F45-9708-019B960494DF}">
+              <a14:hiddenLine xmlns:a14="http://schemas.microsoft.com/office/drawing/2010/main" w="9525">
+                <a:solidFill>
+                  <a:srgbClr val="000000"/>
+                </a:solidFill>
+                <a:miter lim="800000"/>
+                <a:headEnd/>
+                <a:tailEnd/>
+              </a14:hiddenLine>
+            </a:ext>
+          </a:extLst>
+        </p:spPr>
+        <p:txBody>
+          <a:bodyPr vert="horz" wrap="square" lIns="91440" tIns="45720" rIns="91440" bIns="45720" numCol="1" anchor="t" anchorCtr="0" compatLnSpc="1"/>
+          <a:lstStyle>
+            <a:lvl1pPr marL="342900" indent="-342900" algn="l" defTabSz="457200" rtl="0" eaLnBrk="0" fontAlgn="base" hangingPunct="0">
+              <a:spcBef>
+                <a:spcPct val="20000"/>
+              </a:spcBef>
+              <a:spcAft>
+                <a:spcPct val="0"/>
+              </a:spcAft>
+              <a:buFont typeface="Arial" panose="020B0604020202020204" pitchFamily="34" charset="0"/>
+              <a:buChar char="•"/>
+              <a:defRPr sz="2800" b="0" i="0" kern="1200" cap="none">
+                <a:solidFill>
+                  <a:srgbClr val="404040"/>
+                </a:solidFill>
+                <a:latin typeface="Frutiger LT 55 Roman"/>
+                <a:ea typeface="MS PGothic" panose="020B0600070205080204" pitchFamily="34" charset="-128"/>
+                <a:cs typeface="Frutiger LT 55 Roman"/>
+              </a:defRPr>
+            </a:lvl1pPr>
+            <a:lvl2pPr marL="742950" indent="-285750" algn="l" defTabSz="457200" rtl="0" eaLnBrk="0" fontAlgn="base" hangingPunct="0">
+              <a:spcBef>
+                <a:spcPct val="20000"/>
+              </a:spcBef>
+              <a:spcAft>
+                <a:spcPct val="0"/>
+              </a:spcAft>
+              <a:buFont typeface="Arial" panose="020B0604020202020204" pitchFamily="34" charset="0"/>
+              <a:buChar char="–"/>
+              <a:defRPr sz="2800" b="0" i="0" kern="1200">
+                <a:solidFill>
+                  <a:srgbClr val="404040"/>
+                </a:solidFill>
+                <a:latin typeface="Frutiger LT 55 Roman"/>
+                <a:ea typeface="MS PGothic" panose="020B0600070205080204" pitchFamily="34" charset="-128"/>
+                <a:cs typeface="Frutiger LT 55 Roman"/>
+              </a:defRPr>
+            </a:lvl2pPr>
+            <a:lvl3pPr marL="1143000" indent="-228600" algn="l" defTabSz="457200" rtl="0" eaLnBrk="0" fontAlgn="base" hangingPunct="0">
+              <a:spcBef>
+                <a:spcPct val="20000"/>
+              </a:spcBef>
+              <a:spcAft>
+                <a:spcPct val="0"/>
+              </a:spcAft>
+              <a:buFont typeface="Arial" panose="020B0604020202020204" pitchFamily="34" charset="0"/>
+              <a:buChar char="•"/>
+              <a:defRPr sz="2400" b="0" i="0" kern="1200">
+                <a:solidFill>
+                  <a:srgbClr val="404040"/>
+                </a:solidFill>
+                <a:latin typeface="Frutiger LT 55 Roman"/>
+                <a:ea typeface="MS PGothic" panose="020B0600070205080204" pitchFamily="34" charset="-128"/>
+                <a:cs typeface="Frutiger LT 55 Roman"/>
+              </a:defRPr>
+            </a:lvl3pPr>
+            <a:lvl4pPr marL="1600200" indent="-228600" algn="l" defTabSz="457200" rtl="0" eaLnBrk="0" fontAlgn="base" hangingPunct="0">
+              <a:spcBef>
+                <a:spcPct val="20000"/>
+              </a:spcBef>
+              <a:spcAft>
+                <a:spcPct val="0"/>
+              </a:spcAft>
+              <a:buFont typeface="Arial" panose="020B0604020202020204" pitchFamily="34" charset="0"/>
+              <a:buChar char="–"/>
+              <a:defRPr sz="2000" b="0" i="0" kern="1200">
+                <a:solidFill>
+                  <a:srgbClr val="FFFFFF"/>
+                </a:solidFill>
+                <a:latin typeface="Frutiger LT 55 Roman"/>
+                <a:ea typeface="MS PGothic" panose="020B0600070205080204" pitchFamily="34" charset="-128"/>
+                <a:cs typeface="Frutiger LT 55 Roman"/>
+              </a:defRPr>
+            </a:lvl4pPr>
+            <a:lvl5pPr marL="2057400" indent="-228600" algn="l" defTabSz="457200" rtl="0" eaLnBrk="0" fontAlgn="base" hangingPunct="0">
+              <a:spcBef>
+                <a:spcPct val="20000"/>
+              </a:spcBef>
+              <a:spcAft>
+                <a:spcPct val="0"/>
+              </a:spcAft>
+              <a:buFont typeface="Arial" panose="020B0604020202020204" pitchFamily="34" charset="0"/>
+              <a:buChar char="»"/>
+              <a:defRPr sz="2000" b="0" i="0" kern="1200">
+                <a:solidFill>
+                  <a:srgbClr val="FFFFFF"/>
+                </a:solidFill>
+                <a:latin typeface="Frutiger LT 55 Roman"/>
+                <a:ea typeface="MS PGothic" panose="020B0600070205080204" pitchFamily="34" charset="-128"/>
+                <a:cs typeface="Frutiger LT 55 Roman"/>
+              </a:defRPr>
+            </a:lvl5pPr>
+            <a:lvl6pPr marL="2514600" indent="-228600" algn="l" defTabSz="457200" rtl="0" eaLnBrk="1" latinLnBrk="0" hangingPunct="1">
+              <a:spcBef>
+                <a:spcPct val="20000"/>
+              </a:spcBef>
+              <a:buFont typeface="Arial" panose="020B0604020202020204"/>
+              <a:buChar char="•"/>
+              <a:defRPr sz="2000" kern="1200">
+                <a:solidFill>
+                  <a:schemeClr val="tx1"/>
+                </a:solidFill>
+                <a:latin typeface="+mn-lt"/>
+                <a:ea typeface="+mn-ea"/>
+                <a:cs typeface="+mn-cs"/>
+              </a:defRPr>
+            </a:lvl6pPr>
+            <a:lvl7pPr marL="2971800" indent="-228600" algn="l" defTabSz="457200" rtl="0" eaLnBrk="1" latinLnBrk="0" hangingPunct="1">
+              <a:spcBef>
+                <a:spcPct val="20000"/>
+              </a:spcBef>
+              <a:buFont typeface="Arial" panose="020B0604020202020204"/>
+              <a:buChar char="•"/>
+              <a:defRPr sz="2000" kern="1200">
+                <a:solidFill>
+                  <a:schemeClr val="tx1"/>
+                </a:solidFill>
+                <a:latin typeface="+mn-lt"/>
+                <a:ea typeface="+mn-ea"/>
+                <a:cs typeface="+mn-cs"/>
+              </a:defRPr>
+            </a:lvl7pPr>
+            <a:lvl8pPr marL="3429000" indent="-228600" algn="l" defTabSz="457200" rtl="0" eaLnBrk="1" latinLnBrk="0" hangingPunct="1">
+              <a:spcBef>
+                <a:spcPct val="20000"/>
+              </a:spcBef>
+              <a:buFont typeface="Arial" panose="020B0604020202020204"/>
+              <a:buChar char="•"/>
+              <a:defRPr sz="2000" kern="1200">
+                <a:solidFill>
+                  <a:schemeClr val="tx1"/>
+                </a:solidFill>
+                <a:latin typeface="+mn-lt"/>
+                <a:ea typeface="+mn-ea"/>
+                <a:cs typeface="+mn-cs"/>
+              </a:defRPr>
+            </a:lvl8pPr>
+            <a:lvl9pPr marL="3886200" indent="-228600" algn="l" defTabSz="457200" rtl="0" eaLnBrk="1" latinLnBrk="0" hangingPunct="1">
+              <a:spcBef>
+                <a:spcPct val="20000"/>
+              </a:spcBef>
+              <a:buFont typeface="Arial" panose="020B0604020202020204"/>
+              <a:buChar char="•"/>
+              <a:defRPr sz="2000" kern="1200">
+                <a:solidFill>
+                  <a:schemeClr val="tx1"/>
+                </a:solidFill>
+                <a:latin typeface="+mn-lt"/>
+                <a:ea typeface="+mn-ea"/>
+                <a:cs typeface="+mn-cs"/>
+              </a:defRPr>
+            </a:lvl9pPr>
+          </a:lstStyle>
+          <a:p>
+            <a:r>
+              <a:rPr lang="en-CA" sz="1800" dirty="0">
+                <a:solidFill>
+                  <a:schemeClr val="tx1"/>
+                </a:solidFill>
+                <a:latin typeface="+mn-lt"/>
+                <a:cs typeface="Arial" panose="020B0604020202020204" pitchFamily="34" charset="0"/>
+              </a:rPr>
+              <a:t>Point 1</a:t>
+            </a:r>
+          </a:p>
+          <a:p>
+            <a:r>
+              <a:rPr lang="en-CA" sz="1800" dirty="0">
+                <a:solidFill>
+                  <a:schemeClr val="tx1"/>
+                </a:solidFill>
+                <a:latin typeface="+mn-lt"/>
+                <a:cs typeface="Arial" panose="020B0604020202020204" pitchFamily="34" charset="0"/>
+              </a:rPr>
+              <a:t>Point 2</a:t>
+            </a:r>
+          </a:p>
+          <a:p>
+            <a:r>
+              <a:rPr lang="en-CA" sz="1800" dirty="0">
+                <a:solidFill>
+                  <a:schemeClr val="tx1"/>
+                </a:solidFill>
+                <a:latin typeface="+mn-lt"/>
+                <a:cs typeface="Arial" panose="020B0604020202020204" pitchFamily="34" charset="0"/>
+              </a:rPr>
+              <a:t>Point 3</a:t>
+            </a:r>
+            <a:endParaRPr lang="en-US" sz="1400" dirty="0">
+              <a:solidFill>
+                <a:schemeClr val="tx1"/>
+              </a:solidFill>
+              <a:latin typeface="+mn-lt"/>
+              <a:cs typeface="Arial" panose="020B0604020202020204" pitchFamily="34" charset="0"/>
+            </a:endParaRPr>
+          </a:p>
+          <a:p>
+            <a:pPr lvl="1"/>
+            <a:endParaRPr lang="en-US" sz="1800" dirty="0">
+              <a:solidFill>
+                <a:schemeClr val="tx1"/>
+              </a:solidFill>
+              <a:latin typeface="+mn-lt"/>
+              <a:cs typeface="Arial" panose="020B0604020202020204" pitchFamily="34" charset="0"/>
+            </a:endParaRPr>
+          </a:p>
+          <a:p>
+            <a:pPr lvl="1"/>
+            <a:endParaRPr lang="en-US" sz="1800" dirty="0">
+              <a:solidFill>
+                <a:schemeClr val="tx1"/>
+              </a:solidFill>
+              <a:latin typeface="+mn-lt"/>
+              <a:cs typeface="Arial" panose="020B0604020202020204" pitchFamily="34" charset="0"/>
+            </a:endParaRPr>
+          </a:p>
+          <a:p>
+            <a:pPr lvl="1"/>
+            <a:endParaRPr lang="en-US" sz="1800" dirty="0">
+              <a:solidFill>
+                <a:schemeClr val="tx1"/>
+              </a:solidFill>
+              <a:latin typeface="+mn-lt"/>
+              <a:cs typeface="Arial" panose="020B0604020202020204" pitchFamily="34" charset="0"/>
+            </a:endParaRPr>
+          </a:p>
+          <a:p>
+            <a:pPr lvl="1"/>
+            <a:endParaRPr lang="en-US" sz="1800" dirty="0">
+              <a:solidFill>
+                <a:schemeClr val="tx1"/>
+              </a:solidFill>
+              <a:latin typeface="+mn-lt"/>
+              <a:cs typeface="Arial" panose="020B0604020202020204" pitchFamily="34" charset="0"/>
+            </a:endParaRPr>
+          </a:p>
+          <a:p>
+            <a:pPr lvl="1"/>
+            <a:endParaRPr lang="en-US" altLang="en-US" sz="1800" dirty="0">
+              <a:solidFill>
+                <a:schemeClr val="tx1"/>
+              </a:solidFill>
+              <a:latin typeface="+mn-lt"/>
+              <a:cs typeface="Frutiger LT 55 Roman" pitchFamily="34" charset="0"/>
+            </a:endParaRPr>
+          </a:p>
+          <a:p>
+            <a:endParaRPr lang="en-US" altLang="en-US" sz="1800" dirty="0">
+              <a:solidFill>
+                <a:schemeClr val="tx1"/>
+              </a:solidFill>
+              <a:latin typeface="+mn-lt"/>
+              <a:cs typeface="Frutiger LT 55 Roman" pitchFamily="34" charset="0"/>
+            </a:endParaRPr>
+          </a:p>
+        </p:txBody>
+      </p:sp>
+      <p:sp>
+        <p:nvSpPr>
+          <p:cNvPr id="7" name="Text Placeholder 6"/>
           <p:cNvSpPr>
             <a:spLocks noGrp="1"/>
           </p:cNvSpPr>
@@ -26195,29 +27098,19 @@
             <p:ph type="body" idx="10"/>
           </p:nvPr>
         </p:nvSpPr>
-        <p:spPr>
-          <a:xfrm>
-            <a:off x="498475" y="6140450"/>
-            <a:ext cx="7772400" cy="392113"/>
-          </a:xfrm>
-        </p:spPr>
+        <p:spPr/>
         <p:txBody>
           <a:bodyPr/>
           <a:lstStyle/>
           <a:p>
-            <a:pPr>
-              <a:defRPr/>
-            </a:pPr>
-            <a:endParaRPr lang="en-US" b="1" dirty="0">
-              <a:ea typeface="MS PGothic" charset="0"/>
-            </a:endParaRPr>
+            <a:endParaRPr lang="en-US" dirty="0"/>
           </a:p>
         </p:txBody>
       </p:sp>
     </p:spTree>
     <p:extLst>
       <p:ext uri="{BB962C8B-B14F-4D97-AF65-F5344CB8AC3E}">
-        <p14:creationId xmlns:p14="http://schemas.microsoft.com/office/powerpoint/2010/main" val="2869120635"/>
+        <p14:creationId xmlns:p14="http://schemas.microsoft.com/office/powerpoint/2010/main" val="4057653326"/>
       </p:ext>
     </p:extLst>
   </p:cSld>
@@ -26246,6 +27139,171 @@
       </p:grpSpPr>
       <p:sp>
         <p:nvSpPr>
+          <p:cNvPr id="61443" name="Content Placeholder 2"/>
+          <p:cNvSpPr>
+            <a:spLocks noGrp="1"/>
+          </p:cNvSpPr>
+          <p:nvPr>
+            <p:ph idx="1"/>
+          </p:nvPr>
+        </p:nvSpPr>
+        <p:spPr bwMode="auto">
+          <a:xfrm>
+            <a:off x="498475" y="963789"/>
+            <a:ext cx="8289031" cy="4767354"/>
+          </a:xfrm>
+          <a:noFill/>
+          <a:extLst>
+            <a:ext uri="{909E8E84-426E-40DD-AFC4-6F175D3DCCD1}">
+              <a14:hiddenFill xmlns:a14="http://schemas.microsoft.com/office/drawing/2010/main">
+                <a:solidFill>
+                  <a:srgbClr val="FFFFFF"/>
+                </a:solidFill>
+              </a14:hiddenFill>
+            </a:ext>
+            <a:ext uri="{91240B29-F687-4F45-9708-019B960494DF}">
+              <a14:hiddenLine xmlns:a14="http://schemas.microsoft.com/office/drawing/2010/main" w="9525">
+                <a:solidFill>
+                  <a:srgbClr val="000000"/>
+                </a:solidFill>
+                <a:miter lim="800000"/>
+                <a:headEnd/>
+                <a:tailEnd/>
+              </a14:hiddenLine>
+            </a:ext>
+          </a:extLst>
+        </p:spPr>
+        <p:txBody>
+          <a:bodyPr vert="horz" wrap="square" lIns="91440" tIns="45720" rIns="91440" bIns="45720" numCol="1" anchor="t" anchorCtr="0" compatLnSpc="1"/>
+          <a:lstStyle/>
+          <a:p>
+            <a:pPr>
+              <a:spcBef>
+                <a:spcPts val="0"/>
+              </a:spcBef>
+              <a:spcAft>
+                <a:spcPts val="600"/>
+              </a:spcAft>
+            </a:pPr>
+            <a:endParaRPr lang="en-US" altLang="en-US" sz="2200" dirty="0">
+              <a:solidFill>
+                <a:schemeClr val="tx1"/>
+              </a:solidFill>
+              <a:latin typeface="+mj-lt"/>
+              <a:cs typeface="Frutiger LT 55 Roman" pitchFamily="34" charset="0"/>
+            </a:endParaRPr>
+          </a:p>
+          <a:p>
+            <a:pPr marL="0" indent="0" algn="ctr">
+              <a:buNone/>
+            </a:pPr>
+            <a:endParaRPr lang="en-US" altLang="en-US" sz="3200" b="1" dirty="0">
+              <a:solidFill>
+                <a:schemeClr val="tx1"/>
+              </a:solidFill>
+              <a:latin typeface="+mj-lt"/>
+              <a:cs typeface="Frutiger LT 55 Roman" pitchFamily="34" charset="0"/>
+            </a:endParaRPr>
+          </a:p>
+          <a:p>
+            <a:pPr marL="0" indent="0" algn="ctr">
+              <a:buNone/>
+            </a:pPr>
+            <a:endParaRPr lang="en-US" altLang="en-US" sz="3200" b="1" dirty="0">
+              <a:solidFill>
+                <a:schemeClr val="tx1"/>
+              </a:solidFill>
+              <a:latin typeface="+mj-lt"/>
+              <a:cs typeface="Frutiger LT 55 Roman" pitchFamily="34" charset="0"/>
+            </a:endParaRPr>
+          </a:p>
+          <a:p>
+            <a:pPr marL="0" indent="0" algn="ctr">
+              <a:buNone/>
+            </a:pPr>
+            <a:r>
+              <a:rPr lang="en-US" altLang="en-US" sz="4000" b="1" dirty="0">
+                <a:solidFill>
+                  <a:schemeClr val="tx1"/>
+                </a:solidFill>
+                <a:latin typeface="+mj-lt"/>
+                <a:cs typeface="Frutiger LT 55 Roman" pitchFamily="34" charset="0"/>
+              </a:rPr>
+              <a:t>SUMMARY</a:t>
+            </a:r>
+          </a:p>
+          <a:p>
+            <a:endParaRPr lang="en-US" altLang="en-US" sz="1800" dirty="0">
+              <a:solidFill>
+                <a:schemeClr val="tx1"/>
+              </a:solidFill>
+              <a:latin typeface="+mj-lt"/>
+              <a:cs typeface="Frutiger LT 55 Roman" pitchFamily="34" charset="0"/>
+            </a:endParaRPr>
+          </a:p>
+        </p:txBody>
+      </p:sp>
+      <p:sp>
+        <p:nvSpPr>
+          <p:cNvPr id="4" name="Text Placeholder 3"/>
+          <p:cNvSpPr>
+            <a:spLocks noGrp="1"/>
+          </p:cNvSpPr>
+          <p:nvPr>
+            <p:ph type="body" idx="10"/>
+          </p:nvPr>
+        </p:nvSpPr>
+        <p:spPr>
+          <a:xfrm>
+            <a:off x="498475" y="6140450"/>
+            <a:ext cx="7772400" cy="392113"/>
+          </a:xfrm>
+        </p:spPr>
+        <p:txBody>
+          <a:bodyPr/>
+          <a:lstStyle/>
+          <a:p>
+            <a:pPr>
+              <a:defRPr/>
+            </a:pPr>
+            <a:endParaRPr lang="en-US" b="1" dirty="0">
+              <a:ea typeface="MS PGothic" charset="0"/>
+            </a:endParaRPr>
+          </a:p>
+        </p:txBody>
+      </p:sp>
+    </p:spTree>
+    <p:extLst>
+      <p:ext uri="{BB962C8B-B14F-4D97-AF65-F5344CB8AC3E}">
+        <p14:creationId xmlns:p14="http://schemas.microsoft.com/office/powerpoint/2010/main" val="2869120635"/>
+      </p:ext>
+    </p:extLst>
+  </p:cSld>
+  <p:clrMapOvr>
+    <a:masterClrMapping/>
+  </p:clrMapOvr>
+</p:sld>
+</file>
+
+<file path=ppt/slides/slide32.xml><?xml version="1.0" encoding="utf-8"?>
+<p:sld xmlns:a="http://schemas.openxmlformats.org/drawingml/2006/main" xmlns:r="http://schemas.openxmlformats.org/officeDocument/2006/relationships" xmlns:p="http://schemas.openxmlformats.org/presentationml/2006/main">
+  <p:cSld>
+    <p:spTree>
+      <p:nvGrpSpPr>
+        <p:cNvPr id="1" name=""/>
+        <p:cNvGrpSpPr/>
+        <p:nvPr/>
+      </p:nvGrpSpPr>
+      <p:grpSpPr>
+        <a:xfrm>
+          <a:off x="0" y="0"/>
+          <a:ext cx="0" cy="0"/>
+          <a:chOff x="0" y="0"/>
+          <a:chExt cx="0" cy="0"/>
+        </a:xfrm>
+      </p:grpSpPr>
+      <p:sp>
+        <p:nvSpPr>
           <p:cNvPr id="2" name="Title 1"/>
           <p:cNvSpPr>
             <a:spLocks noGrp="1"/>
@@ -26665,7 +27723,7 @@
 </p:sld>
 </file>
 
-<file path=ppt/slides/slide32.xml><?xml version="1.0" encoding="utf-8"?>
+<file path=ppt/slides/slide33.xml><?xml version="1.0" encoding="utf-8"?>
 <p:sld xmlns:a="http://schemas.openxmlformats.org/drawingml/2006/main" xmlns:r="http://schemas.openxmlformats.org/officeDocument/2006/relationships" xmlns:p="http://schemas.openxmlformats.org/presentationml/2006/main">
   <p:cSld>
     <p:spTree>

--- a/Presentation-caoqi.pptx
+++ b/Presentation-caoqi.pptx
@@ -975,23 +975,6 @@
           <a:bodyPr/>
           <a:lstStyle/>
           <a:p>
-            <a:pPr marL="0" marR="0" indent="0" algn="l" defTabSz="914400" rtl="0" eaLnBrk="0" fontAlgn="base" latinLnBrk="0" hangingPunct="0">
-              <a:lnSpc>
-                <a:spcPct val="100000"/>
-              </a:lnSpc>
-              <a:spcBef>
-                <a:spcPct val="30000"/>
-              </a:spcBef>
-              <a:spcAft>
-                <a:spcPct val="0"/>
-              </a:spcAft>
-              <a:buClrTx/>
-              <a:buSzTx/>
-              <a:buFontTx/>
-              <a:buNone/>
-              <a:tabLst/>
-              <a:defRPr/>
-            </a:pPr>
             <a:endParaRPr lang="en-US" dirty="0"/>
           </a:p>
         </p:txBody>
@@ -1013,7 +996,7 @@
           <a:p>
             <a:fld id="{021F674D-CFCE-456A-BD0A-319AF6E4E1A2}" type="slidenum">
               <a:rPr lang="en-US" altLang="en-US" smtClean="0"/>
-              <a:t>27</a:t>
+              <a:t>26</a:t>
             </a:fld>
             <a:endParaRPr lang="en-US" altLang="en-US"/>
           </a:p>
@@ -1022,7 +1005,7 @@
     </p:spTree>
     <p:extLst>
       <p:ext uri="{BB962C8B-B14F-4D97-AF65-F5344CB8AC3E}">
-        <p14:creationId xmlns:p14="http://schemas.microsoft.com/office/powerpoint/2010/main" val="2882520000"/>
+        <p14:creationId xmlns:p14="http://schemas.microsoft.com/office/powerpoint/2010/main" val="767760685"/>
       </p:ext>
     </p:extLst>
   </p:cSld>
@@ -1114,7 +1097,7 @@
           <a:p>
             <a:fld id="{021F674D-CFCE-456A-BD0A-319AF6E4E1A2}" type="slidenum">
               <a:rPr lang="en-US" altLang="en-US" smtClean="0"/>
-              <a:t>28</a:t>
+              <a:t>27</a:t>
             </a:fld>
             <a:endParaRPr lang="en-US" altLang="en-US"/>
           </a:p>
@@ -1123,7 +1106,7 @@
     </p:spTree>
     <p:extLst>
       <p:ext uri="{BB962C8B-B14F-4D97-AF65-F5344CB8AC3E}">
-        <p14:creationId xmlns:p14="http://schemas.microsoft.com/office/powerpoint/2010/main" val="2103624054"/>
+        <p14:creationId xmlns:p14="http://schemas.microsoft.com/office/powerpoint/2010/main" val="2882520000"/>
       </p:ext>
     </p:extLst>
   </p:cSld>
@@ -1215,7 +1198,7 @@
           <a:p>
             <a:fld id="{021F674D-CFCE-456A-BD0A-319AF6E4E1A2}" type="slidenum">
               <a:rPr lang="en-US" altLang="en-US" smtClean="0"/>
-              <a:t>29</a:t>
+              <a:t>28</a:t>
             </a:fld>
             <a:endParaRPr lang="en-US" altLang="en-US"/>
           </a:p>
@@ -1224,7 +1207,7 @@
     </p:spTree>
     <p:extLst>
       <p:ext uri="{BB962C8B-B14F-4D97-AF65-F5344CB8AC3E}">
-        <p14:creationId xmlns:p14="http://schemas.microsoft.com/office/powerpoint/2010/main" val="4246337895"/>
+        <p14:creationId xmlns:p14="http://schemas.microsoft.com/office/powerpoint/2010/main" val="2103624054"/>
       </p:ext>
     </p:extLst>
   </p:cSld>
@@ -1316,7 +1299,7 @@
           <a:p>
             <a:fld id="{021F674D-CFCE-456A-BD0A-319AF6E4E1A2}" type="slidenum">
               <a:rPr lang="en-US" altLang="en-US" smtClean="0"/>
-              <a:t>30</a:t>
+              <a:t>29</a:t>
             </a:fld>
             <a:endParaRPr lang="en-US" altLang="en-US"/>
           </a:p>
@@ -1325,7 +1308,7 @@
     </p:spTree>
     <p:extLst>
       <p:ext uri="{BB962C8B-B14F-4D97-AF65-F5344CB8AC3E}">
-        <p14:creationId xmlns:p14="http://schemas.microsoft.com/office/powerpoint/2010/main" val="510198777"/>
+        <p14:creationId xmlns:p14="http://schemas.microsoft.com/office/powerpoint/2010/main" val="4246337895"/>
       </p:ext>
     </p:extLst>
   </p:cSld>
@@ -1379,6 +1362,23 @@
           <a:bodyPr/>
           <a:lstStyle/>
           <a:p>
+            <a:pPr marL="0" marR="0" indent="0" algn="l" defTabSz="914400" rtl="0" eaLnBrk="0" fontAlgn="base" latinLnBrk="0" hangingPunct="0">
+              <a:lnSpc>
+                <a:spcPct val="100000"/>
+              </a:lnSpc>
+              <a:spcBef>
+                <a:spcPct val="30000"/>
+              </a:spcBef>
+              <a:spcAft>
+                <a:spcPct val="0"/>
+              </a:spcAft>
+              <a:buClrTx/>
+              <a:buSzTx/>
+              <a:buFontTx/>
+              <a:buNone/>
+              <a:tabLst/>
+              <a:defRPr/>
+            </a:pPr>
             <a:endParaRPr lang="en-US" dirty="0"/>
           </a:p>
         </p:txBody>
@@ -1400,7 +1400,7 @@
           <a:p>
             <a:fld id="{021F674D-CFCE-456A-BD0A-319AF6E4E1A2}" type="slidenum">
               <a:rPr lang="en-US" altLang="en-US" smtClean="0"/>
-              <a:t>31</a:t>
+              <a:t>30</a:t>
             </a:fld>
             <a:endParaRPr lang="en-US" altLang="en-US"/>
           </a:p>
@@ -1409,7 +1409,7 @@
     </p:spTree>
     <p:extLst>
       <p:ext uri="{BB962C8B-B14F-4D97-AF65-F5344CB8AC3E}">
-        <p14:creationId xmlns:p14="http://schemas.microsoft.com/office/powerpoint/2010/main" val="610881843"/>
+        <p14:creationId xmlns:p14="http://schemas.microsoft.com/office/powerpoint/2010/main" val="510198777"/>
       </p:ext>
     </p:extLst>
   </p:cSld>
@@ -1463,6 +1463,90 @@
           <a:bodyPr/>
           <a:lstStyle/>
           <a:p>
+            <a:endParaRPr lang="en-US" dirty="0"/>
+          </a:p>
+        </p:txBody>
+      </p:sp>
+      <p:sp>
+        <p:nvSpPr>
+          <p:cNvPr id="4" name="Slide Number Placeholder 3"/>
+          <p:cNvSpPr>
+            <a:spLocks noGrp="1"/>
+          </p:cNvSpPr>
+          <p:nvPr>
+            <p:ph type="sldNum" sz="quarter" idx="5"/>
+          </p:nvPr>
+        </p:nvSpPr>
+        <p:spPr/>
+        <p:txBody>
+          <a:bodyPr/>
+          <a:lstStyle/>
+          <a:p>
+            <a:fld id="{021F674D-CFCE-456A-BD0A-319AF6E4E1A2}" type="slidenum">
+              <a:rPr lang="en-US" altLang="en-US" smtClean="0"/>
+              <a:t>31</a:t>
+            </a:fld>
+            <a:endParaRPr lang="en-US" altLang="en-US"/>
+          </a:p>
+        </p:txBody>
+      </p:sp>
+    </p:spTree>
+    <p:extLst>
+      <p:ext uri="{BB962C8B-B14F-4D97-AF65-F5344CB8AC3E}">
+        <p14:creationId xmlns:p14="http://schemas.microsoft.com/office/powerpoint/2010/main" val="610881843"/>
+      </p:ext>
+    </p:extLst>
+  </p:cSld>
+  <p:clrMapOvr>
+    <a:masterClrMapping/>
+  </p:clrMapOvr>
+</p:notes>
+</file>
+
+<file path=ppt/notesSlides/notesSlide16.xml><?xml version="1.0" encoding="utf-8"?>
+<p:notes xmlns:a="http://schemas.openxmlformats.org/drawingml/2006/main" xmlns:r="http://schemas.openxmlformats.org/officeDocument/2006/relationships" xmlns:p="http://schemas.openxmlformats.org/presentationml/2006/main">
+  <p:cSld>
+    <p:spTree>
+      <p:nvGrpSpPr>
+        <p:cNvPr id="1" name=""/>
+        <p:cNvGrpSpPr/>
+        <p:nvPr/>
+      </p:nvGrpSpPr>
+      <p:grpSpPr>
+        <a:xfrm>
+          <a:off x="0" y="0"/>
+          <a:ext cx="0" cy="0"/>
+          <a:chOff x="0" y="0"/>
+          <a:chExt cx="0" cy="0"/>
+        </a:xfrm>
+      </p:grpSpPr>
+      <p:sp>
+        <p:nvSpPr>
+          <p:cNvPr id="2" name="Slide Image Placeholder 1"/>
+          <p:cNvSpPr>
+            <a:spLocks noGrp="1" noRot="1" noChangeAspect="1"/>
+          </p:cNvSpPr>
+          <p:nvPr>
+            <p:ph type="sldImg"/>
+          </p:nvPr>
+        </p:nvSpPr>
+        <p:spPr/>
+      </p:sp>
+      <p:sp>
+        <p:nvSpPr>
+          <p:cNvPr id="3" name="Notes Placeholder 2"/>
+          <p:cNvSpPr>
+            <a:spLocks noGrp="1"/>
+          </p:cNvSpPr>
+          <p:nvPr>
+            <p:ph type="body" idx="1"/>
+          </p:nvPr>
+        </p:nvSpPr>
+        <p:spPr/>
+        <p:txBody>
+          <a:bodyPr/>
+          <a:lstStyle/>
+          <a:p>
             <a:pPr marL="0" marR="0" indent="0" algn="l" defTabSz="914400" rtl="0" eaLnBrk="0" fontAlgn="base" latinLnBrk="0" hangingPunct="0">
               <a:lnSpc>
                 <a:spcPct val="100000"/>
@@ -1520,7 +1604,7 @@
 </p:notes>
 </file>
 
-<file path=ppt/notesSlides/notesSlide16.xml><?xml version="1.0" encoding="utf-8"?>
+<file path=ppt/notesSlides/notesSlide17.xml><?xml version="1.0" encoding="utf-8"?>
 <p:notes xmlns:a="http://schemas.openxmlformats.org/drawingml/2006/main" xmlns:r="http://schemas.openxmlformats.org/officeDocument/2006/relationships" xmlns:p="http://schemas.openxmlformats.org/presentationml/2006/main">
   <p:cSld>
     <p:spTree>
@@ -3059,7 +3143,7 @@
           <a:bodyPr/>
           <a:lstStyle/>
           <a:p>
-            <a:endParaRPr lang="en-US" dirty="0"/>
+            <a:endParaRPr lang="en-SG" dirty="0"/>
           </a:p>
         </p:txBody>
       </p:sp>
@@ -3070,7 +3154,7 @@
             <a:spLocks noGrp="1"/>
           </p:cNvSpPr>
           <p:nvPr>
-            <p:ph type="sldNum" sz="quarter" idx="5"/>
+            <p:ph type="sldNum" sz="quarter" idx="10"/>
           </p:nvPr>
         </p:nvSpPr>
         <p:spPr/>
@@ -3080,7 +3164,7 @@
           <a:p>
             <a:fld id="{021F674D-CFCE-456A-BD0A-319AF6E4E1A2}" type="slidenum">
               <a:rPr lang="en-US" altLang="en-US" smtClean="0"/>
-              <a:t>26</a:t>
+              <a:t>19</a:t>
             </a:fld>
             <a:endParaRPr lang="en-US" altLang="en-US"/>
           </a:p>
@@ -3089,7 +3173,7 @@
     </p:spTree>
     <p:extLst>
       <p:ext uri="{BB962C8B-B14F-4D97-AF65-F5344CB8AC3E}">
-        <p14:creationId xmlns:p14="http://schemas.microsoft.com/office/powerpoint/2010/main" val="767760685"/>
+        <p14:creationId xmlns:p14="http://schemas.microsoft.com/office/powerpoint/2010/main" val="2694891464"/>
       </p:ext>
     </p:extLst>
   </p:cSld>
@@ -21583,8 +21667,8 @@
           </a:p>
         </p:txBody>
       </p:sp>
-      <mc:AlternateContent xmlns:mc="http://schemas.openxmlformats.org/markup-compatibility/2006">
-        <mc:Choice xmlns:a14="http://schemas.microsoft.com/office/drawing/2010/main" Requires="a14">
+      <mc:AlternateContent xmlns:mc="http://schemas.openxmlformats.org/markup-compatibility/2006" xmlns:a14="http://schemas.microsoft.com/office/drawing/2010/main">
+        <mc:Choice Requires="a14">
           <p:sp>
             <p:nvSpPr>
               <p:cNvPr id="3" name="Content Placeholder 2"/>
@@ -21724,18 +21808,7 @@
                                 <a:schemeClr val="tx1"/>
                               </a:solidFill>
                             </a:rPr>
-                            <m:t>1−(</m:t>
-                          </m:r>
-                          <m:r>
-                            <m:rPr>
-                              <m:nor/>
-                            </m:rPr>
-                            <a:rPr lang="pt-BR" dirty="0">
-                              <a:solidFill>
-                                <a:schemeClr val="tx1"/>
-                              </a:solidFill>
-                            </a:rPr>
-                            <m:t>1−</m:t>
+                            <m:t>1−(1−</m:t>
                           </m:r>
                           <m:sSup>
                             <m:sSupPr>
@@ -21872,7 +21945,7 @@
             </p:txBody>
           </p:sp>
         </mc:Choice>
-        <mc:Fallback>
+        <mc:Fallback xmlns="">
           <p:sp>
             <p:nvSpPr>
               <p:cNvPr id="3" name="Content Placeholder 2"/>
@@ -21943,6 +22016,778 @@
 </file>
 
 <file path=ppt/slides/slide19.xml><?xml version="1.0" encoding="utf-8"?>
+<p:sld xmlns:a="http://schemas.openxmlformats.org/drawingml/2006/main" xmlns:r="http://schemas.openxmlformats.org/officeDocument/2006/relationships" xmlns:p="http://schemas.openxmlformats.org/presentationml/2006/main">
+  <p:cSld>
+    <p:spTree>
+      <p:nvGrpSpPr>
+        <p:cNvPr id="1" name=""/>
+        <p:cNvGrpSpPr/>
+        <p:nvPr/>
+      </p:nvGrpSpPr>
+      <p:grpSpPr>
+        <a:xfrm>
+          <a:off x="0" y="0"/>
+          <a:ext cx="0" cy="0"/>
+          <a:chOff x="0" y="0"/>
+          <a:chExt cx="0" cy="0"/>
+        </a:xfrm>
+      </p:grpSpPr>
+      <p:sp>
+        <p:nvSpPr>
+          <p:cNvPr id="2" name="Title 1"/>
+          <p:cNvSpPr>
+            <a:spLocks noGrp="1"/>
+          </p:cNvSpPr>
+          <p:nvPr>
+            <p:ph type="title"/>
+          </p:nvPr>
+        </p:nvSpPr>
+        <p:spPr/>
+        <p:txBody>
+          <a:bodyPr/>
+          <a:lstStyle/>
+          <a:p>
+            <a:r>
+              <a:rPr lang="en-US" dirty="0" smtClean="0"/>
+              <a:t>Parameters</a:t>
+            </a:r>
+            <a:endParaRPr lang="en-SG" dirty="0"/>
+          </a:p>
+        </p:txBody>
+      </p:sp>
+      <mc:AlternateContent xmlns:mc="http://schemas.openxmlformats.org/markup-compatibility/2006">
+        <mc:Choice xmlns:a14="http://schemas.microsoft.com/office/drawing/2010/main" Requires="a14">
+          <p:sp>
+            <p:nvSpPr>
+              <p:cNvPr id="3" name="Content Placeholder 2"/>
+              <p:cNvSpPr>
+                <a:spLocks noGrp="1"/>
+              </p:cNvSpPr>
+              <p:nvPr>
+                <p:ph idx="1"/>
+              </p:nvPr>
+            </p:nvSpPr>
+            <p:spPr>
+              <a:xfrm>
+                <a:off x="491159" y="1066800"/>
+                <a:ext cx="8417313" cy="4957510"/>
+              </a:xfrm>
+            </p:spPr>
+            <p:txBody>
+              <a:bodyPr/>
+              <a:lstStyle/>
+              <a:p>
+                <a:r>
+                  <a:rPr lang="en-US" dirty="0" smtClean="0"/>
+                  <a:t>N – the number of iterations required (samples)</a:t>
+                </a:r>
+              </a:p>
+              <a:p>
+                <a:pPr lvl="1">
+                  <a:buFont typeface="Wingdings" panose="05000000000000000000" pitchFamily="2" charset="2"/>
+                  <a:buChar char="§"/>
+                </a:pPr>
+                <a14:m>
+                  <m:oMath xmlns:m="http://schemas.openxmlformats.org/officeDocument/2006/math">
+                    <m:sSub>
+                      <m:sSubPr>
+                        <m:ctrlPr>
+                          <a:rPr lang="en-US" i="1" smtClean="0">
+                            <a:latin typeface="Cambria Math" panose="02040503050406030204" pitchFamily="18" charset="0"/>
+                          </a:rPr>
+                        </m:ctrlPr>
+                      </m:sSubPr>
+                      <m:e>
+                        <m:r>
+                          <a:rPr lang="en-US" b="0" i="1" smtClean="0">
+                            <a:latin typeface="Cambria Math" panose="02040503050406030204" pitchFamily="18" charset="0"/>
+                          </a:rPr>
+                          <m:t>𝑝</m:t>
+                        </m:r>
+                      </m:e>
+                      <m:sub>
+                        <m:r>
+                          <a:rPr lang="en-US" b="0" i="1" smtClean="0">
+                            <a:latin typeface="Cambria Math" panose="02040503050406030204" pitchFamily="18" charset="0"/>
+                          </a:rPr>
+                          <m:t>𝑜</m:t>
+                        </m:r>
+                      </m:sub>
+                    </m:sSub>
+                  </m:oMath>
+                </a14:m>
+                <a:r>
+                  <a:rPr lang="en-US" dirty="0" smtClean="0"/>
+                  <a:t> = probability that a point is an outlier</a:t>
+                </a:r>
+              </a:p>
+              <a:p>
+                <a:pPr lvl="1">
+                  <a:buFont typeface="Wingdings" panose="05000000000000000000" pitchFamily="2" charset="2"/>
+                  <a:buChar char="§"/>
+                </a:pPr>
+                <a:r>
+                  <a:rPr lang="en-US" dirty="0" smtClean="0"/>
+                  <a:t>s   = number of pairs in a sample</a:t>
+                </a:r>
+              </a:p>
+              <a:p>
+                <a:pPr lvl="1">
+                  <a:buFont typeface="Wingdings" panose="05000000000000000000" pitchFamily="2" charset="2"/>
+                  <a:buChar char="§"/>
+                </a:pPr>
+                <a:r>
+                  <a:rPr lang="en-US" dirty="0" smtClean="0"/>
+                  <a:t>N  = number of samples</a:t>
+                </a:r>
+              </a:p>
+              <a:p>
+                <a:pPr lvl="1">
+                  <a:buFont typeface="Wingdings" panose="05000000000000000000" pitchFamily="2" charset="2"/>
+                  <a:buChar char="§"/>
+                </a:pPr>
+                <a14:m>
+                  <m:oMath xmlns:m="http://schemas.openxmlformats.org/officeDocument/2006/math">
+                    <m:r>
+                      <a:rPr lang="en-US" i="1">
+                        <a:latin typeface="Cambria Math" panose="02040503050406030204" pitchFamily="18" charset="0"/>
+                      </a:rPr>
+                      <m:t>𝑝</m:t>
+                    </m:r>
+                  </m:oMath>
+                </a14:m>
+                <a:r>
+                  <a:rPr lang="en-US" dirty="0" smtClean="0"/>
+                  <a:t>   = desired probability that get a good sample</a:t>
+                </a:r>
+                <a:endParaRPr lang="en-US" dirty="0"/>
+              </a:p>
+              <a:p>
+                <a:endParaRPr lang="en-US" dirty="0"/>
+              </a:p>
+              <a:p>
+                <a:pPr marL="0" indent="0">
+                  <a:buNone/>
+                </a:pPr>
+                <a14:m>
+                  <m:oMathPara xmlns:m="http://schemas.openxmlformats.org/officeDocument/2006/math">
+                    <m:oMathParaPr>
+                      <m:jc m:val="centerGroup"/>
+                    </m:oMathParaPr>
+                    <m:oMath xmlns:m="http://schemas.openxmlformats.org/officeDocument/2006/math">
+                      <m:sSup>
+                        <m:sSupPr>
+                          <m:ctrlPr>
+                            <a:rPr lang="pt-BR" i="1" smtClean="0">
+                              <a:solidFill>
+                                <a:schemeClr val="bg2"/>
+                              </a:solidFill>
+                              <a:latin typeface="Cambria Math" panose="02040503050406030204" pitchFamily="18" charset="0"/>
+                            </a:rPr>
+                          </m:ctrlPr>
+                        </m:sSupPr>
+                        <m:e>
+                          <m:r>
+                            <m:rPr>
+                              <m:nor/>
+                            </m:rPr>
+                            <a:rPr lang="pt-BR" dirty="0">
+                              <a:solidFill>
+                                <a:schemeClr val="bg2"/>
+                              </a:solidFill>
+                            </a:rPr>
+                            <m:t>1−(1−</m:t>
+                          </m:r>
+                          <m:sSup>
+                            <m:sSupPr>
+                              <m:ctrlPr>
+                                <a:rPr lang="pt-BR" i="1">
+                                  <a:solidFill>
+                                    <a:schemeClr val="bg2"/>
+                                  </a:solidFill>
+                                  <a:latin typeface="Cambria Math" panose="02040503050406030204" pitchFamily="18" charset="0"/>
+                                </a:rPr>
+                              </m:ctrlPr>
+                            </m:sSupPr>
+                            <m:e>
+                              <m:r>
+                                <a:rPr lang="en-US" i="1">
+                                  <a:solidFill>
+                                    <a:schemeClr val="bg2"/>
+                                  </a:solidFill>
+                                  <a:latin typeface="Cambria Math" panose="02040503050406030204" pitchFamily="18" charset="0"/>
+                                </a:rPr>
+                                <m:t>(</m:t>
+                              </m:r>
+                              <m:r>
+                                <a:rPr lang="en-US" i="1" smtClean="0">
+                                  <a:solidFill>
+                                    <a:schemeClr val="tx1"/>
+                                  </a:solidFill>
+                                  <a:latin typeface="Cambria Math" panose="02040503050406030204" pitchFamily="18" charset="0"/>
+                                </a:rPr>
+                                <m:t>1−</m:t>
+                              </m:r>
+                              <m:sSub>
+                                <m:sSubPr>
+                                  <m:ctrlPr>
+                                    <a:rPr lang="en-US" i="1">
+                                      <a:latin typeface="Cambria Math" panose="02040503050406030204" pitchFamily="18" charset="0"/>
+                                    </a:rPr>
+                                  </m:ctrlPr>
+                                </m:sSubPr>
+                                <m:e>
+                                  <m:r>
+                                    <a:rPr lang="en-US" i="1">
+                                      <a:latin typeface="Cambria Math" panose="02040503050406030204" pitchFamily="18" charset="0"/>
+                                    </a:rPr>
+                                    <m:t>𝑝</m:t>
+                                  </m:r>
+                                </m:e>
+                                <m:sub>
+                                  <m:r>
+                                    <a:rPr lang="en-US" i="1">
+                                      <a:latin typeface="Cambria Math" panose="02040503050406030204" pitchFamily="18" charset="0"/>
+                                    </a:rPr>
+                                    <m:t>𝑜</m:t>
+                                  </m:r>
+                                </m:sub>
+                              </m:sSub>
+                              <m:r>
+                                <a:rPr lang="en-US" i="1">
+                                  <a:solidFill>
+                                    <a:schemeClr val="bg2"/>
+                                  </a:solidFill>
+                                  <a:latin typeface="Cambria Math" panose="02040503050406030204" pitchFamily="18" charset="0"/>
+                                </a:rPr>
+                                <m:t>)</m:t>
+                              </m:r>
+                            </m:e>
+                            <m:sup>
+                              <m:r>
+                                <a:rPr lang="en-US" i="1">
+                                  <a:solidFill>
+                                    <a:schemeClr val="bg2"/>
+                                  </a:solidFill>
+                                  <a:latin typeface="Cambria Math" panose="02040503050406030204" pitchFamily="18" charset="0"/>
+                                </a:rPr>
+                                <m:t>𝑠</m:t>
+                              </m:r>
+                            </m:sup>
+                          </m:sSup>
+                          <m:r>
+                            <a:rPr lang="en-US" i="1">
+                              <a:solidFill>
+                                <a:schemeClr val="bg2"/>
+                              </a:solidFill>
+                              <a:latin typeface="Cambria Math" panose="02040503050406030204" pitchFamily="18" charset="0"/>
+                            </a:rPr>
+                            <m:t>)</m:t>
+                          </m:r>
+                        </m:e>
+                        <m:sup>
+                          <m:r>
+                            <a:rPr lang="en-US" i="1">
+                              <a:solidFill>
+                                <a:schemeClr val="bg2"/>
+                              </a:solidFill>
+                              <a:latin typeface="Cambria Math" panose="02040503050406030204" pitchFamily="18" charset="0"/>
+                            </a:rPr>
+                            <m:t>𝑁</m:t>
+                          </m:r>
+                        </m:sup>
+                      </m:sSup>
+                      <m:r>
+                        <a:rPr lang="pt-BR" i="1">
+                          <a:solidFill>
+                            <a:schemeClr val="bg2"/>
+                          </a:solidFill>
+                          <a:latin typeface="Cambria Math" panose="02040503050406030204" pitchFamily="18" charset="0"/>
+                        </a:rPr>
+                        <m:t>=</m:t>
+                      </m:r>
+                      <m:r>
+                        <a:rPr lang="en-US" i="1">
+                          <a:solidFill>
+                            <a:schemeClr val="bg2"/>
+                          </a:solidFill>
+                          <a:latin typeface="Cambria Math" panose="02040503050406030204" pitchFamily="18" charset="0"/>
+                        </a:rPr>
+                        <m:t>𝑝</m:t>
+                      </m:r>
+                    </m:oMath>
+                  </m:oMathPara>
+                </a14:m>
+                <a:endParaRPr lang="en-US" dirty="0">
+                  <a:solidFill>
+                    <a:schemeClr val="bg2"/>
+                  </a:solidFill>
+                </a:endParaRPr>
+              </a:p>
+              <a:p>
+                <a:pPr marL="0" indent="0">
+                  <a:buNone/>
+                </a:pPr>
+                <a:endParaRPr lang="en-US" dirty="0"/>
+              </a:p>
+              <a:p>
+                <a:pPr marL="0" indent="0">
+                  <a:buNone/>
+                </a:pPr>
+                <a:r>
+                  <a:rPr lang="en-US" dirty="0" smtClean="0"/>
+                  <a:t>							</a:t>
+                </a:r>
+                <a:endParaRPr lang="en-US" dirty="0"/>
+              </a:p>
+            </p:txBody>
+          </p:sp>
+        </mc:Choice>
+        <mc:Fallback>
+          <p:sp>
+            <p:nvSpPr>
+              <p:cNvPr id="3" name="Content Placeholder 2"/>
+              <p:cNvSpPr>
+                <a:spLocks noGrp="1" noRot="1" noChangeAspect="1" noMove="1" noResize="1" noEditPoints="1" noAdjustHandles="1" noChangeArrowheads="1" noChangeShapeType="1" noTextEdit="1"/>
+              </p:cNvSpPr>
+              <p:nvPr>
+                <p:ph idx="1"/>
+              </p:nvPr>
+            </p:nvSpPr>
+            <p:spPr>
+              <a:xfrm>
+                <a:off x="491159" y="1066800"/>
+                <a:ext cx="8417313" cy="4957510"/>
+              </a:xfrm>
+              <a:blipFill>
+                <a:blip r:embed="rId3"/>
+                <a:stretch>
+                  <a:fillRect l="-1304" t="-1230" r="-580"/>
+                </a:stretch>
+              </a:blipFill>
+            </p:spPr>
+            <p:txBody>
+              <a:bodyPr/>
+              <a:lstStyle/>
+              <a:p>
+                <a:r>
+                  <a:rPr lang="en-SG">
+                    <a:noFill/>
+                  </a:rPr>
+                  <a:t> </a:t>
+                </a:r>
+              </a:p>
+            </p:txBody>
+          </p:sp>
+        </mc:Fallback>
+      </mc:AlternateContent>
+      <p:sp>
+        <p:nvSpPr>
+          <p:cNvPr id="4" name="Text Placeholder 3"/>
+          <p:cNvSpPr>
+            <a:spLocks noGrp="1"/>
+          </p:cNvSpPr>
+          <p:nvPr>
+            <p:ph type="body" idx="10"/>
+          </p:nvPr>
+        </p:nvSpPr>
+        <p:spPr/>
+        <p:txBody>
+          <a:bodyPr/>
+          <a:lstStyle/>
+          <a:p>
+            <a:endParaRPr lang="en-SG"/>
+          </a:p>
+        </p:txBody>
+      </p:sp>
+      <p:sp>
+        <p:nvSpPr>
+          <p:cNvPr id="5" name="Right Brace 4"/>
+          <p:cNvSpPr/>
+          <p:nvPr/>
+        </p:nvSpPr>
+        <p:spPr>
+          <a:xfrm rot="5400000">
+            <a:off x="4311877" y="4422717"/>
+            <a:ext cx="540437" cy="866500"/>
+          </a:xfrm>
+          <a:prstGeom prst="rightBrace">
+            <a:avLst>
+              <a:gd name="adj1" fmla="val 8333"/>
+              <a:gd name="adj2" fmla="val 48401"/>
+            </a:avLst>
+          </a:prstGeom>
+        </p:spPr>
+        <p:style>
+          <a:lnRef idx="2">
+            <a:schemeClr val="dk1"/>
+          </a:lnRef>
+          <a:fillRef idx="0">
+            <a:schemeClr val="dk1"/>
+          </a:fillRef>
+          <a:effectRef idx="1">
+            <a:schemeClr val="dk1"/>
+          </a:effectRef>
+          <a:fontRef idx="minor">
+            <a:schemeClr val="tx1"/>
+          </a:fontRef>
+        </p:style>
+        <p:txBody>
+          <a:bodyPr rtlCol="0" anchor="ctr"/>
+          <a:lstStyle/>
+          <a:p>
+            <a:pPr algn="ctr"/>
+            <a:endParaRPr lang="en-SG"/>
+          </a:p>
+        </p:txBody>
+      </p:sp>
+      <p:sp>
+        <p:nvSpPr>
+          <p:cNvPr id="6" name="TextBox 5"/>
+          <p:cNvSpPr txBox="1"/>
+          <p:nvPr/>
+        </p:nvSpPr>
+        <p:spPr>
+          <a:xfrm>
+            <a:off x="3460173" y="5193313"/>
+            <a:ext cx="2722418" cy="461665"/>
+          </a:xfrm>
+          <a:prstGeom prst="rect">
+            <a:avLst/>
+          </a:prstGeom>
+          <a:noFill/>
+        </p:spPr>
+        <p:txBody>
+          <a:bodyPr wrap="square" rtlCol="0">
+            <a:spAutoFit/>
+          </a:bodyPr>
+          <a:lstStyle/>
+          <a:p>
+            <a:pPr marL="0" indent="0">
+              <a:buNone/>
+            </a:pPr>
+            <a:r>
+              <a:rPr lang="en-US" b="1" dirty="0"/>
+              <a:t>a</a:t>
+            </a:r>
+            <a:r>
+              <a:rPr lang="en-US" b="1" dirty="0" smtClean="0"/>
+              <a:t> point is </a:t>
+            </a:r>
+            <a:r>
+              <a:rPr lang="en-US" b="1" dirty="0"/>
+              <a:t>a </a:t>
+            </a:r>
+            <a:r>
+              <a:rPr lang="en-US" b="1" dirty="0" smtClean="0"/>
+              <a:t>inlier</a:t>
+            </a:r>
+            <a:endParaRPr lang="en-US" b="1" dirty="0"/>
+          </a:p>
+        </p:txBody>
+      </p:sp>
+    </p:spTree>
+    <p:extLst>
+      <p:ext uri="{BB962C8B-B14F-4D97-AF65-F5344CB8AC3E}">
+        <p14:creationId xmlns:p14="http://schemas.microsoft.com/office/powerpoint/2010/main" val="2222018501"/>
+      </p:ext>
+    </p:extLst>
+  </p:cSld>
+  <p:clrMapOvr>
+    <a:masterClrMapping/>
+  </p:clrMapOvr>
+</p:sld>
+</file>
+
+<file path=ppt/slides/slide2.xml><?xml version="1.0" encoding="utf-8"?>
+<p:sld xmlns:a="http://schemas.openxmlformats.org/drawingml/2006/main" xmlns:r="http://schemas.openxmlformats.org/officeDocument/2006/relationships" xmlns:p="http://schemas.openxmlformats.org/presentationml/2006/main">
+  <p:cSld>
+    <p:spTree>
+      <p:nvGrpSpPr>
+        <p:cNvPr id="1" name=""/>
+        <p:cNvGrpSpPr/>
+        <p:nvPr/>
+      </p:nvGrpSpPr>
+      <p:grpSpPr>
+        <a:xfrm>
+          <a:off x="0" y="0"/>
+          <a:ext cx="0" cy="0"/>
+          <a:chOff x="0" y="0"/>
+          <a:chExt cx="0" cy="0"/>
+        </a:xfrm>
+      </p:grpSpPr>
+      <p:sp>
+        <p:nvSpPr>
+          <p:cNvPr id="2" name="Title 1"/>
+          <p:cNvSpPr>
+            <a:spLocks noGrp="1"/>
+          </p:cNvSpPr>
+          <p:nvPr>
+            <p:ph type="title"/>
+          </p:nvPr>
+        </p:nvSpPr>
+        <p:spPr>
+          <a:xfrm>
+            <a:off x="498475" y="346167"/>
+            <a:ext cx="6624637" cy="674225"/>
+          </a:xfrm>
+        </p:spPr>
+        <p:txBody>
+          <a:bodyPr/>
+          <a:lstStyle/>
+          <a:p>
+            <a:pPr>
+              <a:defRPr/>
+            </a:pPr>
+            <a:r>
+              <a:rPr lang="en-US" sz="2800" b="1" dirty="0">
+                <a:solidFill>
+                  <a:schemeClr val="tx1"/>
+                </a:solidFill>
+                <a:latin typeface="+mn-lt"/>
+                <a:ea typeface="MS PGothic" charset="0"/>
+              </a:rPr>
+              <a:t>OUTLINE</a:t>
+            </a:r>
+          </a:p>
+        </p:txBody>
+      </p:sp>
+      <p:sp>
+        <p:nvSpPr>
+          <p:cNvPr id="61443" name="Content Placeholder 2"/>
+          <p:cNvSpPr>
+            <a:spLocks noGrp="1"/>
+          </p:cNvSpPr>
+          <p:nvPr>
+            <p:ph idx="1"/>
+          </p:nvPr>
+        </p:nvSpPr>
+        <p:spPr bwMode="auto">
+          <a:xfrm>
+            <a:off x="498475" y="1020391"/>
+            <a:ext cx="8289031" cy="4977637"/>
+          </a:xfrm>
+          <a:noFill/>
+          <a:extLst>
+            <a:ext uri="{909E8E84-426E-40DD-AFC4-6F175D3DCCD1}">
+              <a14:hiddenFill xmlns:a14="http://schemas.microsoft.com/office/drawing/2010/main">
+                <a:solidFill>
+                  <a:srgbClr val="FFFFFF"/>
+                </a:solidFill>
+              </a14:hiddenFill>
+            </a:ext>
+            <a:ext uri="{91240B29-F687-4F45-9708-019B960494DF}">
+              <a14:hiddenLine xmlns:a14="http://schemas.microsoft.com/office/drawing/2010/main" w="9525">
+                <a:solidFill>
+                  <a:srgbClr val="000000"/>
+                </a:solidFill>
+                <a:miter lim="800000"/>
+                <a:headEnd/>
+                <a:tailEnd/>
+              </a14:hiddenLine>
+            </a:ext>
+          </a:extLst>
+        </p:spPr>
+        <p:txBody>
+          <a:bodyPr vert="horz" wrap="square" lIns="91440" tIns="45720" rIns="91440" bIns="45720" numCol="1" anchor="t" anchorCtr="0" compatLnSpc="1"/>
+          <a:lstStyle/>
+          <a:p>
+            <a:pPr marL="0" indent="0">
+              <a:spcBef>
+                <a:spcPts val="0"/>
+              </a:spcBef>
+              <a:spcAft>
+                <a:spcPts val="600"/>
+              </a:spcAft>
+              <a:buNone/>
+            </a:pPr>
+            <a:endParaRPr lang="en-US" altLang="en-US" sz="2400" dirty="0">
+              <a:solidFill>
+                <a:schemeClr val="tx1"/>
+              </a:solidFill>
+              <a:latin typeface="Arial" panose="020B0604020202020204" pitchFamily="34" charset="0"/>
+              <a:cs typeface="Arial" panose="020B0604020202020204" pitchFamily="34" charset="0"/>
+            </a:endParaRPr>
+          </a:p>
+          <a:p>
+            <a:pPr>
+              <a:spcBef>
+                <a:spcPts val="0"/>
+              </a:spcBef>
+              <a:spcAft>
+                <a:spcPts val="600"/>
+              </a:spcAft>
+            </a:pPr>
+            <a:r>
+              <a:rPr lang="en-US" altLang="en-US" sz="2400" dirty="0">
+                <a:solidFill>
+                  <a:schemeClr val="tx1"/>
+                </a:solidFill>
+                <a:latin typeface="Arial" panose="020B0604020202020204" pitchFamily="34" charset="0"/>
+                <a:cs typeface="Arial" panose="020B0604020202020204" pitchFamily="34" charset="0"/>
+              </a:rPr>
+              <a:t>Project Objective</a:t>
+            </a:r>
+          </a:p>
+          <a:p>
+            <a:pPr>
+              <a:spcBef>
+                <a:spcPts val="0"/>
+              </a:spcBef>
+              <a:spcAft>
+                <a:spcPts val="600"/>
+              </a:spcAft>
+            </a:pPr>
+            <a:endParaRPr lang="en-US" altLang="en-US" sz="2400" dirty="0">
+              <a:solidFill>
+                <a:schemeClr val="tx1"/>
+              </a:solidFill>
+              <a:latin typeface="Arial" panose="020B0604020202020204" pitchFamily="34" charset="0"/>
+              <a:cs typeface="Arial" panose="020B0604020202020204" pitchFamily="34" charset="0"/>
+            </a:endParaRPr>
+          </a:p>
+          <a:p>
+            <a:pPr>
+              <a:spcBef>
+                <a:spcPts val="0"/>
+              </a:spcBef>
+              <a:spcAft>
+                <a:spcPts val="600"/>
+              </a:spcAft>
+            </a:pPr>
+            <a:r>
+              <a:rPr lang="en-US" altLang="en-US" sz="2400" dirty="0">
+                <a:solidFill>
+                  <a:schemeClr val="tx1"/>
+                </a:solidFill>
+                <a:latin typeface="Arial" panose="020B0604020202020204" pitchFamily="34" charset="0"/>
+                <a:cs typeface="Arial" panose="020B0604020202020204" pitchFamily="34" charset="0"/>
+              </a:rPr>
+              <a:t>Problem Formulation</a:t>
+            </a:r>
+          </a:p>
+          <a:p>
+            <a:pPr>
+              <a:spcBef>
+                <a:spcPts val="0"/>
+              </a:spcBef>
+              <a:spcAft>
+                <a:spcPts val="600"/>
+              </a:spcAft>
+            </a:pPr>
+            <a:endParaRPr lang="en-US" altLang="en-US" sz="2400" dirty="0">
+              <a:solidFill>
+                <a:schemeClr val="tx1"/>
+              </a:solidFill>
+              <a:latin typeface="Arial" panose="020B0604020202020204" pitchFamily="34" charset="0"/>
+              <a:cs typeface="Arial" panose="020B0604020202020204" pitchFamily="34" charset="0"/>
+            </a:endParaRPr>
+          </a:p>
+          <a:p>
+            <a:pPr>
+              <a:spcBef>
+                <a:spcPts val="0"/>
+              </a:spcBef>
+              <a:spcAft>
+                <a:spcPts val="600"/>
+              </a:spcAft>
+            </a:pPr>
+            <a:r>
+              <a:rPr lang="en-US" altLang="en-US" sz="2400" dirty="0">
+                <a:solidFill>
+                  <a:schemeClr val="tx1"/>
+                </a:solidFill>
+                <a:latin typeface="Arial" panose="020B0604020202020204" pitchFamily="34" charset="0"/>
+                <a:cs typeface="Arial" panose="020B0604020202020204" pitchFamily="34" charset="0"/>
+              </a:rPr>
+              <a:t>Problem Definition</a:t>
+            </a:r>
+          </a:p>
+          <a:p>
+            <a:pPr>
+              <a:spcBef>
+                <a:spcPts val="0"/>
+              </a:spcBef>
+              <a:spcAft>
+                <a:spcPts val="600"/>
+              </a:spcAft>
+            </a:pPr>
+            <a:endParaRPr lang="en-US" altLang="en-US" sz="2400" dirty="0">
+              <a:solidFill>
+                <a:schemeClr val="tx1"/>
+              </a:solidFill>
+              <a:latin typeface="Arial" panose="020B0604020202020204" pitchFamily="34" charset="0"/>
+              <a:cs typeface="Arial" panose="020B0604020202020204" pitchFamily="34" charset="0"/>
+            </a:endParaRPr>
+          </a:p>
+          <a:p>
+            <a:pPr>
+              <a:spcBef>
+                <a:spcPts val="0"/>
+              </a:spcBef>
+              <a:spcAft>
+                <a:spcPts val="600"/>
+              </a:spcAft>
+            </a:pPr>
+            <a:r>
+              <a:rPr lang="en-US" altLang="en-US" sz="2400" dirty="0">
+                <a:solidFill>
+                  <a:schemeClr val="tx1"/>
+                </a:solidFill>
+                <a:latin typeface="Arial" panose="020B0604020202020204" pitchFamily="34" charset="0"/>
+                <a:cs typeface="Arial" panose="020B0604020202020204" pitchFamily="34" charset="0"/>
+              </a:rPr>
+              <a:t>Algorithm</a:t>
+            </a:r>
+          </a:p>
+          <a:p>
+            <a:pPr>
+              <a:spcBef>
+                <a:spcPts val="0"/>
+              </a:spcBef>
+              <a:spcAft>
+                <a:spcPts val="600"/>
+              </a:spcAft>
+            </a:pPr>
+            <a:endParaRPr lang="en-US" altLang="en-US" sz="2400" dirty="0">
+              <a:solidFill>
+                <a:schemeClr val="tx1"/>
+              </a:solidFill>
+              <a:latin typeface="Arial" panose="020B0604020202020204" pitchFamily="34" charset="0"/>
+              <a:cs typeface="Arial" panose="020B0604020202020204" pitchFamily="34" charset="0"/>
+            </a:endParaRPr>
+          </a:p>
+          <a:p>
+            <a:pPr>
+              <a:spcBef>
+                <a:spcPts val="0"/>
+              </a:spcBef>
+              <a:spcAft>
+                <a:spcPts val="600"/>
+              </a:spcAft>
+            </a:pPr>
+            <a:r>
+              <a:rPr lang="en-US" altLang="en-US" sz="2400" dirty="0">
+                <a:solidFill>
+                  <a:schemeClr val="tx1"/>
+                </a:solidFill>
+                <a:latin typeface="Arial" panose="020B0604020202020204" pitchFamily="34" charset="0"/>
+                <a:cs typeface="Arial" panose="020B0604020202020204" pitchFamily="34" charset="0"/>
+              </a:rPr>
+              <a:t>Summary</a:t>
+            </a:r>
+          </a:p>
+        </p:txBody>
+      </p:sp>
+    </p:spTree>
+  </p:cSld>
+  <p:clrMapOvr>
+    <a:masterClrMapping/>
+  </p:clrMapOvr>
+</p:sld>
+</file>
+
+<file path=ppt/slides/slide20.xml><?xml version="1.0" encoding="utf-8"?>
 <p:sld xmlns:a="http://schemas.openxmlformats.org/drawingml/2006/main" xmlns:r="http://schemas.openxmlformats.org/officeDocument/2006/relationships" xmlns:p="http://schemas.openxmlformats.org/presentationml/2006/main">
   <p:cSld>
     <p:spTree>
@@ -22129,705 +22974,9 @@
                             <m:rPr>
                               <m:nor/>
                             </m:rPr>
-                            <a:rPr lang="pt-BR" dirty="0">
+                            <a:rPr lang="pt-BR" dirty="0" smtClean="0">
                               <a:solidFill>
-                                <a:schemeClr val="bg2"/>
-                              </a:solidFill>
-                            </a:rPr>
-                            <m:t>1−</m:t>
-                          </m:r>
-                          <m:sSup>
-                            <m:sSupPr>
-                              <m:ctrlPr>
-                                <a:rPr lang="pt-BR" i="1">
-                                  <a:solidFill>
-                                    <a:schemeClr val="bg2"/>
-                                  </a:solidFill>
-                                  <a:latin typeface="Cambria Math" panose="02040503050406030204" pitchFamily="18" charset="0"/>
-                                </a:rPr>
-                              </m:ctrlPr>
-                            </m:sSupPr>
-                            <m:e>
-                              <m:r>
-                                <a:rPr lang="en-US" i="1">
-                                  <a:solidFill>
-                                    <a:schemeClr val="bg2"/>
-                                  </a:solidFill>
-                                  <a:latin typeface="Cambria Math" panose="02040503050406030204" pitchFamily="18" charset="0"/>
-                                </a:rPr>
-                                <m:t>(</m:t>
-                              </m:r>
-                              <m:r>
-                                <a:rPr lang="en-US" i="1" smtClean="0">
-                                  <a:solidFill>
-                                    <a:schemeClr val="tx1"/>
-                                  </a:solidFill>
-                                  <a:latin typeface="Cambria Math" panose="02040503050406030204" pitchFamily="18" charset="0"/>
-                                </a:rPr>
-                                <m:t>1−</m:t>
-                              </m:r>
-                              <m:sSub>
-                                <m:sSubPr>
-                                  <m:ctrlPr>
-                                    <a:rPr lang="en-US" i="1">
-                                      <a:latin typeface="Cambria Math" panose="02040503050406030204" pitchFamily="18" charset="0"/>
-                                    </a:rPr>
-                                  </m:ctrlPr>
-                                </m:sSubPr>
-                                <m:e>
-                                  <m:r>
-                                    <a:rPr lang="en-US" i="1">
-                                      <a:latin typeface="Cambria Math" panose="02040503050406030204" pitchFamily="18" charset="0"/>
-                                    </a:rPr>
-                                    <m:t>𝑝</m:t>
-                                  </m:r>
-                                </m:e>
-                                <m:sub>
-                                  <m:r>
-                                    <a:rPr lang="en-US" i="1">
-                                      <a:latin typeface="Cambria Math" panose="02040503050406030204" pitchFamily="18" charset="0"/>
-                                    </a:rPr>
-                                    <m:t>𝑜</m:t>
-                                  </m:r>
-                                </m:sub>
-                              </m:sSub>
-                              <m:r>
-                                <a:rPr lang="en-US" i="1">
-                                  <a:solidFill>
-                                    <a:schemeClr val="bg2"/>
-                                  </a:solidFill>
-                                  <a:latin typeface="Cambria Math" panose="02040503050406030204" pitchFamily="18" charset="0"/>
-                                </a:rPr>
-                                <m:t>)</m:t>
-                              </m:r>
-                            </m:e>
-                            <m:sup>
-                              <m:r>
-                                <a:rPr lang="en-US" i="1">
-                                  <a:solidFill>
-                                    <a:schemeClr val="bg2"/>
-                                  </a:solidFill>
-                                  <a:latin typeface="Cambria Math" panose="02040503050406030204" pitchFamily="18" charset="0"/>
-                                </a:rPr>
-                                <m:t>𝑠</m:t>
-                              </m:r>
-                            </m:sup>
-                          </m:sSup>
-                          <m:r>
-                            <a:rPr lang="en-US" i="1">
-                              <a:solidFill>
-                                <a:schemeClr val="bg2"/>
-                              </a:solidFill>
-                              <a:latin typeface="Cambria Math" panose="02040503050406030204" pitchFamily="18" charset="0"/>
-                            </a:rPr>
-                            <m:t>)</m:t>
-                          </m:r>
-                        </m:e>
-                        <m:sup>
-                          <m:r>
-                            <a:rPr lang="en-US" i="1">
-                              <a:solidFill>
-                                <a:schemeClr val="bg2"/>
-                              </a:solidFill>
-                              <a:latin typeface="Cambria Math" panose="02040503050406030204" pitchFamily="18" charset="0"/>
-                            </a:rPr>
-                            <m:t>𝑁</m:t>
-                          </m:r>
-                        </m:sup>
-                      </m:sSup>
-                      <m:r>
-                        <a:rPr lang="pt-BR" i="1">
-                          <a:solidFill>
-                            <a:schemeClr val="bg2"/>
-                          </a:solidFill>
-                          <a:latin typeface="Cambria Math" panose="02040503050406030204" pitchFamily="18" charset="0"/>
-                        </a:rPr>
-                        <m:t>=</m:t>
-                      </m:r>
-                      <m:r>
-                        <a:rPr lang="en-US" i="1">
-                          <a:solidFill>
-                            <a:schemeClr val="bg2"/>
-                          </a:solidFill>
-                          <a:latin typeface="Cambria Math" panose="02040503050406030204" pitchFamily="18" charset="0"/>
-                        </a:rPr>
-                        <m:t>𝑝</m:t>
-                      </m:r>
-                    </m:oMath>
-                  </m:oMathPara>
-                </a14:m>
-                <a:endParaRPr lang="en-US" dirty="0">
-                  <a:solidFill>
-                    <a:schemeClr val="bg2"/>
-                  </a:solidFill>
-                </a:endParaRPr>
-              </a:p>
-              <a:p>
-                <a:pPr marL="0" indent="0">
-                  <a:buNone/>
-                </a:pPr>
-                <a:endParaRPr lang="en-US" dirty="0"/>
-              </a:p>
-              <a:p>
-                <a:pPr marL="0" indent="0">
-                  <a:buNone/>
-                </a:pPr>
-                <a:endParaRPr lang="en-US" dirty="0"/>
-              </a:p>
-              <a:p>
-                <a:endParaRPr lang="en-SG" dirty="0"/>
-              </a:p>
-            </p:txBody>
-          </p:sp>
-        </mc:Choice>
-        <mc:Fallback>
-          <p:sp>
-            <p:nvSpPr>
-              <p:cNvPr id="3" name="Content Placeholder 2"/>
-              <p:cNvSpPr>
-                <a:spLocks noGrp="1" noRot="1" noChangeAspect="1" noMove="1" noResize="1" noEditPoints="1" noAdjustHandles="1" noChangeArrowheads="1" noChangeShapeType="1" noTextEdit="1"/>
-              </p:cNvSpPr>
-              <p:nvPr>
-                <p:ph idx="1"/>
-              </p:nvPr>
-            </p:nvSpPr>
-            <p:spPr>
-              <a:xfrm>
-                <a:off x="491159" y="1066800"/>
-                <a:ext cx="8417313" cy="4957510"/>
-              </a:xfrm>
-              <a:blipFill>
-                <a:blip r:embed="rId2"/>
-                <a:stretch>
-                  <a:fillRect l="-1304" t="-1230" r="-580"/>
-                </a:stretch>
-              </a:blipFill>
-            </p:spPr>
-            <p:txBody>
-              <a:bodyPr/>
-              <a:lstStyle/>
-              <a:p>
-                <a:r>
-                  <a:rPr lang="en-SG">
-                    <a:noFill/>
-                  </a:rPr>
-                  <a:t> </a:t>
-                </a:r>
-              </a:p>
-            </p:txBody>
-          </p:sp>
-        </mc:Fallback>
-      </mc:AlternateContent>
-      <p:sp>
-        <p:nvSpPr>
-          <p:cNvPr id="4" name="Text Placeholder 3"/>
-          <p:cNvSpPr>
-            <a:spLocks noGrp="1"/>
-          </p:cNvSpPr>
-          <p:nvPr>
-            <p:ph type="body" idx="10"/>
-          </p:nvPr>
-        </p:nvSpPr>
-        <p:spPr/>
-        <p:txBody>
-          <a:bodyPr/>
-          <a:lstStyle/>
-          <a:p>
-            <a:endParaRPr lang="en-SG"/>
-          </a:p>
-        </p:txBody>
-      </p:sp>
-    </p:spTree>
-    <p:extLst>
-      <p:ext uri="{BB962C8B-B14F-4D97-AF65-F5344CB8AC3E}">
-        <p14:creationId xmlns:p14="http://schemas.microsoft.com/office/powerpoint/2010/main" val="2222018501"/>
-      </p:ext>
-    </p:extLst>
-  </p:cSld>
-  <p:clrMapOvr>
-    <a:masterClrMapping/>
-  </p:clrMapOvr>
-</p:sld>
-</file>
-
-<file path=ppt/slides/slide2.xml><?xml version="1.0" encoding="utf-8"?>
-<p:sld xmlns:a="http://schemas.openxmlformats.org/drawingml/2006/main" xmlns:r="http://schemas.openxmlformats.org/officeDocument/2006/relationships" xmlns:p="http://schemas.openxmlformats.org/presentationml/2006/main">
-  <p:cSld>
-    <p:spTree>
-      <p:nvGrpSpPr>
-        <p:cNvPr id="1" name=""/>
-        <p:cNvGrpSpPr/>
-        <p:nvPr/>
-      </p:nvGrpSpPr>
-      <p:grpSpPr>
-        <a:xfrm>
-          <a:off x="0" y="0"/>
-          <a:ext cx="0" cy="0"/>
-          <a:chOff x="0" y="0"/>
-          <a:chExt cx="0" cy="0"/>
-        </a:xfrm>
-      </p:grpSpPr>
-      <p:sp>
-        <p:nvSpPr>
-          <p:cNvPr id="2" name="Title 1"/>
-          <p:cNvSpPr>
-            <a:spLocks noGrp="1"/>
-          </p:cNvSpPr>
-          <p:nvPr>
-            <p:ph type="title"/>
-          </p:nvPr>
-        </p:nvSpPr>
-        <p:spPr>
-          <a:xfrm>
-            <a:off x="498475" y="346167"/>
-            <a:ext cx="6624637" cy="674225"/>
-          </a:xfrm>
-        </p:spPr>
-        <p:txBody>
-          <a:bodyPr/>
-          <a:lstStyle/>
-          <a:p>
-            <a:pPr>
-              <a:defRPr/>
-            </a:pPr>
-            <a:r>
-              <a:rPr lang="en-US" sz="2800" b="1" dirty="0">
-                <a:solidFill>
-                  <a:schemeClr val="tx1"/>
-                </a:solidFill>
-                <a:latin typeface="+mn-lt"/>
-                <a:ea typeface="MS PGothic" charset="0"/>
-              </a:rPr>
-              <a:t>OUTLINE</a:t>
-            </a:r>
-          </a:p>
-        </p:txBody>
-      </p:sp>
-      <p:sp>
-        <p:nvSpPr>
-          <p:cNvPr id="61443" name="Content Placeholder 2"/>
-          <p:cNvSpPr>
-            <a:spLocks noGrp="1"/>
-          </p:cNvSpPr>
-          <p:nvPr>
-            <p:ph idx="1"/>
-          </p:nvPr>
-        </p:nvSpPr>
-        <p:spPr bwMode="auto">
-          <a:xfrm>
-            <a:off x="498475" y="1020391"/>
-            <a:ext cx="8289031" cy="4977637"/>
-          </a:xfrm>
-          <a:noFill/>
-          <a:extLst>
-            <a:ext uri="{909E8E84-426E-40DD-AFC4-6F175D3DCCD1}">
-              <a14:hiddenFill xmlns:a14="http://schemas.microsoft.com/office/drawing/2010/main">
-                <a:solidFill>
-                  <a:srgbClr val="FFFFFF"/>
-                </a:solidFill>
-              </a14:hiddenFill>
-            </a:ext>
-            <a:ext uri="{91240B29-F687-4F45-9708-019B960494DF}">
-              <a14:hiddenLine xmlns:a14="http://schemas.microsoft.com/office/drawing/2010/main" w="9525">
-                <a:solidFill>
-                  <a:srgbClr val="000000"/>
-                </a:solidFill>
-                <a:miter lim="800000"/>
-                <a:headEnd/>
-                <a:tailEnd/>
-              </a14:hiddenLine>
-            </a:ext>
-          </a:extLst>
-        </p:spPr>
-        <p:txBody>
-          <a:bodyPr vert="horz" wrap="square" lIns="91440" tIns="45720" rIns="91440" bIns="45720" numCol="1" anchor="t" anchorCtr="0" compatLnSpc="1"/>
-          <a:lstStyle/>
-          <a:p>
-            <a:pPr marL="0" indent="0">
-              <a:spcBef>
-                <a:spcPts val="0"/>
-              </a:spcBef>
-              <a:spcAft>
-                <a:spcPts val="600"/>
-              </a:spcAft>
-              <a:buNone/>
-            </a:pPr>
-            <a:endParaRPr lang="en-US" altLang="en-US" sz="2400" dirty="0">
-              <a:solidFill>
-                <a:schemeClr val="tx1"/>
-              </a:solidFill>
-              <a:latin typeface="Arial" panose="020B0604020202020204" pitchFamily="34" charset="0"/>
-              <a:cs typeface="Arial" panose="020B0604020202020204" pitchFamily="34" charset="0"/>
-            </a:endParaRPr>
-          </a:p>
-          <a:p>
-            <a:pPr>
-              <a:spcBef>
-                <a:spcPts val="0"/>
-              </a:spcBef>
-              <a:spcAft>
-                <a:spcPts val="600"/>
-              </a:spcAft>
-            </a:pPr>
-            <a:r>
-              <a:rPr lang="en-US" altLang="en-US" sz="2400" dirty="0">
-                <a:solidFill>
-                  <a:schemeClr val="tx1"/>
-                </a:solidFill>
-                <a:latin typeface="Arial" panose="020B0604020202020204" pitchFamily="34" charset="0"/>
-                <a:cs typeface="Arial" panose="020B0604020202020204" pitchFamily="34" charset="0"/>
-              </a:rPr>
-              <a:t>Project Objective</a:t>
-            </a:r>
-          </a:p>
-          <a:p>
-            <a:pPr>
-              <a:spcBef>
-                <a:spcPts val="0"/>
-              </a:spcBef>
-              <a:spcAft>
-                <a:spcPts val="600"/>
-              </a:spcAft>
-            </a:pPr>
-            <a:endParaRPr lang="en-US" altLang="en-US" sz="2400" dirty="0">
-              <a:solidFill>
-                <a:schemeClr val="tx1"/>
-              </a:solidFill>
-              <a:latin typeface="Arial" panose="020B0604020202020204" pitchFamily="34" charset="0"/>
-              <a:cs typeface="Arial" panose="020B0604020202020204" pitchFamily="34" charset="0"/>
-            </a:endParaRPr>
-          </a:p>
-          <a:p>
-            <a:pPr>
-              <a:spcBef>
-                <a:spcPts val="0"/>
-              </a:spcBef>
-              <a:spcAft>
-                <a:spcPts val="600"/>
-              </a:spcAft>
-            </a:pPr>
-            <a:r>
-              <a:rPr lang="en-US" altLang="en-US" sz="2400" dirty="0">
-                <a:solidFill>
-                  <a:schemeClr val="tx1"/>
-                </a:solidFill>
-                <a:latin typeface="Arial" panose="020B0604020202020204" pitchFamily="34" charset="0"/>
-                <a:cs typeface="Arial" panose="020B0604020202020204" pitchFamily="34" charset="0"/>
-              </a:rPr>
-              <a:t>Problem Formulation</a:t>
-            </a:r>
-          </a:p>
-          <a:p>
-            <a:pPr>
-              <a:spcBef>
-                <a:spcPts val="0"/>
-              </a:spcBef>
-              <a:spcAft>
-                <a:spcPts val="600"/>
-              </a:spcAft>
-            </a:pPr>
-            <a:endParaRPr lang="en-US" altLang="en-US" sz="2400" dirty="0">
-              <a:solidFill>
-                <a:schemeClr val="tx1"/>
-              </a:solidFill>
-              <a:latin typeface="Arial" panose="020B0604020202020204" pitchFamily="34" charset="0"/>
-              <a:cs typeface="Arial" panose="020B0604020202020204" pitchFamily="34" charset="0"/>
-            </a:endParaRPr>
-          </a:p>
-          <a:p>
-            <a:pPr>
-              <a:spcBef>
-                <a:spcPts val="0"/>
-              </a:spcBef>
-              <a:spcAft>
-                <a:spcPts val="600"/>
-              </a:spcAft>
-            </a:pPr>
-            <a:r>
-              <a:rPr lang="en-US" altLang="en-US" sz="2400" dirty="0">
-                <a:solidFill>
-                  <a:schemeClr val="tx1"/>
-                </a:solidFill>
-                <a:latin typeface="Arial" panose="020B0604020202020204" pitchFamily="34" charset="0"/>
-                <a:cs typeface="Arial" panose="020B0604020202020204" pitchFamily="34" charset="0"/>
-              </a:rPr>
-              <a:t>Problem Definition</a:t>
-            </a:r>
-          </a:p>
-          <a:p>
-            <a:pPr>
-              <a:spcBef>
-                <a:spcPts val="0"/>
-              </a:spcBef>
-              <a:spcAft>
-                <a:spcPts val="600"/>
-              </a:spcAft>
-            </a:pPr>
-            <a:endParaRPr lang="en-US" altLang="en-US" sz="2400" dirty="0">
-              <a:solidFill>
-                <a:schemeClr val="tx1"/>
-              </a:solidFill>
-              <a:latin typeface="Arial" panose="020B0604020202020204" pitchFamily="34" charset="0"/>
-              <a:cs typeface="Arial" panose="020B0604020202020204" pitchFamily="34" charset="0"/>
-            </a:endParaRPr>
-          </a:p>
-          <a:p>
-            <a:pPr>
-              <a:spcBef>
-                <a:spcPts val="0"/>
-              </a:spcBef>
-              <a:spcAft>
-                <a:spcPts val="600"/>
-              </a:spcAft>
-            </a:pPr>
-            <a:r>
-              <a:rPr lang="en-US" altLang="en-US" sz="2400" dirty="0">
-                <a:solidFill>
-                  <a:schemeClr val="tx1"/>
-                </a:solidFill>
-                <a:latin typeface="Arial" panose="020B0604020202020204" pitchFamily="34" charset="0"/>
-                <a:cs typeface="Arial" panose="020B0604020202020204" pitchFamily="34" charset="0"/>
-              </a:rPr>
-              <a:t>Algorithm</a:t>
-            </a:r>
-          </a:p>
-          <a:p>
-            <a:pPr>
-              <a:spcBef>
-                <a:spcPts val="0"/>
-              </a:spcBef>
-              <a:spcAft>
-                <a:spcPts val="600"/>
-              </a:spcAft>
-            </a:pPr>
-            <a:endParaRPr lang="en-US" altLang="en-US" sz="2400" dirty="0">
-              <a:solidFill>
-                <a:schemeClr val="tx1"/>
-              </a:solidFill>
-              <a:latin typeface="Arial" panose="020B0604020202020204" pitchFamily="34" charset="0"/>
-              <a:cs typeface="Arial" panose="020B0604020202020204" pitchFamily="34" charset="0"/>
-            </a:endParaRPr>
-          </a:p>
-          <a:p>
-            <a:pPr>
-              <a:spcBef>
-                <a:spcPts val="0"/>
-              </a:spcBef>
-              <a:spcAft>
-                <a:spcPts val="600"/>
-              </a:spcAft>
-            </a:pPr>
-            <a:r>
-              <a:rPr lang="en-US" altLang="en-US" sz="2400" dirty="0">
-                <a:solidFill>
-                  <a:schemeClr val="tx1"/>
-                </a:solidFill>
-                <a:latin typeface="Arial" panose="020B0604020202020204" pitchFamily="34" charset="0"/>
-                <a:cs typeface="Arial" panose="020B0604020202020204" pitchFamily="34" charset="0"/>
-              </a:rPr>
-              <a:t>Summary</a:t>
-            </a:r>
-          </a:p>
-        </p:txBody>
-      </p:sp>
-    </p:spTree>
-  </p:cSld>
-  <p:clrMapOvr>
-    <a:masterClrMapping/>
-  </p:clrMapOvr>
-</p:sld>
-</file>
-
-<file path=ppt/slides/slide20.xml><?xml version="1.0" encoding="utf-8"?>
-<p:sld xmlns:a="http://schemas.openxmlformats.org/drawingml/2006/main" xmlns:r="http://schemas.openxmlformats.org/officeDocument/2006/relationships" xmlns:p="http://schemas.openxmlformats.org/presentationml/2006/main">
-  <p:cSld>
-    <p:spTree>
-      <p:nvGrpSpPr>
-        <p:cNvPr id="1" name=""/>
-        <p:cNvGrpSpPr/>
-        <p:nvPr/>
-      </p:nvGrpSpPr>
-      <p:grpSpPr>
-        <a:xfrm>
-          <a:off x="0" y="0"/>
-          <a:ext cx="0" cy="0"/>
-          <a:chOff x="0" y="0"/>
-          <a:chExt cx="0" cy="0"/>
-        </a:xfrm>
-      </p:grpSpPr>
-      <p:sp>
-        <p:nvSpPr>
-          <p:cNvPr id="2" name="Title 1"/>
-          <p:cNvSpPr>
-            <a:spLocks noGrp="1"/>
-          </p:cNvSpPr>
-          <p:nvPr>
-            <p:ph type="title"/>
-          </p:nvPr>
-        </p:nvSpPr>
-        <p:spPr/>
-        <p:txBody>
-          <a:bodyPr/>
-          <a:lstStyle/>
-          <a:p>
-            <a:r>
-              <a:rPr lang="en-US" dirty="0" smtClean="0"/>
-              <a:t>Parameters</a:t>
-            </a:r>
-            <a:endParaRPr lang="en-SG" dirty="0"/>
-          </a:p>
-        </p:txBody>
-      </p:sp>
-      <mc:AlternateContent xmlns:mc="http://schemas.openxmlformats.org/markup-compatibility/2006">
-        <mc:Choice xmlns:a14="http://schemas.microsoft.com/office/drawing/2010/main" Requires="a14">
-          <p:sp>
-            <p:nvSpPr>
-              <p:cNvPr id="3" name="Content Placeholder 2"/>
-              <p:cNvSpPr>
-                <a:spLocks noGrp="1"/>
-              </p:cNvSpPr>
-              <p:nvPr>
-                <p:ph idx="1"/>
-              </p:nvPr>
-            </p:nvSpPr>
-            <p:spPr>
-              <a:xfrm>
-                <a:off x="491159" y="1066800"/>
-                <a:ext cx="8417313" cy="4957510"/>
-              </a:xfrm>
-            </p:spPr>
-            <p:txBody>
-              <a:bodyPr/>
-              <a:lstStyle/>
-              <a:p>
-                <a:r>
-                  <a:rPr lang="en-US" dirty="0" smtClean="0"/>
-                  <a:t>N – the number of iterations required (samples)</a:t>
-                </a:r>
-              </a:p>
-              <a:p>
-                <a:pPr lvl="1">
-                  <a:buFont typeface="Wingdings" panose="05000000000000000000" pitchFamily="2" charset="2"/>
-                  <a:buChar char="§"/>
-                </a:pPr>
-                <a14:m>
-                  <m:oMath xmlns:m="http://schemas.openxmlformats.org/officeDocument/2006/math">
-                    <m:sSub>
-                      <m:sSubPr>
-                        <m:ctrlPr>
-                          <a:rPr lang="en-US" i="1" smtClean="0">
-                            <a:latin typeface="Cambria Math" panose="02040503050406030204" pitchFamily="18" charset="0"/>
-                          </a:rPr>
-                        </m:ctrlPr>
-                      </m:sSubPr>
-                      <m:e>
-                        <m:r>
-                          <a:rPr lang="en-US" b="0" i="1" smtClean="0">
-                            <a:latin typeface="Cambria Math" panose="02040503050406030204" pitchFamily="18" charset="0"/>
-                          </a:rPr>
-                          <m:t>𝑝</m:t>
-                        </m:r>
-                      </m:e>
-                      <m:sub>
-                        <m:r>
-                          <a:rPr lang="en-US" b="0" i="1" smtClean="0">
-                            <a:latin typeface="Cambria Math" panose="02040503050406030204" pitchFamily="18" charset="0"/>
-                          </a:rPr>
-                          <m:t>𝑜</m:t>
-                        </m:r>
-                      </m:sub>
-                    </m:sSub>
-                  </m:oMath>
-                </a14:m>
-                <a:r>
-                  <a:rPr lang="en-US" dirty="0" smtClean="0"/>
-                  <a:t> = probability that a point is an outlier</a:t>
-                </a:r>
-              </a:p>
-              <a:p>
-                <a:pPr lvl="1">
-                  <a:buFont typeface="Wingdings" panose="05000000000000000000" pitchFamily="2" charset="2"/>
-                  <a:buChar char="§"/>
-                </a:pPr>
-                <a:r>
-                  <a:rPr lang="en-US" dirty="0" smtClean="0"/>
-                  <a:t>s   = number of pairs in a sample</a:t>
-                </a:r>
-              </a:p>
-              <a:p>
-                <a:pPr lvl="1">
-                  <a:buFont typeface="Wingdings" panose="05000000000000000000" pitchFamily="2" charset="2"/>
-                  <a:buChar char="§"/>
-                </a:pPr>
-                <a:r>
-                  <a:rPr lang="en-US" dirty="0" smtClean="0"/>
-                  <a:t>N  = number of samples</a:t>
-                </a:r>
-              </a:p>
-              <a:p>
-                <a:pPr lvl="1">
-                  <a:buFont typeface="Wingdings" panose="05000000000000000000" pitchFamily="2" charset="2"/>
-                  <a:buChar char="§"/>
-                </a:pPr>
-                <a14:m>
-                  <m:oMath xmlns:m="http://schemas.openxmlformats.org/officeDocument/2006/math">
-                    <m:r>
-                      <a:rPr lang="en-US" i="1">
-                        <a:latin typeface="Cambria Math" panose="02040503050406030204" pitchFamily="18" charset="0"/>
-                      </a:rPr>
-                      <m:t>𝑝</m:t>
-                    </m:r>
-                  </m:oMath>
-                </a14:m>
-                <a:r>
-                  <a:rPr lang="en-US" dirty="0" smtClean="0"/>
-                  <a:t>   = desired probability that get a good sample</a:t>
-                </a:r>
-                <a:endParaRPr lang="en-US" dirty="0"/>
-              </a:p>
-              <a:p>
-                <a:endParaRPr lang="en-US" dirty="0"/>
-              </a:p>
-              <a:p>
-                <a:pPr marL="0" indent="0">
-                  <a:buNone/>
-                </a:pPr>
-                <a14:m>
-                  <m:oMathPara xmlns:m="http://schemas.openxmlformats.org/officeDocument/2006/math">
-                    <m:oMathParaPr>
-                      <m:jc m:val="centerGroup"/>
-                    </m:oMathParaPr>
-                    <m:oMath xmlns:m="http://schemas.openxmlformats.org/officeDocument/2006/math">
-                      <m:sSup>
-                        <m:sSupPr>
-                          <m:ctrlPr>
-                            <a:rPr lang="pt-BR" i="1" smtClean="0">
-                              <a:solidFill>
-                                <a:schemeClr val="bg2"/>
-                              </a:solidFill>
-                              <a:latin typeface="Cambria Math" panose="02040503050406030204" pitchFamily="18" charset="0"/>
-                            </a:rPr>
-                          </m:ctrlPr>
-                        </m:sSupPr>
-                        <m:e>
-                          <m:r>
-                            <m:rPr>
-                              <m:nor/>
-                            </m:rPr>
-                            <a:rPr lang="pt-BR" dirty="0">
-                              <a:solidFill>
-                                <a:schemeClr val="bg2"/>
-                              </a:solidFill>
-                            </a:rPr>
-                            <m:t>1−(</m:t>
-                          </m:r>
-                          <m:r>
-                            <m:rPr>
-                              <m:nor/>
-                            </m:rPr>
-                            <a:rPr lang="pt-BR" dirty="0">
-                              <a:solidFill>
-                                <a:schemeClr val="bg2"/>
+                                <a:schemeClr val="tx1"/>
                               </a:solidFill>
                             </a:rPr>
                             <m:t>1−</m:t>
@@ -23033,6 +23182,80 @@
           </a:p>
         </p:txBody>
       </p:sp>
+      <p:sp>
+        <p:nvSpPr>
+          <p:cNvPr id="5" name="Right Brace 4"/>
+          <p:cNvSpPr/>
+          <p:nvPr/>
+        </p:nvSpPr>
+        <p:spPr>
+          <a:xfrm rot="5400000">
+            <a:off x="4170163" y="4059332"/>
+            <a:ext cx="540437" cy="1593273"/>
+          </a:xfrm>
+          <a:prstGeom prst="rightBrace">
+            <a:avLst>
+              <a:gd name="adj1" fmla="val 8333"/>
+              <a:gd name="adj2" fmla="val 48401"/>
+            </a:avLst>
+          </a:prstGeom>
+        </p:spPr>
+        <p:style>
+          <a:lnRef idx="2">
+            <a:schemeClr val="dk1"/>
+          </a:lnRef>
+          <a:fillRef idx="0">
+            <a:schemeClr val="dk1"/>
+          </a:fillRef>
+          <a:effectRef idx="1">
+            <a:schemeClr val="dk1"/>
+          </a:effectRef>
+          <a:fontRef idx="minor">
+            <a:schemeClr val="tx1"/>
+          </a:fontRef>
+        </p:style>
+        <p:txBody>
+          <a:bodyPr rtlCol="0" anchor="ctr"/>
+          <a:lstStyle/>
+          <a:p>
+            <a:pPr algn="ctr"/>
+            <a:endParaRPr lang="en-SG"/>
+          </a:p>
+        </p:txBody>
+      </p:sp>
+      <p:sp>
+        <p:nvSpPr>
+          <p:cNvPr id="6" name="TextBox 5"/>
+          <p:cNvSpPr txBox="1"/>
+          <p:nvPr/>
+        </p:nvSpPr>
+        <p:spPr>
+          <a:xfrm>
+            <a:off x="3158836" y="5241642"/>
+            <a:ext cx="4128655" cy="830997"/>
+          </a:xfrm>
+          <a:prstGeom prst="rect">
+            <a:avLst/>
+          </a:prstGeom>
+          <a:noFill/>
+        </p:spPr>
+        <p:txBody>
+          <a:bodyPr wrap="square" rtlCol="0">
+            <a:spAutoFit/>
+          </a:bodyPr>
+          <a:lstStyle/>
+          <a:p>
+            <a:pPr marL="0" indent="0">
+              <a:buNone/>
+            </a:pPr>
+            <a:r>
+              <a:rPr lang="en-US" b="1" dirty="0" smtClean="0"/>
+              <a:t>one or more chosen pairs are outliers </a:t>
+            </a:r>
+            <a:endParaRPr lang="en-US" b="1" dirty="0"/>
+          </a:p>
+        </p:txBody>
+      </p:sp>
     </p:spTree>
     <p:extLst>
       <p:ext uri="{BB962C8B-B14F-4D97-AF65-F5344CB8AC3E}">
@@ -23086,8 +23309,8 @@
           </a:p>
         </p:txBody>
       </p:sp>
-      <mc:AlternateContent xmlns:mc="http://schemas.openxmlformats.org/markup-compatibility/2006">
-        <mc:Choice xmlns:a14="http://schemas.microsoft.com/office/drawing/2010/main" Requires="a14">
+      <mc:AlternateContent xmlns:mc="http://schemas.openxmlformats.org/markup-compatibility/2006" xmlns:a14="http://schemas.microsoft.com/office/drawing/2010/main">
+        <mc:Choice Requires="a14">
           <p:sp>
             <p:nvSpPr>
               <p:cNvPr id="3" name="Content Placeholder 2"/>
@@ -23227,18 +23450,7 @@
                                 <a:schemeClr val="bg2"/>
                               </a:solidFill>
                             </a:rPr>
-                            <m:t>1−(</m:t>
-                          </m:r>
-                          <m:r>
-                            <m:rPr>
-                              <m:nor/>
-                            </m:rPr>
-                            <a:rPr lang="pt-BR" dirty="0">
-                              <a:solidFill>
-                                <a:schemeClr val="bg2"/>
-                              </a:solidFill>
-                            </a:rPr>
-                            <m:t>1−</m:t>
+                            <m:t>1−(1−</m:t>
                           </m:r>
                           <m:sSup>
                             <m:sSupPr>
@@ -23384,7 +23596,7 @@
             </p:txBody>
           </p:sp>
         </mc:Choice>
-        <mc:Fallback>
+        <mc:Fallback xmlns="">
           <p:sp>
             <p:nvSpPr>
               <p:cNvPr id="3" name="Content Placeholder 2"/>
@@ -23441,6 +23653,84 @@
           </a:p>
         </p:txBody>
       </p:sp>
+      <p:sp>
+        <p:nvSpPr>
+          <p:cNvPr id="5" name="Right Brace 4"/>
+          <p:cNvSpPr/>
+          <p:nvPr/>
+        </p:nvSpPr>
+        <p:spPr>
+          <a:xfrm rot="5400000">
+            <a:off x="4422713" y="4311882"/>
+            <a:ext cx="540437" cy="1088172"/>
+          </a:xfrm>
+          <a:prstGeom prst="rightBrace">
+            <a:avLst>
+              <a:gd name="adj1" fmla="val 8333"/>
+              <a:gd name="adj2" fmla="val 48401"/>
+            </a:avLst>
+          </a:prstGeom>
+        </p:spPr>
+        <p:style>
+          <a:lnRef idx="2">
+            <a:schemeClr val="dk1"/>
+          </a:lnRef>
+          <a:fillRef idx="0">
+            <a:schemeClr val="dk1"/>
+          </a:fillRef>
+          <a:effectRef idx="1">
+            <a:schemeClr val="dk1"/>
+          </a:effectRef>
+          <a:fontRef idx="minor">
+            <a:schemeClr val="tx1"/>
+          </a:fontRef>
+        </p:style>
+        <p:txBody>
+          <a:bodyPr rtlCol="0" anchor="ctr"/>
+          <a:lstStyle/>
+          <a:p>
+            <a:pPr algn="ctr"/>
+            <a:endParaRPr lang="en-SG"/>
+          </a:p>
+        </p:txBody>
+      </p:sp>
+      <p:sp>
+        <p:nvSpPr>
+          <p:cNvPr id="6" name="TextBox 5"/>
+          <p:cNvSpPr txBox="1"/>
+          <p:nvPr/>
+        </p:nvSpPr>
+        <p:spPr>
+          <a:xfrm>
+            <a:off x="3158836" y="5241642"/>
+            <a:ext cx="4128655" cy="461665"/>
+          </a:xfrm>
+          <a:prstGeom prst="rect">
+            <a:avLst/>
+          </a:prstGeom>
+          <a:noFill/>
+        </p:spPr>
+        <p:txBody>
+          <a:bodyPr wrap="square" rtlCol="0">
+            <a:spAutoFit/>
+          </a:bodyPr>
+          <a:lstStyle/>
+          <a:p>
+            <a:pPr marL="0" indent="0">
+              <a:buNone/>
+            </a:pPr>
+            <a:r>
+              <a:rPr lang="en-US" b="1" dirty="0"/>
+              <a:t>c</a:t>
+            </a:r>
+            <a:r>
+              <a:rPr lang="en-US" b="1" dirty="0" smtClean="0"/>
+              <a:t>hosen pairs are all  inliers</a:t>
+            </a:r>
+            <a:endParaRPr lang="en-US" b="1" dirty="0"/>
+          </a:p>
+        </p:txBody>
+      </p:sp>
     </p:spTree>
     <p:extLst>
       <p:ext uri="{BB962C8B-B14F-4D97-AF65-F5344CB8AC3E}">
@@ -23494,8 +23784,8 @@
           </a:p>
         </p:txBody>
       </p:sp>
-      <mc:AlternateContent xmlns:mc="http://schemas.openxmlformats.org/markup-compatibility/2006">
-        <mc:Choice xmlns:a14="http://schemas.microsoft.com/office/drawing/2010/main" Requires="a14">
+      <mc:AlternateContent xmlns:mc="http://schemas.openxmlformats.org/markup-compatibility/2006" xmlns:a14="http://schemas.microsoft.com/office/drawing/2010/main">
+        <mc:Choice Requires="a14">
           <p:sp>
             <p:nvSpPr>
               <p:cNvPr id="3" name="Content Placeholder 2"/>
@@ -23792,7 +24082,7 @@
             </p:txBody>
           </p:sp>
         </mc:Choice>
-        <mc:Fallback>
+        <mc:Fallback xmlns="">
           <p:sp>
             <p:nvSpPr>
               <p:cNvPr id="3" name="Content Placeholder 2"/>
@@ -23849,6 +24139,84 @@
           </a:p>
         </p:txBody>
       </p:sp>
+      <p:sp>
+        <p:nvSpPr>
+          <p:cNvPr id="5" name="Right Brace 4"/>
+          <p:cNvSpPr/>
+          <p:nvPr/>
+        </p:nvSpPr>
+        <p:spPr>
+          <a:xfrm rot="5400000">
+            <a:off x="4308708" y="3768388"/>
+            <a:ext cx="540437" cy="2175163"/>
+          </a:xfrm>
+          <a:prstGeom prst="rightBrace">
+            <a:avLst>
+              <a:gd name="adj1" fmla="val 8333"/>
+              <a:gd name="adj2" fmla="val 48401"/>
+            </a:avLst>
+          </a:prstGeom>
+        </p:spPr>
+        <p:style>
+          <a:lnRef idx="2">
+            <a:schemeClr val="dk1"/>
+          </a:lnRef>
+          <a:fillRef idx="0">
+            <a:schemeClr val="dk1"/>
+          </a:fillRef>
+          <a:effectRef idx="1">
+            <a:schemeClr val="dk1"/>
+          </a:effectRef>
+          <a:fontRef idx="minor">
+            <a:schemeClr val="tx1"/>
+          </a:fontRef>
+        </p:style>
+        <p:txBody>
+          <a:bodyPr rtlCol="0" anchor="ctr"/>
+          <a:lstStyle/>
+          <a:p>
+            <a:pPr algn="ctr"/>
+            <a:endParaRPr lang="en-SG"/>
+          </a:p>
+        </p:txBody>
+      </p:sp>
+      <p:sp>
+        <p:nvSpPr>
+          <p:cNvPr id="6" name="TextBox 5"/>
+          <p:cNvSpPr txBox="1"/>
+          <p:nvPr/>
+        </p:nvSpPr>
+        <p:spPr>
+          <a:xfrm>
+            <a:off x="3491345" y="5159750"/>
+            <a:ext cx="2507672" cy="830997"/>
+          </a:xfrm>
+          <a:prstGeom prst="rect">
+            <a:avLst/>
+          </a:prstGeom>
+          <a:noFill/>
+        </p:spPr>
+        <p:txBody>
+          <a:bodyPr wrap="square" rtlCol="0">
+            <a:spAutoFit/>
+          </a:bodyPr>
+          <a:lstStyle/>
+          <a:p>
+            <a:pPr marL="0" indent="0">
+              <a:buNone/>
+            </a:pPr>
+            <a:r>
+              <a:rPr lang="en-US" b="1" dirty="0"/>
+              <a:t>a</a:t>
+            </a:r>
+            <a:r>
+              <a:rPr lang="en-US" b="1" dirty="0" smtClean="0"/>
+              <a:t>ll samples are not good</a:t>
+            </a:r>
+            <a:endParaRPr lang="en-US" b="1" dirty="0"/>
+          </a:p>
+        </p:txBody>
+      </p:sp>
     </p:spTree>
     <p:extLst>
       <p:ext uri="{BB962C8B-B14F-4D97-AF65-F5344CB8AC3E}">
@@ -23902,8 +24270,8 @@
           </a:p>
         </p:txBody>
       </p:sp>
-      <mc:AlternateContent xmlns:mc="http://schemas.openxmlformats.org/markup-compatibility/2006">
-        <mc:Choice xmlns:a14="http://schemas.microsoft.com/office/drawing/2010/main" Requires="a14">
+      <mc:AlternateContent xmlns:mc="http://schemas.openxmlformats.org/markup-compatibility/2006" xmlns:a14="http://schemas.microsoft.com/office/drawing/2010/main">
+        <mc:Choice Requires="a14">
           <p:sp>
             <p:nvSpPr>
               <p:cNvPr id="3" name="Content Placeholder 2"/>
@@ -24399,7 +24767,7 @@
             </p:txBody>
           </p:sp>
         </mc:Choice>
-        <mc:Fallback>
+        <mc:Fallback xmlns="">
           <p:sp>
             <p:nvSpPr>
               <p:cNvPr id="3" name="Content Placeholder 2"/>
@@ -24509,8 +24877,8 @@
           </a:p>
         </p:txBody>
       </p:sp>
-      <mc:AlternateContent xmlns:mc="http://schemas.openxmlformats.org/markup-compatibility/2006">
-        <mc:Choice xmlns:a14="http://schemas.microsoft.com/office/drawing/2010/main" Requires="a14">
+      <mc:AlternateContent xmlns:mc="http://schemas.openxmlformats.org/markup-compatibility/2006" xmlns:a14="http://schemas.microsoft.com/office/drawing/2010/main">
+        <mc:Choice Requires="a14">
           <p:sp>
             <p:nvSpPr>
               <p:cNvPr id="3" name="Content Placeholder 2"/>
@@ -24792,7 +25160,7 @@
             </p:txBody>
           </p:sp>
         </mc:Choice>
-        <mc:Fallback>
+        <mc:Fallback xmlns="">
           <p:sp>
             <p:nvSpPr>
               <p:cNvPr id="3" name="Content Placeholder 2"/>
